--- a/markdown/files/slides/03.pptx
+++ b/markdown/files/slides/03.pptx
@@ -5,7 +5,7 @@
     <p:sldMasterId id="2147483648" r:id="rId1"/>
   </p:sldMasterIdLst>
   <p:notesMasterIdLst>
-    <p:notesMasterId r:id="rId49"/>
+    <p:notesMasterId r:id="rId60"/>
   </p:notesMasterIdLst>
   <p:sldIdLst>
     <p:sldId id="256" r:id="rId2"/>
@@ -24,37 +24,48 @@
     <p:sldId id="322" r:id="rId15"/>
     <p:sldId id="323" r:id="rId16"/>
     <p:sldId id="324" r:id="rId17"/>
-    <p:sldId id="325" r:id="rId18"/>
-    <p:sldId id="326" r:id="rId19"/>
-    <p:sldId id="327" r:id="rId20"/>
-    <p:sldId id="328" r:id="rId21"/>
-    <p:sldId id="329" r:id="rId22"/>
-    <p:sldId id="330" r:id="rId23"/>
-    <p:sldId id="331" r:id="rId24"/>
-    <p:sldId id="332" r:id="rId25"/>
-    <p:sldId id="333" r:id="rId26"/>
-    <p:sldId id="334" r:id="rId27"/>
-    <p:sldId id="335" r:id="rId28"/>
-    <p:sldId id="336" r:id="rId29"/>
-    <p:sldId id="337" r:id="rId30"/>
-    <p:sldId id="338" r:id="rId31"/>
-    <p:sldId id="339" r:id="rId32"/>
-    <p:sldId id="313" r:id="rId33"/>
-    <p:sldId id="262" r:id="rId34"/>
-    <p:sldId id="277" r:id="rId35"/>
-    <p:sldId id="281" r:id="rId36"/>
-    <p:sldId id="282" r:id="rId37"/>
-    <p:sldId id="286" r:id="rId38"/>
-    <p:sldId id="287" r:id="rId39"/>
-    <p:sldId id="295" r:id="rId40"/>
-    <p:sldId id="289" r:id="rId41"/>
-    <p:sldId id="296" r:id="rId42"/>
-    <p:sldId id="297" r:id="rId43"/>
-    <p:sldId id="309" r:id="rId44"/>
-    <p:sldId id="310" r:id="rId45"/>
-    <p:sldId id="311" r:id="rId46"/>
-    <p:sldId id="312" r:id="rId47"/>
-    <p:sldId id="302" r:id="rId48"/>
+    <p:sldId id="340" r:id="rId18"/>
+    <p:sldId id="341" r:id="rId19"/>
+    <p:sldId id="343" r:id="rId20"/>
+    <p:sldId id="345" r:id="rId21"/>
+    <p:sldId id="325" r:id="rId22"/>
+    <p:sldId id="326" r:id="rId23"/>
+    <p:sldId id="327" r:id="rId24"/>
+    <p:sldId id="328" r:id="rId25"/>
+    <p:sldId id="329" r:id="rId26"/>
+    <p:sldId id="330" r:id="rId27"/>
+    <p:sldId id="331" r:id="rId28"/>
+    <p:sldId id="332" r:id="rId29"/>
+    <p:sldId id="333" r:id="rId30"/>
+    <p:sldId id="334" r:id="rId31"/>
+    <p:sldId id="335" r:id="rId32"/>
+    <p:sldId id="336" r:id="rId33"/>
+    <p:sldId id="337" r:id="rId34"/>
+    <p:sldId id="338" r:id="rId35"/>
+    <p:sldId id="339" r:id="rId36"/>
+    <p:sldId id="346" r:id="rId37"/>
+    <p:sldId id="347" r:id="rId38"/>
+    <p:sldId id="351" r:id="rId39"/>
+    <p:sldId id="348" r:id="rId40"/>
+    <p:sldId id="350" r:id="rId41"/>
+    <p:sldId id="349" r:id="rId42"/>
+    <p:sldId id="352" r:id="rId43"/>
+    <p:sldId id="313" r:id="rId44"/>
+    <p:sldId id="262" r:id="rId45"/>
+    <p:sldId id="277" r:id="rId46"/>
+    <p:sldId id="281" r:id="rId47"/>
+    <p:sldId id="282" r:id="rId48"/>
+    <p:sldId id="286" r:id="rId49"/>
+    <p:sldId id="287" r:id="rId50"/>
+    <p:sldId id="295" r:id="rId51"/>
+    <p:sldId id="289" r:id="rId52"/>
+    <p:sldId id="296" r:id="rId53"/>
+    <p:sldId id="297" r:id="rId54"/>
+    <p:sldId id="309" r:id="rId55"/>
+    <p:sldId id="310" r:id="rId56"/>
+    <p:sldId id="311" r:id="rId57"/>
+    <p:sldId id="312" r:id="rId58"/>
+    <p:sldId id="302" r:id="rId59"/>
   </p:sldIdLst>
   <p:sldSz cx="12192000" cy="6858000"/>
   <p:notesSz cx="6858000" cy="9144000"/>
@@ -4927,6 +4938,1657 @@
         <p:cNvPr id="1" name="">
           <a:extLst>
             <a:ext uri="{FF2B5EF4-FFF2-40B4-BE49-F238E27FC236}">
+              <a16:creationId xmlns:a16="http://schemas.microsoft.com/office/drawing/2014/main" id="{64ECD08C-038C-92B0-BE9D-D63EFED96618}"/>
+            </a:ext>
+          </a:extLst>
+        </p:cNvPr>
+        <p:cNvGrpSpPr/>
+        <p:nvPr/>
+      </p:nvGrpSpPr>
+      <p:grpSpPr>
+        <a:xfrm>
+          <a:off x="0" y="0"/>
+          <a:ext cx="0" cy="0"/>
+          <a:chOff x="0" y="0"/>
+          <a:chExt cx="0" cy="0"/>
+        </a:xfrm>
+      </p:grpSpPr>
+      <p:sp>
+        <p:nvSpPr>
+          <p:cNvPr id="2" name="Title 1">
+            <a:extLst>
+              <a:ext uri="{FF2B5EF4-FFF2-40B4-BE49-F238E27FC236}">
+                <a16:creationId xmlns:a16="http://schemas.microsoft.com/office/drawing/2014/main" id="{74F75292-3027-D691-92D0-8FC8182C413B}"/>
+              </a:ext>
+            </a:extLst>
+          </p:cNvPr>
+          <p:cNvSpPr>
+            <a:spLocks noGrp="1"/>
+          </p:cNvSpPr>
+          <p:nvPr>
+            <p:ph type="title"/>
+          </p:nvPr>
+        </p:nvSpPr>
+        <p:spPr/>
+        <p:txBody>
+          <a:bodyPr/>
+          <a:lstStyle/>
+          <a:p>
+            <a:r>
+              <a:rPr lang="en-US" dirty="0"/>
+              <a:t>Let’s Practice! (Example 3)</a:t>
+            </a:r>
+          </a:p>
+        </p:txBody>
+      </p:sp>
+      <p:sp>
+        <p:nvSpPr>
+          <p:cNvPr id="3" name="Text Placeholder 2">
+            <a:extLst>
+              <a:ext uri="{FF2B5EF4-FFF2-40B4-BE49-F238E27FC236}">
+                <a16:creationId xmlns:a16="http://schemas.microsoft.com/office/drawing/2014/main" id="{33094245-5CCF-809B-5E39-54DB4CB2535B}"/>
+              </a:ext>
+            </a:extLst>
+          </p:cNvPr>
+          <p:cNvSpPr>
+            <a:spLocks noGrp="1"/>
+          </p:cNvSpPr>
+          <p:nvPr>
+            <p:ph type="body" idx="1"/>
+          </p:nvPr>
+        </p:nvSpPr>
+        <p:spPr/>
+        <p:txBody>
+          <a:bodyPr/>
+          <a:lstStyle/>
+          <a:p>
+            <a:endParaRPr lang="en-US" dirty="0"/>
+          </a:p>
+        </p:txBody>
+      </p:sp>
+    </p:spTree>
+    <p:extLst>
+      <p:ext uri="{BB962C8B-B14F-4D97-AF65-F5344CB8AC3E}">
+        <p14:creationId xmlns:p14="http://schemas.microsoft.com/office/powerpoint/2010/main" val="3610786878"/>
+      </p:ext>
+    </p:extLst>
+  </p:cSld>
+  <p:clrMapOvr>
+    <a:masterClrMapping/>
+  </p:clrMapOvr>
+</p:sld>
+</file>
+
+<file path=ppt/slides/slide18.xml><?xml version="1.0" encoding="utf-8"?>
+<p:sld xmlns:a="http://schemas.openxmlformats.org/drawingml/2006/main" xmlns:r="http://schemas.openxmlformats.org/officeDocument/2006/relationships" xmlns:p="http://schemas.openxmlformats.org/presentationml/2006/main">
+  <p:cSld>
+    <p:spTree>
+      <p:nvGrpSpPr>
+        <p:cNvPr id="1" name="">
+          <a:extLst>
+            <a:ext uri="{FF2B5EF4-FFF2-40B4-BE49-F238E27FC236}">
+              <a16:creationId xmlns:a16="http://schemas.microsoft.com/office/drawing/2014/main" id="{32DA8F69-2851-34D2-6ACA-8226470B2B8A}"/>
+            </a:ext>
+          </a:extLst>
+        </p:cNvPr>
+        <p:cNvGrpSpPr/>
+        <p:nvPr/>
+      </p:nvGrpSpPr>
+      <p:grpSpPr>
+        <a:xfrm>
+          <a:off x="0" y="0"/>
+          <a:ext cx="0" cy="0"/>
+          <a:chOff x="0" y="0"/>
+          <a:chExt cx="0" cy="0"/>
+        </a:xfrm>
+      </p:grpSpPr>
+      <p:sp>
+        <p:nvSpPr>
+          <p:cNvPr id="2" name="Title 1">
+            <a:extLst>
+              <a:ext uri="{FF2B5EF4-FFF2-40B4-BE49-F238E27FC236}">
+                <a16:creationId xmlns:a16="http://schemas.microsoft.com/office/drawing/2014/main" id="{1B28B3E1-9720-3F48-1F06-DAC8B461032A}"/>
+              </a:ext>
+            </a:extLst>
+          </p:cNvPr>
+          <p:cNvSpPr>
+            <a:spLocks noGrp="1"/>
+          </p:cNvSpPr>
+          <p:nvPr>
+            <p:ph type="title"/>
+          </p:nvPr>
+        </p:nvSpPr>
+        <p:spPr/>
+        <p:txBody>
+          <a:bodyPr/>
+          <a:lstStyle/>
+          <a:p>
+            <a:r>
+              <a:rPr lang="en-US" dirty="0"/>
+              <a:t>Example 3</a:t>
+            </a:r>
+          </a:p>
+        </p:txBody>
+      </p:sp>
+      <mc:AlternateContent xmlns:mc="http://schemas.openxmlformats.org/markup-compatibility/2006">
+        <mc:Choice xmlns:a14="http://schemas.microsoft.com/office/drawing/2010/main" Requires="a14">
+          <p:sp>
+            <p:nvSpPr>
+              <p:cNvPr id="3" name="Content Placeholder 2">
+                <a:extLst>
+                  <a:ext uri="{FF2B5EF4-FFF2-40B4-BE49-F238E27FC236}">
+                    <a16:creationId xmlns:a16="http://schemas.microsoft.com/office/drawing/2014/main" id="{94906DE4-1241-2422-FCD7-6F8D5E199EA0}"/>
+                  </a:ext>
+                </a:extLst>
+              </p:cNvPr>
+              <p:cNvSpPr>
+                <a:spLocks noGrp="1"/>
+              </p:cNvSpPr>
+              <p:nvPr>
+                <p:ph idx="1"/>
+              </p:nvPr>
+            </p:nvSpPr>
+            <p:spPr/>
+            <p:txBody>
+              <a:bodyPr>
+                <a:normAutofit/>
+              </a:bodyPr>
+              <a:lstStyle/>
+              <a:p>
+                <a:pPr marL="457200" indent="-457200">
+                  <a:buFont typeface="Arial" panose="020B0604020202020204" pitchFamily="34" charset="0"/>
+                  <a:buChar char="•"/>
+                </a:pPr>
+                <a:r>
+                  <a:rPr lang="en-US" b="1" dirty="0"/>
+                  <a:t>Claim: </a:t>
+                </a:r>
+                <a:r>
+                  <a:rPr lang="en-US" dirty="0"/>
+                  <a:t>If </a:t>
+                </a:r>
+                <a14:m>
+                  <m:oMath xmlns:m="http://schemas.openxmlformats.org/officeDocument/2006/math">
+                    <m:r>
+                      <a:rPr lang="en-US" b="0" i="1" smtClean="0">
+                        <a:latin typeface="Cambria Math" panose="02040503050406030204" pitchFamily="18" charset="0"/>
+                      </a:rPr>
+                      <m:t>4</m:t>
+                    </m:r>
+                    <m:sSup>
+                      <m:sSupPr>
+                        <m:ctrlPr>
+                          <a:rPr lang="en-US" b="0" i="1" smtClean="0">
+                            <a:latin typeface="Cambria Math" panose="02040503050406030204" pitchFamily="18" charset="0"/>
+                          </a:rPr>
+                        </m:ctrlPr>
+                      </m:sSupPr>
+                      <m:e>
+                        <m:r>
+                          <a:rPr lang="en-US" b="0" i="1" smtClean="0">
+                            <a:latin typeface="Cambria Math" panose="02040503050406030204" pitchFamily="18" charset="0"/>
+                          </a:rPr>
+                          <m:t>𝑛</m:t>
+                        </m:r>
+                      </m:e>
+                      <m:sup>
+                        <m:r>
+                          <a:rPr lang="en-US" b="0" i="1" smtClean="0">
+                            <a:latin typeface="Cambria Math" panose="02040503050406030204" pitchFamily="18" charset="0"/>
+                          </a:rPr>
+                          <m:t>3</m:t>
+                        </m:r>
+                      </m:sup>
+                    </m:sSup>
+                    <m:r>
+                      <a:rPr lang="en-US" b="0" i="1" smtClean="0">
+                        <a:latin typeface="Cambria Math" panose="02040503050406030204" pitchFamily="18" charset="0"/>
+                      </a:rPr>
+                      <m:t>+8</m:t>
+                    </m:r>
+                  </m:oMath>
+                </a14:m>
+                <a:r>
+                  <a:rPr lang="en-US" dirty="0"/>
+                  <a:t> is even then </a:t>
+                </a:r>
+                <a14:m>
+                  <m:oMath xmlns:m="http://schemas.openxmlformats.org/officeDocument/2006/math">
+                    <m:r>
+                      <a:rPr lang="en-US" b="0" i="1" smtClean="0">
+                        <a:latin typeface="Cambria Math" panose="02040503050406030204" pitchFamily="18" charset="0"/>
+                      </a:rPr>
+                      <m:t>𝑛</m:t>
+                    </m:r>
+                  </m:oMath>
+                </a14:m>
+                <a:r>
+                  <a:rPr lang="en-US" dirty="0"/>
+                  <a:t> is even</a:t>
+                </a:r>
+              </a:p>
+              <a:p>
+                <a:pPr marL="457200" indent="-457200">
+                  <a:buFont typeface="Arial" panose="020B0604020202020204" pitchFamily="34" charset="0"/>
+                  <a:buChar char="•"/>
+                </a:pPr>
+                <a:endParaRPr lang="en-US" dirty="0"/>
+              </a:p>
+              <a:p>
+                <a:pPr marL="457200" indent="-457200">
+                  <a:buFont typeface="Arial" panose="020B0604020202020204" pitchFamily="34" charset="0"/>
+                  <a:buChar char="•"/>
+                </a:pPr>
+                <a:endParaRPr lang="en-US" dirty="0"/>
+              </a:p>
+              <a:p>
+                <a:pPr marL="457200" indent="-457200">
+                  <a:buFont typeface="Arial" panose="020B0604020202020204" pitchFamily="34" charset="0"/>
+                  <a:buChar char="•"/>
+                </a:pPr>
+                <a:endParaRPr lang="en-US" dirty="0"/>
+              </a:p>
+              <a:p>
+                <a:pPr marL="457200" indent="-457200">
+                  <a:buFont typeface="Arial" panose="020B0604020202020204" pitchFamily="34" charset="0"/>
+                  <a:buChar char="•"/>
+                </a:pPr>
+                <a:r>
+                  <a:rPr lang="en-US" dirty="0"/>
+                  <a:t>Do you think the statement is true or false?</a:t>
+                </a:r>
+              </a:p>
+              <a:p>
+                <a:pPr marL="457200" indent="-457200">
+                  <a:buFont typeface="Arial" panose="020B0604020202020204" pitchFamily="34" charset="0"/>
+                  <a:buChar char="•"/>
+                </a:pPr>
+                <a:r>
+                  <a:rPr lang="en-US" dirty="0"/>
+                  <a:t>Which strategy seems easiest to you?</a:t>
+                </a:r>
+              </a:p>
+            </p:txBody>
+          </p:sp>
+        </mc:Choice>
+        <mc:Fallback>
+          <p:sp>
+            <p:nvSpPr>
+              <p:cNvPr id="3" name="Content Placeholder 2">
+                <a:extLst>
+                  <a:ext uri="{FF2B5EF4-FFF2-40B4-BE49-F238E27FC236}">
+                    <a16:creationId xmlns:a16="http://schemas.microsoft.com/office/drawing/2014/main" id="{94906DE4-1241-2422-FCD7-6F8D5E199EA0}"/>
+                  </a:ext>
+                </a:extLst>
+              </p:cNvPr>
+              <p:cNvSpPr>
+                <a:spLocks noGrp="1" noRot="1" noChangeAspect="1" noMove="1" noResize="1" noEditPoints="1" noAdjustHandles="1" noChangeArrowheads="1" noChangeShapeType="1" noTextEdit="1"/>
+              </p:cNvSpPr>
+              <p:nvPr>
+                <p:ph idx="1"/>
+              </p:nvPr>
+            </p:nvSpPr>
+            <p:spPr>
+              <a:blipFill>
+                <a:blip r:embed="rId2"/>
+                <a:stretch>
+                  <a:fillRect l="-1043" t="-380" b="-2408"/>
+                </a:stretch>
+              </a:blipFill>
+            </p:spPr>
+            <p:txBody>
+              <a:bodyPr/>
+              <a:lstStyle/>
+              <a:p>
+                <a:r>
+                  <a:rPr lang="en-US">
+                    <a:noFill/>
+                  </a:rPr>
+                  <a:t> </a:t>
+                </a:r>
+              </a:p>
+            </p:txBody>
+          </p:sp>
+        </mc:Fallback>
+      </mc:AlternateContent>
+      <mc:AlternateContent xmlns:mc="http://schemas.openxmlformats.org/markup-compatibility/2006">
+        <mc:Choice xmlns:a14="http://schemas.microsoft.com/office/drawing/2010/main" Requires="a14">
+          <p:graphicFrame>
+            <p:nvGraphicFramePr>
+              <p:cNvPr id="4" name="Table 3">
+                <a:extLst>
+                  <a:ext uri="{FF2B5EF4-FFF2-40B4-BE49-F238E27FC236}">
+                    <a16:creationId xmlns:a16="http://schemas.microsoft.com/office/drawing/2014/main" id="{46855552-5F7A-FF59-C25B-F1BBD746E78E}"/>
+                  </a:ext>
+                </a:extLst>
+              </p:cNvPr>
+              <p:cNvGraphicFramePr>
+                <a:graphicFrameLocks noGrp="1"/>
+              </p:cNvGraphicFramePr>
+              <p:nvPr>
+                <p:extLst>
+                  <p:ext uri="{D42A27DB-BD31-4B8C-83A1-F6EECF244321}">
+                    <p14:modId xmlns:p14="http://schemas.microsoft.com/office/powerpoint/2010/main" val="1427652233"/>
+                  </p:ext>
+                </p:extLst>
+              </p:nvPr>
+            </p:nvGraphicFramePr>
+            <p:xfrm>
+              <a:off x="437322" y="2164417"/>
+              <a:ext cx="11400184" cy="1833880"/>
+            </p:xfrm>
+            <a:graphic>
+              <a:graphicData uri="http://schemas.openxmlformats.org/drawingml/2006/table">
+                <a:tbl>
+                  <a:tblPr firstRow="1" bandRow="1">
+                    <a:tableStyleId>{5C22544A-7EE6-4342-B048-85BDC9FD1C3A}</a:tableStyleId>
+                  </a:tblPr>
+                  <a:tblGrid>
+                    <a:gridCol w="2850046">
+                      <a:extLst>
+                        <a:ext uri="{9D8B030D-6E8A-4147-A177-3AD203B41FA5}">
+                          <a16:colId xmlns:a16="http://schemas.microsoft.com/office/drawing/2014/main" val="1804739404"/>
+                        </a:ext>
+                      </a:extLst>
+                    </a:gridCol>
+                    <a:gridCol w="2850046">
+                      <a:extLst>
+                        <a:ext uri="{9D8B030D-6E8A-4147-A177-3AD203B41FA5}">
+                          <a16:colId xmlns:a16="http://schemas.microsoft.com/office/drawing/2014/main" val="3455385937"/>
+                        </a:ext>
+                      </a:extLst>
+                    </a:gridCol>
+                    <a:gridCol w="2850046">
+                      <a:extLst>
+                        <a:ext uri="{9D8B030D-6E8A-4147-A177-3AD203B41FA5}">
+                          <a16:colId xmlns:a16="http://schemas.microsoft.com/office/drawing/2014/main" val="3544786661"/>
+                        </a:ext>
+                      </a:extLst>
+                    </a:gridCol>
+                    <a:gridCol w="2850046">
+                      <a:extLst>
+                        <a:ext uri="{9D8B030D-6E8A-4147-A177-3AD203B41FA5}">
+                          <a16:colId xmlns:a16="http://schemas.microsoft.com/office/drawing/2014/main" val="1393404857"/>
+                        </a:ext>
+                      </a:extLst>
+                    </a:gridCol>
+                  </a:tblGrid>
+                  <a:tr h="370840">
+                    <a:tc>
+                      <a:txBody>
+                        <a:bodyPr/>
+                        <a:lstStyle/>
+                        <a:p>
+                          <a:r>
+                            <a:rPr lang="en-US" dirty="0"/>
+                            <a:t>Direct Proof</a:t>
+                          </a:r>
+                        </a:p>
+                      </a:txBody>
+                      <a:tcPr/>
+                    </a:tc>
+                    <a:tc>
+                      <a:txBody>
+                        <a:bodyPr/>
+                        <a:lstStyle/>
+                        <a:p>
+                          <a:r>
+                            <a:rPr lang="en-US" dirty="0"/>
+                            <a:t>Indirect Proof</a:t>
+                          </a:r>
+                        </a:p>
+                      </a:txBody>
+                      <a:tcPr/>
+                    </a:tc>
+                    <a:tc>
+                      <a:txBody>
+                        <a:bodyPr/>
+                        <a:lstStyle/>
+                        <a:p>
+                          <a:r>
+                            <a:rPr lang="en-US" dirty="0"/>
+                            <a:t>Contradiction</a:t>
+                          </a:r>
+                        </a:p>
+                      </a:txBody>
+                      <a:tcPr/>
+                    </a:tc>
+                    <a:tc>
+                      <a:txBody>
+                        <a:bodyPr/>
+                        <a:lstStyle/>
+                        <a:p>
+                          <a:r>
+                            <a:rPr lang="en-US" dirty="0"/>
+                            <a:t>Counterexample</a:t>
+                          </a:r>
+                        </a:p>
+                      </a:txBody>
+                      <a:tcPr/>
+                    </a:tc>
+                    <a:extLst>
+                      <a:ext uri="{0D108BD9-81ED-4DB2-BD59-A6C34878D82A}">
+                        <a16:rowId xmlns:a16="http://schemas.microsoft.com/office/drawing/2014/main" val="3714935835"/>
+                      </a:ext>
+                    </a:extLst>
+                  </a:tr>
+                  <a:tr h="370840">
+                    <a:tc>
+                      <a:txBody>
+                        <a:bodyPr/>
+                        <a:lstStyle/>
+                        <a:p>
+                          <a:r>
+                            <a:rPr lang="en-US" b="1" dirty="0"/>
+                            <a:t>Start with:</a:t>
+                          </a:r>
+                          <a:r>
+                            <a:rPr lang="en-US" b="0" baseline="0" dirty="0"/>
+                            <a:t> </a:t>
+                          </a:r>
+                          <a14:m>
+                            <m:oMath xmlns:m="http://schemas.openxmlformats.org/officeDocument/2006/math">
+                              <m:sSup>
+                                <m:sSupPr>
+                                  <m:ctrlPr>
+                                    <a:rPr lang="en-US" b="0" i="1" baseline="0" smtClean="0">
+                                      <a:latin typeface="Cambria Math" panose="02040503050406030204" pitchFamily="18" charset="0"/>
+                                    </a:rPr>
+                                  </m:ctrlPr>
+                                </m:sSupPr>
+                                <m:e>
+                                  <m:r>
+                                    <a:rPr lang="en-US" b="0" i="1" baseline="0" smtClean="0">
+                                      <a:latin typeface="Cambria Math" panose="02040503050406030204" pitchFamily="18" charset="0"/>
+                                    </a:rPr>
+                                    <m:t>4</m:t>
+                                  </m:r>
+                                  <m:r>
+                                    <a:rPr lang="en-US" b="0" i="1" baseline="0" smtClean="0">
+                                      <a:latin typeface="Cambria Math" panose="02040503050406030204" pitchFamily="18" charset="0"/>
+                                    </a:rPr>
+                                    <m:t>𝑛</m:t>
+                                  </m:r>
+                                </m:e>
+                                <m:sup>
+                                  <m:r>
+                                    <a:rPr lang="en-US" b="0" i="1" baseline="0" smtClean="0">
+                                      <a:latin typeface="Cambria Math" panose="02040503050406030204" pitchFamily="18" charset="0"/>
+                                    </a:rPr>
+                                    <m:t>3</m:t>
+                                  </m:r>
+                                </m:sup>
+                              </m:sSup>
+                              <m:r>
+                                <a:rPr lang="en-US" b="0" i="1" baseline="0" smtClean="0">
+                                  <a:latin typeface="Cambria Math" panose="02040503050406030204" pitchFamily="18" charset="0"/>
+                                </a:rPr>
+                                <m:t>+8</m:t>
+                              </m:r>
+                            </m:oMath>
+                          </a14:m>
+                          <a:r>
+                            <a:rPr lang="en-US" b="0" dirty="0"/>
+                            <a:t> is even</a:t>
+                          </a:r>
+                        </a:p>
+                        <a:p>
+                          <a:endParaRPr lang="en-US" dirty="0"/>
+                        </a:p>
+                        <a:p>
+                          <a:r>
+                            <a:rPr lang="en-US" b="1" dirty="0"/>
+                            <a:t>End with:</a:t>
+                          </a:r>
+                          <a:r>
+                            <a:rPr lang="en-US" b="1" baseline="0" dirty="0"/>
+                            <a:t> </a:t>
+                          </a:r>
+                          <a14:m>
+                            <m:oMath xmlns:m="http://schemas.openxmlformats.org/officeDocument/2006/math">
+                              <m:r>
+                                <a:rPr lang="en-US" b="0" i="1" baseline="0" smtClean="0">
+                                  <a:latin typeface="Cambria Math" panose="02040503050406030204" pitchFamily="18" charset="0"/>
+                                </a:rPr>
+                                <m:t>𝑛</m:t>
+                              </m:r>
+                            </m:oMath>
+                          </a14:m>
+                          <a:r>
+                            <a:rPr lang="en-US" dirty="0"/>
+                            <a:t> is even</a:t>
+                          </a:r>
+                        </a:p>
+                      </a:txBody>
+                      <a:tcPr/>
+                    </a:tc>
+                    <a:tc>
+                      <a:txBody>
+                        <a:bodyPr/>
+                        <a:lstStyle/>
+                        <a:p>
+                          <a:r>
+                            <a:rPr lang="en-US" b="1" dirty="0"/>
+                            <a:t>Start with:</a:t>
+                          </a:r>
+                          <a:r>
+                            <a:rPr lang="en-US" b="1" baseline="0" dirty="0"/>
+                            <a:t> </a:t>
+                          </a:r>
+                          <a14:m>
+                            <m:oMath xmlns:m="http://schemas.openxmlformats.org/officeDocument/2006/math">
+                              <m:r>
+                                <a:rPr lang="en-US" b="0" i="1" baseline="0" smtClean="0">
+                                  <a:latin typeface="Cambria Math" panose="02040503050406030204" pitchFamily="18" charset="0"/>
+                                </a:rPr>
+                                <m:t>𝑛</m:t>
+                              </m:r>
+                            </m:oMath>
+                          </a14:m>
+                          <a:r>
+                            <a:rPr lang="en-US" b="0" dirty="0"/>
+                            <a:t> is odd</a:t>
+                          </a:r>
+                        </a:p>
+                        <a:p>
+                          <a:endParaRPr lang="en-US" dirty="0"/>
+                        </a:p>
+                        <a:p>
+                          <a:r>
+                            <a:rPr lang="en-US" b="1" dirty="0"/>
+                            <a:t>End with: </a:t>
+                          </a:r>
+                          <a14:m>
+                            <m:oMath xmlns:m="http://schemas.openxmlformats.org/officeDocument/2006/math">
+                              <m:sSup>
+                                <m:sSupPr>
+                                  <m:ctrlPr>
+                                    <a:rPr lang="en-US" b="0" i="1" smtClean="0">
+                                      <a:latin typeface="Cambria Math" panose="02040503050406030204" pitchFamily="18" charset="0"/>
+                                    </a:rPr>
+                                  </m:ctrlPr>
+                                </m:sSupPr>
+                                <m:e>
+                                  <m:r>
+                                    <a:rPr lang="en-US" b="0" i="1" smtClean="0">
+                                      <a:latin typeface="Cambria Math" panose="02040503050406030204" pitchFamily="18" charset="0"/>
+                                    </a:rPr>
+                                    <m:t>4</m:t>
+                                  </m:r>
+                                  <m:r>
+                                    <a:rPr lang="en-US" b="0" i="1" smtClean="0">
+                                      <a:latin typeface="Cambria Math" panose="02040503050406030204" pitchFamily="18" charset="0"/>
+                                    </a:rPr>
+                                    <m:t>𝑛</m:t>
+                                  </m:r>
+                                </m:e>
+                                <m:sup>
+                                  <m:r>
+                                    <a:rPr lang="en-US" b="0" i="1" smtClean="0">
+                                      <a:latin typeface="Cambria Math" panose="02040503050406030204" pitchFamily="18" charset="0"/>
+                                    </a:rPr>
+                                    <m:t>3</m:t>
+                                  </m:r>
+                                </m:sup>
+                              </m:sSup>
+                              <m:r>
+                                <a:rPr lang="en-US" b="0" i="1" smtClean="0">
+                                  <a:latin typeface="Cambria Math" panose="02040503050406030204" pitchFamily="18" charset="0"/>
+                                </a:rPr>
+                                <m:t>+8</m:t>
+                              </m:r>
+                            </m:oMath>
+                          </a14:m>
+                          <a:r>
+                            <a:rPr lang="en-US" b="0" dirty="0"/>
+                            <a:t> is odd</a:t>
+                          </a:r>
+                        </a:p>
+                      </a:txBody>
+                      <a:tcPr/>
+                    </a:tc>
+                    <a:tc>
+                      <a:txBody>
+                        <a:bodyPr/>
+                        <a:lstStyle/>
+                        <a:p>
+                          <a:r>
+                            <a:rPr lang="en-US" b="1" dirty="0"/>
+                            <a:t>Start with: </a:t>
+                          </a:r>
+                          <a14:m>
+                            <m:oMath xmlns:m="http://schemas.openxmlformats.org/officeDocument/2006/math">
+                              <m:r>
+                                <a:rPr lang="en-US" b="0" i="1" smtClean="0">
+                                  <a:latin typeface="Cambria Math" panose="02040503050406030204" pitchFamily="18" charset="0"/>
+                                </a:rPr>
+                                <m:t>𝑛</m:t>
+                              </m:r>
+                            </m:oMath>
+                          </a14:m>
+                          <a:r>
+                            <a:rPr lang="en-US" b="0" dirty="0"/>
+                            <a:t> is odd and</a:t>
+                          </a:r>
+                          <a:r>
+                            <a:rPr lang="en-US" b="0" baseline="0" dirty="0"/>
+                            <a:t> </a:t>
+                          </a:r>
+                          <a14:m>
+                            <m:oMath xmlns:m="http://schemas.openxmlformats.org/officeDocument/2006/math">
+                              <m:r>
+                                <a:rPr lang="en-US" b="0" i="0" baseline="0" smtClean="0">
+                                  <a:latin typeface="Cambria Math" panose="02040503050406030204" pitchFamily="18" charset="0"/>
+                                </a:rPr>
+                                <m:t>4</m:t>
+                              </m:r>
+                              <m:sSup>
+                                <m:sSupPr>
+                                  <m:ctrlPr>
+                                    <a:rPr lang="en-US" b="0" i="1" baseline="0" smtClean="0">
+                                      <a:latin typeface="Cambria Math" panose="02040503050406030204" pitchFamily="18" charset="0"/>
+                                    </a:rPr>
+                                  </m:ctrlPr>
+                                </m:sSupPr>
+                                <m:e>
+                                  <m:r>
+                                    <a:rPr lang="en-US" b="0" i="1" baseline="0" smtClean="0">
+                                      <a:latin typeface="Cambria Math" panose="02040503050406030204" pitchFamily="18" charset="0"/>
+                                    </a:rPr>
+                                    <m:t>𝑛</m:t>
+                                  </m:r>
+                                </m:e>
+                                <m:sup>
+                                  <m:r>
+                                    <a:rPr lang="en-US" b="0" i="1" baseline="0" smtClean="0">
+                                      <a:latin typeface="Cambria Math" panose="02040503050406030204" pitchFamily="18" charset="0"/>
+                                    </a:rPr>
+                                    <m:t>3</m:t>
+                                  </m:r>
+                                </m:sup>
+                              </m:sSup>
+                              <m:r>
+                                <a:rPr lang="en-US" b="0" i="1" baseline="0" smtClean="0">
+                                  <a:latin typeface="Cambria Math" panose="02040503050406030204" pitchFamily="18" charset="0"/>
+                                </a:rPr>
+                                <m:t>+8</m:t>
+                              </m:r>
+                            </m:oMath>
+                          </a14:m>
+                          <a:r>
+                            <a:rPr lang="en-US" b="0" dirty="0"/>
+                            <a:t> is even</a:t>
+                          </a:r>
+                        </a:p>
+                        <a:p>
+                          <a:r>
+                            <a:rPr lang="en-US" b="1" dirty="0"/>
+                            <a:t>End with:</a:t>
+                          </a:r>
+                          <a:r>
+                            <a:rPr lang="en-US" b="1" baseline="0" dirty="0"/>
+                            <a:t> </a:t>
+                          </a:r>
+                          <a:r>
+                            <a:rPr lang="en-US" b="0" baseline="0" dirty="0"/>
+                            <a:t>something that’s clearly wrong</a:t>
+                          </a:r>
+                          <a:endParaRPr lang="en-US" dirty="0"/>
+                        </a:p>
+                        <a:p>
+                          <a:endParaRPr lang="en-US" dirty="0"/>
+                        </a:p>
+                      </a:txBody>
+                      <a:tcPr/>
+                    </a:tc>
+                    <a:tc>
+                      <a:txBody>
+                        <a:bodyPr/>
+                        <a:lstStyle/>
+                        <a:p>
+                          <a:r>
+                            <a:rPr lang="en-US" dirty="0"/>
+                            <a:t>Find an example of</a:t>
+                          </a:r>
+                          <a:r>
+                            <a:rPr lang="en-US" baseline="0" dirty="0"/>
+                            <a:t> an odd integer </a:t>
+                          </a:r>
+                          <a14:m>
+                            <m:oMath xmlns:m="http://schemas.openxmlformats.org/officeDocument/2006/math">
+                              <m:r>
+                                <a:rPr lang="en-US" b="0" i="1" baseline="0" smtClean="0">
+                                  <a:latin typeface="Cambria Math" panose="02040503050406030204" pitchFamily="18" charset="0"/>
+                                </a:rPr>
+                                <m:t>𝑛</m:t>
+                              </m:r>
+                            </m:oMath>
+                          </a14:m>
+                          <a:r>
+                            <a:rPr lang="en-US" dirty="0"/>
+                            <a:t> such that </a:t>
+                          </a:r>
+                          <a14:m>
+                            <m:oMath xmlns:m="http://schemas.openxmlformats.org/officeDocument/2006/math">
+                              <m:sSup>
+                                <m:sSupPr>
+                                  <m:ctrlPr>
+                                    <a:rPr lang="en-US" b="0" i="1" smtClean="0">
+                                      <a:latin typeface="Cambria Math" panose="02040503050406030204" pitchFamily="18" charset="0"/>
+                                    </a:rPr>
+                                  </m:ctrlPr>
+                                </m:sSupPr>
+                                <m:e>
+                                  <m:r>
+                                    <a:rPr lang="en-US" b="0" i="1" smtClean="0">
+                                      <a:latin typeface="Cambria Math" panose="02040503050406030204" pitchFamily="18" charset="0"/>
+                                    </a:rPr>
+                                    <m:t>4</m:t>
+                                  </m:r>
+                                  <m:r>
+                                    <a:rPr lang="en-US" b="0" i="1" smtClean="0">
+                                      <a:latin typeface="Cambria Math" panose="02040503050406030204" pitchFamily="18" charset="0"/>
+                                    </a:rPr>
+                                    <m:t>𝑛</m:t>
+                                  </m:r>
+                                </m:e>
+                                <m:sup>
+                                  <m:r>
+                                    <a:rPr lang="en-US" b="0" i="1" smtClean="0">
+                                      <a:latin typeface="Cambria Math" panose="02040503050406030204" pitchFamily="18" charset="0"/>
+                                    </a:rPr>
+                                    <m:t>3</m:t>
+                                  </m:r>
+                                </m:sup>
+                              </m:sSup>
+                              <m:r>
+                                <a:rPr lang="en-US" b="0" i="1" smtClean="0">
+                                  <a:latin typeface="Cambria Math" panose="02040503050406030204" pitchFamily="18" charset="0"/>
+                                </a:rPr>
+                                <m:t>+8</m:t>
+                              </m:r>
+                            </m:oMath>
+                          </a14:m>
+                          <a:r>
+                            <a:rPr lang="en-US" dirty="0"/>
+                            <a:t> is even</a:t>
+                          </a:r>
+                        </a:p>
+                      </a:txBody>
+                      <a:tcPr/>
+                    </a:tc>
+                    <a:extLst>
+                      <a:ext uri="{0D108BD9-81ED-4DB2-BD59-A6C34878D82A}">
+                        <a16:rowId xmlns:a16="http://schemas.microsoft.com/office/drawing/2014/main" val="1867852596"/>
+                      </a:ext>
+                    </a:extLst>
+                  </a:tr>
+                </a:tbl>
+              </a:graphicData>
+            </a:graphic>
+          </p:graphicFrame>
+        </mc:Choice>
+        <mc:Fallback>
+          <p:graphicFrame>
+            <p:nvGraphicFramePr>
+              <p:cNvPr id="4" name="Table 3">
+                <a:extLst>
+                  <a:ext uri="{FF2B5EF4-FFF2-40B4-BE49-F238E27FC236}">
+                    <a16:creationId xmlns:a16="http://schemas.microsoft.com/office/drawing/2014/main" id="{46855552-5F7A-FF59-C25B-F1BBD746E78E}"/>
+                  </a:ext>
+                </a:extLst>
+              </p:cNvPr>
+              <p:cNvGraphicFramePr>
+                <a:graphicFrameLocks noGrp="1"/>
+              </p:cNvGraphicFramePr>
+              <p:nvPr>
+                <p:extLst>
+                  <p:ext uri="{D42A27DB-BD31-4B8C-83A1-F6EECF244321}">
+                    <p14:modId xmlns:p14="http://schemas.microsoft.com/office/powerpoint/2010/main" val="1427652233"/>
+                  </p:ext>
+                </p:extLst>
+              </p:nvPr>
+            </p:nvGraphicFramePr>
+            <p:xfrm>
+              <a:off x="437322" y="2164417"/>
+              <a:ext cx="11400184" cy="1833880"/>
+            </p:xfrm>
+            <a:graphic>
+              <a:graphicData uri="http://schemas.openxmlformats.org/drawingml/2006/table">
+                <a:tbl>
+                  <a:tblPr firstRow="1" bandRow="1">
+                    <a:tableStyleId>{5C22544A-7EE6-4342-B048-85BDC9FD1C3A}</a:tableStyleId>
+                  </a:tblPr>
+                  <a:tblGrid>
+                    <a:gridCol w="2850046">
+                      <a:extLst>
+                        <a:ext uri="{9D8B030D-6E8A-4147-A177-3AD203B41FA5}">
+                          <a16:colId xmlns:a16="http://schemas.microsoft.com/office/drawing/2014/main" val="1804739404"/>
+                        </a:ext>
+                      </a:extLst>
+                    </a:gridCol>
+                    <a:gridCol w="2850046">
+                      <a:extLst>
+                        <a:ext uri="{9D8B030D-6E8A-4147-A177-3AD203B41FA5}">
+                          <a16:colId xmlns:a16="http://schemas.microsoft.com/office/drawing/2014/main" val="3455385937"/>
+                        </a:ext>
+                      </a:extLst>
+                    </a:gridCol>
+                    <a:gridCol w="2850046">
+                      <a:extLst>
+                        <a:ext uri="{9D8B030D-6E8A-4147-A177-3AD203B41FA5}">
+                          <a16:colId xmlns:a16="http://schemas.microsoft.com/office/drawing/2014/main" val="3544786661"/>
+                        </a:ext>
+                      </a:extLst>
+                    </a:gridCol>
+                    <a:gridCol w="2850046">
+                      <a:extLst>
+                        <a:ext uri="{9D8B030D-6E8A-4147-A177-3AD203B41FA5}">
+                          <a16:colId xmlns:a16="http://schemas.microsoft.com/office/drawing/2014/main" val="1393404857"/>
+                        </a:ext>
+                      </a:extLst>
+                    </a:gridCol>
+                  </a:tblGrid>
+                  <a:tr h="370840">
+                    <a:tc>
+                      <a:txBody>
+                        <a:bodyPr/>
+                        <a:lstStyle/>
+                        <a:p>
+                          <a:r>
+                            <a:rPr lang="en-US" dirty="0"/>
+                            <a:t>Direct Proof</a:t>
+                          </a:r>
+                        </a:p>
+                      </a:txBody>
+                      <a:tcPr/>
+                    </a:tc>
+                    <a:tc>
+                      <a:txBody>
+                        <a:bodyPr/>
+                        <a:lstStyle/>
+                        <a:p>
+                          <a:r>
+                            <a:rPr lang="en-US" dirty="0"/>
+                            <a:t>Indirect Proof</a:t>
+                          </a:r>
+                        </a:p>
+                      </a:txBody>
+                      <a:tcPr/>
+                    </a:tc>
+                    <a:tc>
+                      <a:txBody>
+                        <a:bodyPr/>
+                        <a:lstStyle/>
+                        <a:p>
+                          <a:r>
+                            <a:rPr lang="en-US" dirty="0"/>
+                            <a:t>Contradiction</a:t>
+                          </a:r>
+                        </a:p>
+                      </a:txBody>
+                      <a:tcPr/>
+                    </a:tc>
+                    <a:tc>
+                      <a:txBody>
+                        <a:bodyPr/>
+                        <a:lstStyle/>
+                        <a:p>
+                          <a:r>
+                            <a:rPr lang="en-US" dirty="0"/>
+                            <a:t>Counterexample</a:t>
+                          </a:r>
+                        </a:p>
+                      </a:txBody>
+                      <a:tcPr/>
+                    </a:tc>
+                    <a:extLst>
+                      <a:ext uri="{0D108BD9-81ED-4DB2-BD59-A6C34878D82A}">
+                        <a16:rowId xmlns:a16="http://schemas.microsoft.com/office/drawing/2014/main" val="3714935835"/>
+                      </a:ext>
+                    </a:extLst>
+                  </a:tr>
+                  <a:tr h="1463040">
+                    <a:tc>
+                      <a:txBody>
+                        <a:bodyPr/>
+                        <a:lstStyle/>
+                        <a:p>
+                          <a:endParaRPr lang="en-US"/>
+                        </a:p>
+                      </a:txBody>
+                      <a:tcPr>
+                        <a:blipFill>
+                          <a:blip r:embed="rId3"/>
+                          <a:stretch>
+                            <a:fillRect l="-214" t="-27083" r="-300855" b="-833"/>
+                          </a:stretch>
+                        </a:blipFill>
+                      </a:tcPr>
+                    </a:tc>
+                    <a:tc>
+                      <a:txBody>
+                        <a:bodyPr/>
+                        <a:lstStyle/>
+                        <a:p>
+                          <a:endParaRPr lang="en-US"/>
+                        </a:p>
+                      </a:txBody>
+                      <a:tcPr>
+                        <a:blipFill>
+                          <a:blip r:embed="rId3"/>
+                          <a:stretch>
+                            <a:fillRect l="-100214" t="-27083" r="-200855" b="-833"/>
+                          </a:stretch>
+                        </a:blipFill>
+                      </a:tcPr>
+                    </a:tc>
+                    <a:tc>
+                      <a:txBody>
+                        <a:bodyPr/>
+                        <a:lstStyle/>
+                        <a:p>
+                          <a:endParaRPr lang="en-US"/>
+                        </a:p>
+                      </a:txBody>
+                      <a:tcPr>
+                        <a:blipFill>
+                          <a:blip r:embed="rId3"/>
+                          <a:stretch>
+                            <a:fillRect l="-200642" t="-27083" r="-101285" b="-833"/>
+                          </a:stretch>
+                        </a:blipFill>
+                      </a:tcPr>
+                    </a:tc>
+                    <a:tc>
+                      <a:txBody>
+                        <a:bodyPr/>
+                        <a:lstStyle/>
+                        <a:p>
+                          <a:endParaRPr lang="en-US"/>
+                        </a:p>
+                      </a:txBody>
+                      <a:tcPr>
+                        <a:blipFill>
+                          <a:blip r:embed="rId3"/>
+                          <a:stretch>
+                            <a:fillRect l="-300000" t="-27083" r="-1068" b="-833"/>
+                          </a:stretch>
+                        </a:blipFill>
+                      </a:tcPr>
+                    </a:tc>
+                    <a:extLst>
+                      <a:ext uri="{0D108BD9-81ED-4DB2-BD59-A6C34878D82A}">
+                        <a16:rowId xmlns:a16="http://schemas.microsoft.com/office/drawing/2014/main" val="1867852596"/>
+                      </a:ext>
+                    </a:extLst>
+                  </a:tr>
+                </a:tbl>
+              </a:graphicData>
+            </a:graphic>
+          </p:graphicFrame>
+        </mc:Fallback>
+      </mc:AlternateContent>
+    </p:spTree>
+    <p:extLst>
+      <p:ext uri="{BB962C8B-B14F-4D97-AF65-F5344CB8AC3E}">
+        <p14:creationId xmlns:p14="http://schemas.microsoft.com/office/powerpoint/2010/main" val="1467436544"/>
+      </p:ext>
+    </p:extLst>
+  </p:cSld>
+  <p:clrMapOvr>
+    <a:masterClrMapping/>
+  </p:clrMapOvr>
+</p:sld>
+</file>
+
+<file path=ppt/slides/slide19.xml><?xml version="1.0" encoding="utf-8"?>
+<p:sld xmlns:a="http://schemas.openxmlformats.org/drawingml/2006/main" xmlns:r="http://schemas.openxmlformats.org/officeDocument/2006/relationships" xmlns:p="http://schemas.openxmlformats.org/presentationml/2006/main">
+  <p:cSld>
+    <p:spTree>
+      <p:nvGrpSpPr>
+        <p:cNvPr id="1" name="">
+          <a:extLst>
+            <a:ext uri="{FF2B5EF4-FFF2-40B4-BE49-F238E27FC236}">
+              <a16:creationId xmlns:a16="http://schemas.microsoft.com/office/drawing/2014/main" id="{00844470-3813-F2DC-373C-C92C59050CC7}"/>
+            </a:ext>
+          </a:extLst>
+        </p:cNvPr>
+        <p:cNvGrpSpPr/>
+        <p:nvPr/>
+      </p:nvGrpSpPr>
+      <p:grpSpPr>
+        <a:xfrm>
+          <a:off x="0" y="0"/>
+          <a:ext cx="0" cy="0"/>
+          <a:chOff x="0" y="0"/>
+          <a:chExt cx="0" cy="0"/>
+        </a:xfrm>
+      </p:grpSpPr>
+      <p:sp>
+        <p:nvSpPr>
+          <p:cNvPr id="2" name="Title 1">
+            <a:extLst>
+              <a:ext uri="{FF2B5EF4-FFF2-40B4-BE49-F238E27FC236}">
+                <a16:creationId xmlns:a16="http://schemas.microsoft.com/office/drawing/2014/main" id="{FD11617C-09DD-A866-93F0-A86B2B9B33EB}"/>
+              </a:ext>
+            </a:extLst>
+          </p:cNvPr>
+          <p:cNvSpPr>
+            <a:spLocks noGrp="1"/>
+          </p:cNvSpPr>
+          <p:nvPr>
+            <p:ph type="title"/>
+          </p:nvPr>
+        </p:nvSpPr>
+        <p:spPr/>
+        <p:txBody>
+          <a:bodyPr/>
+          <a:lstStyle/>
+          <a:p>
+            <a:r>
+              <a:rPr lang="en-US" dirty="0"/>
+              <a:t>Example 3: Indirect proof</a:t>
+            </a:r>
+          </a:p>
+        </p:txBody>
+      </p:sp>
+      <mc:AlternateContent xmlns:mc="http://schemas.openxmlformats.org/markup-compatibility/2006">
+        <mc:Choice xmlns:a14="http://schemas.microsoft.com/office/drawing/2010/main" Requires="a14">
+          <p:sp>
+            <p:nvSpPr>
+              <p:cNvPr id="3" name="Content Placeholder 2">
+                <a:extLst>
+                  <a:ext uri="{FF2B5EF4-FFF2-40B4-BE49-F238E27FC236}">
+                    <a16:creationId xmlns:a16="http://schemas.microsoft.com/office/drawing/2014/main" id="{F893C63F-22C5-E9C7-3484-E9870C09A839}"/>
+                  </a:ext>
+                </a:extLst>
+              </p:cNvPr>
+              <p:cNvSpPr>
+                <a:spLocks noGrp="1"/>
+              </p:cNvSpPr>
+              <p:nvPr>
+                <p:ph idx="1"/>
+              </p:nvPr>
+            </p:nvSpPr>
+            <p:spPr/>
+            <p:txBody>
+              <a:bodyPr>
+                <a:normAutofit/>
+              </a:bodyPr>
+              <a:lstStyle/>
+              <a:p>
+                <a:r>
+                  <a:rPr lang="en-US" b="1" dirty="0"/>
+                  <a:t>Claim: </a:t>
+                </a:r>
+                <a:r>
+                  <a:rPr lang="en-US" dirty="0"/>
+                  <a:t>If </a:t>
+                </a:r>
+                <a14:m>
+                  <m:oMath xmlns:m="http://schemas.openxmlformats.org/officeDocument/2006/math">
+                    <m:r>
+                      <a:rPr lang="en-US" i="1">
+                        <a:latin typeface="Cambria Math" panose="02040503050406030204" pitchFamily="18" charset="0"/>
+                      </a:rPr>
+                      <m:t>4</m:t>
+                    </m:r>
+                    <m:sSup>
+                      <m:sSupPr>
+                        <m:ctrlPr>
+                          <a:rPr lang="en-US" i="1">
+                            <a:latin typeface="Cambria Math" panose="02040503050406030204" pitchFamily="18" charset="0"/>
+                          </a:rPr>
+                        </m:ctrlPr>
+                      </m:sSupPr>
+                      <m:e>
+                        <m:r>
+                          <a:rPr lang="en-US" i="1">
+                            <a:latin typeface="Cambria Math" panose="02040503050406030204" pitchFamily="18" charset="0"/>
+                          </a:rPr>
+                          <m:t>𝑛</m:t>
+                        </m:r>
+                      </m:e>
+                      <m:sup>
+                        <m:r>
+                          <a:rPr lang="en-US" i="1">
+                            <a:latin typeface="Cambria Math" panose="02040503050406030204" pitchFamily="18" charset="0"/>
+                          </a:rPr>
+                          <m:t>3</m:t>
+                        </m:r>
+                      </m:sup>
+                    </m:sSup>
+                    <m:r>
+                      <a:rPr lang="en-US" i="1">
+                        <a:latin typeface="Cambria Math" panose="02040503050406030204" pitchFamily="18" charset="0"/>
+                      </a:rPr>
+                      <m:t>+8</m:t>
+                    </m:r>
+                  </m:oMath>
+                </a14:m>
+                <a:r>
+                  <a:rPr lang="en-US" dirty="0"/>
+                  <a:t> is even then </a:t>
+                </a:r>
+                <a14:m>
+                  <m:oMath xmlns:m="http://schemas.openxmlformats.org/officeDocument/2006/math">
+                    <m:r>
+                      <a:rPr lang="en-US" i="1">
+                        <a:latin typeface="Cambria Math" panose="02040503050406030204" pitchFamily="18" charset="0"/>
+                      </a:rPr>
+                      <m:t>𝑛</m:t>
+                    </m:r>
+                  </m:oMath>
+                </a14:m>
+                <a:r>
+                  <a:rPr lang="en-US" dirty="0"/>
+                  <a:t> is even</a:t>
+                </a:r>
+              </a:p>
+              <a:p>
+                <a:r>
+                  <a:rPr lang="en-US" b="1" dirty="0"/>
+                  <a:t>Proof:</a:t>
+                </a:r>
+                <a:r>
+                  <a:rPr lang="en-US" dirty="0"/>
+                  <a:t> Suppose </a:t>
+                </a:r>
+                <a14:m>
+                  <m:oMath xmlns:m="http://schemas.openxmlformats.org/officeDocument/2006/math">
+                    <m:r>
+                      <a:rPr lang="en-US" b="0" i="1" smtClean="0">
+                        <a:latin typeface="Cambria Math" panose="02040503050406030204" pitchFamily="18" charset="0"/>
+                      </a:rPr>
+                      <m:t>𝑛</m:t>
+                    </m:r>
+                  </m:oMath>
+                </a14:m>
+                <a:r>
+                  <a:rPr lang="en-US" dirty="0"/>
+                  <a:t> is even</a:t>
+                </a:r>
+              </a:p>
+              <a:p>
+                <a:pPr marL="457200" indent="-457200">
+                  <a:buFont typeface="Arial" panose="020B0604020202020204" pitchFamily="34" charset="0"/>
+                  <a:buChar char="•"/>
+                </a:pPr>
+                <a:endParaRPr lang="en-US" dirty="0"/>
+              </a:p>
+              <a:p>
+                <a:pPr marL="457200" indent="-457200">
+                  <a:buFont typeface="Arial" panose="020B0604020202020204" pitchFamily="34" charset="0"/>
+                  <a:buChar char="•"/>
+                </a:pPr>
+                <a:endParaRPr lang="en-US" dirty="0"/>
+              </a:p>
+              <a:p>
+                <a:pPr marL="457200" indent="-457200">
+                  <a:buFont typeface="Arial" panose="020B0604020202020204" pitchFamily="34" charset="0"/>
+                  <a:buChar char="•"/>
+                </a:pPr>
+                <a:endParaRPr lang="en-US" dirty="0"/>
+              </a:p>
+              <a:p>
+                <a:pPr marL="457200" indent="-457200">
+                  <a:buFont typeface="Arial" panose="020B0604020202020204" pitchFamily="34" charset="0"/>
+                  <a:buChar char="•"/>
+                </a:pPr>
+                <a:endParaRPr lang="en-US" dirty="0"/>
+              </a:p>
+            </p:txBody>
+          </p:sp>
+        </mc:Choice>
+        <mc:Fallback>
+          <p:sp>
+            <p:nvSpPr>
+              <p:cNvPr id="3" name="Content Placeholder 2">
+                <a:extLst>
+                  <a:ext uri="{FF2B5EF4-FFF2-40B4-BE49-F238E27FC236}">
+                    <a16:creationId xmlns:a16="http://schemas.microsoft.com/office/drawing/2014/main" id="{F893C63F-22C5-E9C7-3484-E9870C09A839}"/>
+                  </a:ext>
+                </a:extLst>
+              </p:cNvPr>
+              <p:cNvSpPr>
+                <a:spLocks noGrp="1" noRot="1" noChangeAspect="1" noMove="1" noResize="1" noEditPoints="1" noAdjustHandles="1" noChangeArrowheads="1" noChangeShapeType="1" noTextEdit="1"/>
+              </p:cNvSpPr>
+              <p:nvPr>
+                <p:ph idx="1"/>
+              </p:nvPr>
+            </p:nvSpPr>
+            <p:spPr>
+              <a:blipFill>
+                <a:blip r:embed="rId2"/>
+                <a:stretch>
+                  <a:fillRect l="-1217" t="-380"/>
+                </a:stretch>
+              </a:blipFill>
+            </p:spPr>
+            <p:txBody>
+              <a:bodyPr/>
+              <a:lstStyle/>
+              <a:p>
+                <a:r>
+                  <a:rPr lang="en-US">
+                    <a:noFill/>
+                  </a:rPr>
+                  <a:t> </a:t>
+                </a:r>
+              </a:p>
+            </p:txBody>
+          </p:sp>
+        </mc:Fallback>
+      </mc:AlternateContent>
+    </p:spTree>
+    <p:extLst>
+      <p:ext uri="{BB962C8B-B14F-4D97-AF65-F5344CB8AC3E}">
+        <p14:creationId xmlns:p14="http://schemas.microsoft.com/office/powerpoint/2010/main" val="1886051696"/>
+      </p:ext>
+    </p:extLst>
+  </p:cSld>
+  <p:clrMapOvr>
+    <a:masterClrMapping/>
+  </p:clrMapOvr>
+</p:sld>
+</file>
+
+<file path=ppt/slides/slide2.xml><?xml version="1.0" encoding="utf-8"?>
+<p:sld xmlns:a="http://schemas.openxmlformats.org/drawingml/2006/main" xmlns:r="http://schemas.openxmlformats.org/officeDocument/2006/relationships" xmlns:p="http://schemas.openxmlformats.org/presentationml/2006/main">
+  <p:cSld>
+    <p:spTree>
+      <p:nvGrpSpPr>
+        <p:cNvPr id="1" name=""/>
+        <p:cNvGrpSpPr/>
+        <p:nvPr/>
+      </p:nvGrpSpPr>
+      <p:grpSpPr>
+        <a:xfrm>
+          <a:off x="0" y="0"/>
+          <a:ext cx="0" cy="0"/>
+          <a:chOff x="0" y="0"/>
+          <a:chExt cx="0" cy="0"/>
+        </a:xfrm>
+      </p:grpSpPr>
+      <p:sp>
+        <p:nvSpPr>
+          <p:cNvPr id="4" name="Title 3">
+            <a:extLst>
+              <a:ext uri="{FF2B5EF4-FFF2-40B4-BE49-F238E27FC236}">
+                <a16:creationId xmlns:a16="http://schemas.microsoft.com/office/drawing/2014/main" id="{8BCDB2EF-AB44-E7F1-1137-ACF251E63AF9}"/>
+              </a:ext>
+            </a:extLst>
+          </p:cNvPr>
+          <p:cNvSpPr>
+            <a:spLocks noGrp="1"/>
+          </p:cNvSpPr>
+          <p:nvPr>
+            <p:ph type="title"/>
+          </p:nvPr>
+        </p:nvSpPr>
+        <p:spPr/>
+        <p:txBody>
+          <a:bodyPr/>
+          <a:lstStyle/>
+          <a:p>
+            <a:r>
+              <a:rPr lang="en-US" dirty="0"/>
+              <a:t>Concept check quizzes</a:t>
+            </a:r>
+          </a:p>
+        </p:txBody>
+      </p:sp>
+      <p:sp>
+        <p:nvSpPr>
+          <p:cNvPr id="5" name="Content Placeholder 4">
+            <a:extLst>
+              <a:ext uri="{FF2B5EF4-FFF2-40B4-BE49-F238E27FC236}">
+                <a16:creationId xmlns:a16="http://schemas.microsoft.com/office/drawing/2014/main" id="{08A877F5-2C76-91AB-74A7-547BEE805500}"/>
+              </a:ext>
+            </a:extLst>
+          </p:cNvPr>
+          <p:cNvSpPr>
+            <a:spLocks noGrp="1"/>
+          </p:cNvSpPr>
+          <p:nvPr>
+            <p:ph idx="1"/>
+          </p:nvPr>
+        </p:nvSpPr>
+        <p:spPr/>
+        <p:txBody>
+          <a:bodyPr/>
+          <a:lstStyle/>
+          <a:p>
+            <a:r>
+              <a:rPr lang="en-US" dirty="0"/>
+              <a:t>Many students haven’t done it yet 🙁</a:t>
+            </a:r>
+          </a:p>
+          <a:p>
+            <a:r>
+              <a:rPr lang="en-US" dirty="0"/>
+              <a:t>Remember: unlimited submissions, and are marked “incomplete” </a:t>
+            </a:r>
+            <a:r>
+              <a:rPr lang="en-US" b="1" i="1" dirty="0"/>
+              <a:t>until you get every question right</a:t>
+            </a:r>
+            <a:r>
+              <a:rPr lang="en-US" dirty="0"/>
+              <a:t>.</a:t>
+            </a:r>
+          </a:p>
+          <a:p>
+            <a:r>
+              <a:rPr lang="en-US" b="1" dirty="0">
+                <a:solidFill>
+                  <a:schemeClr val="accent3"/>
+                </a:solidFill>
+              </a:rPr>
+              <a:t>One-time extension </a:t>
+            </a:r>
+            <a:r>
+              <a:rPr lang="en-US" dirty="0"/>
+              <a:t>for everyone until </a:t>
+            </a:r>
+            <a:r>
+              <a:rPr lang="en-US" b="1" dirty="0">
+                <a:solidFill>
+                  <a:schemeClr val="accent3"/>
+                </a:solidFill>
+              </a:rPr>
+              <a:t>11:59pm tonight</a:t>
+            </a:r>
+            <a:r>
+              <a:rPr lang="en-US" dirty="0"/>
+              <a:t>!</a:t>
+            </a:r>
+          </a:p>
+          <a:p>
+            <a:r>
+              <a:rPr lang="en-US" dirty="0"/>
+              <a:t>Be sure to get those in on time going forward. </a:t>
+            </a:r>
+          </a:p>
+        </p:txBody>
+      </p:sp>
+    </p:spTree>
+    <p:extLst>
+      <p:ext uri="{BB962C8B-B14F-4D97-AF65-F5344CB8AC3E}">
+        <p14:creationId xmlns:p14="http://schemas.microsoft.com/office/powerpoint/2010/main" val="1349013357"/>
+      </p:ext>
+    </p:extLst>
+  </p:cSld>
+  <p:clrMapOvr>
+    <a:masterClrMapping/>
+  </p:clrMapOvr>
+</p:sld>
+</file>
+
+<file path=ppt/slides/slide20.xml><?xml version="1.0" encoding="utf-8"?>
+<p:sld xmlns:a="http://schemas.openxmlformats.org/drawingml/2006/main" xmlns:r="http://schemas.openxmlformats.org/officeDocument/2006/relationships" xmlns:p="http://schemas.openxmlformats.org/presentationml/2006/main">
+  <p:cSld>
+    <p:spTree>
+      <p:nvGrpSpPr>
+        <p:cNvPr id="1" name="">
+          <a:extLst>
+            <a:ext uri="{FF2B5EF4-FFF2-40B4-BE49-F238E27FC236}">
+              <a16:creationId xmlns:a16="http://schemas.microsoft.com/office/drawing/2014/main" id="{600D70D8-9FE7-1BFF-1DD6-E886772A34D4}"/>
+            </a:ext>
+          </a:extLst>
+        </p:cNvPr>
+        <p:cNvGrpSpPr/>
+        <p:nvPr/>
+      </p:nvGrpSpPr>
+      <p:grpSpPr>
+        <a:xfrm>
+          <a:off x="0" y="0"/>
+          <a:ext cx="0" cy="0"/>
+          <a:chOff x="0" y="0"/>
+          <a:chExt cx="0" cy="0"/>
+        </a:xfrm>
+      </p:grpSpPr>
+      <p:sp>
+        <p:nvSpPr>
+          <p:cNvPr id="2" name="Title 1">
+            <a:extLst>
+              <a:ext uri="{FF2B5EF4-FFF2-40B4-BE49-F238E27FC236}">
+                <a16:creationId xmlns:a16="http://schemas.microsoft.com/office/drawing/2014/main" id="{F401370A-6F7A-2F7E-0C13-692A6661A80E}"/>
+              </a:ext>
+            </a:extLst>
+          </p:cNvPr>
+          <p:cNvSpPr>
+            <a:spLocks noGrp="1"/>
+          </p:cNvSpPr>
+          <p:nvPr>
+            <p:ph type="title"/>
+          </p:nvPr>
+        </p:nvSpPr>
+        <p:spPr/>
+        <p:txBody>
+          <a:bodyPr/>
+          <a:lstStyle/>
+          <a:p>
+            <a:r>
+              <a:rPr lang="en-US" dirty="0"/>
+              <a:t>Example 3: Counterexample</a:t>
+            </a:r>
+          </a:p>
+        </p:txBody>
+      </p:sp>
+      <mc:AlternateContent xmlns:mc="http://schemas.openxmlformats.org/markup-compatibility/2006">
+        <mc:Choice xmlns:a14="http://schemas.microsoft.com/office/drawing/2010/main" Requires="a14">
+          <p:sp>
+            <p:nvSpPr>
+              <p:cNvPr id="3" name="Content Placeholder 2">
+                <a:extLst>
+                  <a:ext uri="{FF2B5EF4-FFF2-40B4-BE49-F238E27FC236}">
+                    <a16:creationId xmlns:a16="http://schemas.microsoft.com/office/drawing/2014/main" id="{A978818D-ABDA-40D7-B3E1-D6EE778B1B81}"/>
+                  </a:ext>
+                </a:extLst>
+              </p:cNvPr>
+              <p:cNvSpPr>
+                <a:spLocks noGrp="1"/>
+              </p:cNvSpPr>
+              <p:nvPr>
+                <p:ph idx="1"/>
+              </p:nvPr>
+            </p:nvSpPr>
+            <p:spPr/>
+            <p:txBody>
+              <a:bodyPr>
+                <a:normAutofit/>
+              </a:bodyPr>
+              <a:lstStyle/>
+              <a:p>
+                <a:r>
+                  <a:rPr lang="en-US" b="1" dirty="0"/>
+                  <a:t>Claim: </a:t>
+                </a:r>
+                <a:r>
+                  <a:rPr lang="en-US" dirty="0"/>
+                  <a:t>If </a:t>
+                </a:r>
+                <a14:m>
+                  <m:oMath xmlns:m="http://schemas.openxmlformats.org/officeDocument/2006/math">
+                    <m:r>
+                      <a:rPr lang="en-US" i="1">
+                        <a:latin typeface="Cambria Math" panose="02040503050406030204" pitchFamily="18" charset="0"/>
+                      </a:rPr>
+                      <m:t>4</m:t>
+                    </m:r>
+                    <m:sSup>
+                      <m:sSupPr>
+                        <m:ctrlPr>
+                          <a:rPr lang="en-US" i="1">
+                            <a:latin typeface="Cambria Math" panose="02040503050406030204" pitchFamily="18" charset="0"/>
+                          </a:rPr>
+                        </m:ctrlPr>
+                      </m:sSupPr>
+                      <m:e>
+                        <m:r>
+                          <a:rPr lang="en-US" i="1">
+                            <a:latin typeface="Cambria Math" panose="02040503050406030204" pitchFamily="18" charset="0"/>
+                          </a:rPr>
+                          <m:t>𝑛</m:t>
+                        </m:r>
+                      </m:e>
+                      <m:sup>
+                        <m:r>
+                          <a:rPr lang="en-US" i="1">
+                            <a:latin typeface="Cambria Math" panose="02040503050406030204" pitchFamily="18" charset="0"/>
+                          </a:rPr>
+                          <m:t>3</m:t>
+                        </m:r>
+                      </m:sup>
+                    </m:sSup>
+                    <m:r>
+                      <a:rPr lang="en-US" i="1">
+                        <a:latin typeface="Cambria Math" panose="02040503050406030204" pitchFamily="18" charset="0"/>
+                      </a:rPr>
+                      <m:t>+8</m:t>
+                    </m:r>
+                  </m:oMath>
+                </a14:m>
+                <a:r>
+                  <a:rPr lang="en-US" dirty="0"/>
+                  <a:t> is even then </a:t>
+                </a:r>
+                <a14:m>
+                  <m:oMath xmlns:m="http://schemas.openxmlformats.org/officeDocument/2006/math">
+                    <m:r>
+                      <a:rPr lang="en-US" i="1">
+                        <a:latin typeface="Cambria Math" panose="02040503050406030204" pitchFamily="18" charset="0"/>
+                      </a:rPr>
+                      <m:t>𝑛</m:t>
+                    </m:r>
+                  </m:oMath>
+                </a14:m>
+                <a:r>
+                  <a:rPr lang="en-US" dirty="0"/>
+                  <a:t> is even</a:t>
+                </a:r>
+              </a:p>
+              <a:p>
+                <a:r>
+                  <a:rPr lang="en-US" b="1" dirty="0"/>
+                  <a:t>Proof: </a:t>
+                </a:r>
+                <a:r>
+                  <a:rPr lang="en-US" dirty="0"/>
+                  <a:t>let </a:t>
+                </a:r>
+                <a14:m>
+                  <m:oMath xmlns:m="http://schemas.openxmlformats.org/officeDocument/2006/math">
+                    <m:r>
+                      <a:rPr lang="en-US" b="0" i="1" smtClean="0">
+                        <a:latin typeface="Cambria Math" panose="02040503050406030204" pitchFamily="18" charset="0"/>
+                      </a:rPr>
+                      <m:t>𝑛</m:t>
+                    </m:r>
+                    <m:r>
+                      <a:rPr lang="en-US" b="0" i="1" smtClean="0">
+                        <a:latin typeface="Cambria Math" panose="02040503050406030204" pitchFamily="18" charset="0"/>
+                      </a:rPr>
+                      <m:t>=???</m:t>
+                    </m:r>
+                  </m:oMath>
+                </a14:m>
+                <a:endParaRPr lang="en-US" dirty="0"/>
+              </a:p>
+              <a:p>
+                <a:pPr marL="457200" indent="-457200">
+                  <a:buFont typeface="Arial" panose="020B0604020202020204" pitchFamily="34" charset="0"/>
+                  <a:buChar char="•"/>
+                </a:pPr>
+                <a:endParaRPr lang="en-US" dirty="0"/>
+              </a:p>
+              <a:p>
+                <a:pPr marL="457200" indent="-457200">
+                  <a:buFont typeface="Arial" panose="020B0604020202020204" pitchFamily="34" charset="0"/>
+                  <a:buChar char="•"/>
+                </a:pPr>
+                <a:endParaRPr lang="en-US" dirty="0"/>
+              </a:p>
+              <a:p>
+                <a:pPr marL="457200" indent="-457200">
+                  <a:buFont typeface="Arial" panose="020B0604020202020204" pitchFamily="34" charset="0"/>
+                  <a:buChar char="•"/>
+                </a:pPr>
+                <a:endParaRPr lang="en-US" dirty="0"/>
+              </a:p>
+              <a:p>
+                <a:pPr marL="457200" indent="-457200">
+                  <a:buFont typeface="Arial" panose="020B0604020202020204" pitchFamily="34" charset="0"/>
+                  <a:buChar char="•"/>
+                </a:pPr>
+                <a:endParaRPr lang="en-US" dirty="0"/>
+              </a:p>
+            </p:txBody>
+          </p:sp>
+        </mc:Choice>
+        <mc:Fallback>
+          <p:sp>
+            <p:nvSpPr>
+              <p:cNvPr id="3" name="Content Placeholder 2">
+                <a:extLst>
+                  <a:ext uri="{FF2B5EF4-FFF2-40B4-BE49-F238E27FC236}">
+                    <a16:creationId xmlns:a16="http://schemas.microsoft.com/office/drawing/2014/main" id="{A978818D-ABDA-40D7-B3E1-D6EE778B1B81}"/>
+                  </a:ext>
+                </a:extLst>
+              </p:cNvPr>
+              <p:cNvSpPr>
+                <a:spLocks noGrp="1" noRot="1" noChangeAspect="1" noMove="1" noResize="1" noEditPoints="1" noAdjustHandles="1" noChangeArrowheads="1" noChangeShapeType="1" noTextEdit="1"/>
+              </p:cNvSpPr>
+              <p:nvPr>
+                <p:ph idx="1"/>
+              </p:nvPr>
+            </p:nvSpPr>
+            <p:spPr>
+              <a:blipFill>
+                <a:blip r:embed="rId2"/>
+                <a:stretch>
+                  <a:fillRect l="-1217" t="-380"/>
+                </a:stretch>
+              </a:blipFill>
+            </p:spPr>
+            <p:txBody>
+              <a:bodyPr/>
+              <a:lstStyle/>
+              <a:p>
+                <a:r>
+                  <a:rPr lang="en-US">
+                    <a:noFill/>
+                  </a:rPr>
+                  <a:t> </a:t>
+                </a:r>
+              </a:p>
+            </p:txBody>
+          </p:sp>
+        </mc:Fallback>
+      </mc:AlternateContent>
+    </p:spTree>
+    <p:extLst>
+      <p:ext uri="{BB962C8B-B14F-4D97-AF65-F5344CB8AC3E}">
+        <p14:creationId xmlns:p14="http://schemas.microsoft.com/office/powerpoint/2010/main" val="663992160"/>
+      </p:ext>
+    </p:extLst>
+  </p:cSld>
+  <p:clrMapOvr>
+    <a:masterClrMapping/>
+  </p:clrMapOvr>
+</p:sld>
+</file>
+
+<file path=ppt/slides/slide21.xml><?xml version="1.0" encoding="utf-8"?>
+<p:sld xmlns:a="http://schemas.openxmlformats.org/drawingml/2006/main" xmlns:r="http://schemas.openxmlformats.org/officeDocument/2006/relationships" xmlns:p="http://schemas.openxmlformats.org/presentationml/2006/main">
+  <p:cSld>
+    <p:spTree>
+      <p:nvGrpSpPr>
+        <p:cNvPr id="1" name="">
+          <a:extLst>
+            <a:ext uri="{FF2B5EF4-FFF2-40B4-BE49-F238E27FC236}">
               <a16:creationId xmlns:a16="http://schemas.microsoft.com/office/drawing/2014/main" id="{F2484B98-A90A-75B2-2AAE-750F6251E60F}"/>
             </a:ext>
           </a:extLst>
@@ -4965,7 +6627,7 @@
           <a:p>
             <a:r>
               <a:rPr lang="en-US" dirty="0"/>
-              <a:t>Let’s Practice! (Example 3)</a:t>
+              <a:t>Let’s Practice! (Example 4)</a:t>
             </a:r>
           </a:p>
         </p:txBody>
@@ -5008,7 +6670,7 @@
 </p:sld>
 </file>
 
-<file path=ppt/slides/slide18.xml><?xml version="1.0" encoding="utf-8"?>
+<file path=ppt/slides/slide22.xml><?xml version="1.0" encoding="utf-8"?>
 <p:sld xmlns:a="http://schemas.openxmlformats.org/drawingml/2006/main" xmlns:r="http://schemas.openxmlformats.org/officeDocument/2006/relationships" xmlns:p="http://schemas.openxmlformats.org/presentationml/2006/main">
   <p:cSld>
     <p:spTree>
@@ -5054,7 +6716,7 @@
           <a:p>
             <a:r>
               <a:rPr lang="en-US" dirty="0"/>
-              <a:t>Example 3</a:t>
+              <a:t>Example 4</a:t>
             </a:r>
           </a:p>
         </p:txBody>
@@ -5901,7 +7563,7 @@
 </p:sld>
 </file>
 
-<file path=ppt/slides/slide19.xml><?xml version="1.0" encoding="utf-8"?>
+<file path=ppt/slides/slide23.xml><?xml version="1.0" encoding="utf-8"?>
 <p:sld xmlns:a="http://schemas.openxmlformats.org/drawingml/2006/main" xmlns:r="http://schemas.openxmlformats.org/officeDocument/2006/relationships" xmlns:p="http://schemas.openxmlformats.org/presentationml/2006/main">
   <p:cSld>
     <p:spTree>
@@ -5947,7 +7609,7 @@
           <a:p>
             <a:r>
               <a:rPr lang="en-US" dirty="0"/>
-              <a:t>Example 3: Direct proof</a:t>
+              <a:t>Example 4: Direct proof</a:t>
             </a:r>
           </a:p>
         </p:txBody>
@@ -6172,139 +7834,7 @@
 </p:sld>
 </file>
 
-<file path=ppt/slides/slide2.xml><?xml version="1.0" encoding="utf-8"?>
-<p:sld xmlns:a="http://schemas.openxmlformats.org/drawingml/2006/main" xmlns:r="http://schemas.openxmlformats.org/officeDocument/2006/relationships" xmlns:p="http://schemas.openxmlformats.org/presentationml/2006/main">
-  <p:cSld>
-    <p:spTree>
-      <p:nvGrpSpPr>
-        <p:cNvPr id="1" name=""/>
-        <p:cNvGrpSpPr/>
-        <p:nvPr/>
-      </p:nvGrpSpPr>
-      <p:grpSpPr>
-        <a:xfrm>
-          <a:off x="0" y="0"/>
-          <a:ext cx="0" cy="0"/>
-          <a:chOff x="0" y="0"/>
-          <a:chExt cx="0" cy="0"/>
-        </a:xfrm>
-      </p:grpSpPr>
-      <p:sp>
-        <p:nvSpPr>
-          <p:cNvPr id="4" name="Title 3">
-            <a:extLst>
-              <a:ext uri="{FF2B5EF4-FFF2-40B4-BE49-F238E27FC236}">
-                <a16:creationId xmlns:a16="http://schemas.microsoft.com/office/drawing/2014/main" id="{8BCDB2EF-AB44-E7F1-1137-ACF251E63AF9}"/>
-              </a:ext>
-            </a:extLst>
-          </p:cNvPr>
-          <p:cNvSpPr>
-            <a:spLocks noGrp="1"/>
-          </p:cNvSpPr>
-          <p:nvPr>
-            <p:ph type="title"/>
-          </p:nvPr>
-        </p:nvSpPr>
-        <p:spPr/>
-        <p:txBody>
-          <a:bodyPr/>
-          <a:lstStyle/>
-          <a:p>
-            <a:r>
-              <a:rPr lang="en-US" dirty="0"/>
-              <a:t>Concept check quizzes</a:t>
-            </a:r>
-          </a:p>
-        </p:txBody>
-      </p:sp>
-      <p:sp>
-        <p:nvSpPr>
-          <p:cNvPr id="5" name="Content Placeholder 4">
-            <a:extLst>
-              <a:ext uri="{FF2B5EF4-FFF2-40B4-BE49-F238E27FC236}">
-                <a16:creationId xmlns:a16="http://schemas.microsoft.com/office/drawing/2014/main" id="{08A877F5-2C76-91AB-74A7-547BEE805500}"/>
-              </a:ext>
-            </a:extLst>
-          </p:cNvPr>
-          <p:cNvSpPr>
-            <a:spLocks noGrp="1"/>
-          </p:cNvSpPr>
-          <p:nvPr>
-            <p:ph idx="1"/>
-          </p:nvPr>
-        </p:nvSpPr>
-        <p:spPr/>
-        <p:txBody>
-          <a:bodyPr/>
-          <a:lstStyle/>
-          <a:p>
-            <a:r>
-              <a:rPr lang="en-US" dirty="0"/>
-              <a:t>Many students haven’t done it yet 🙁</a:t>
-            </a:r>
-          </a:p>
-          <a:p>
-            <a:r>
-              <a:rPr lang="en-US" dirty="0"/>
-              <a:t>Remember: unlimited submissions, and are marked “incomplete” </a:t>
-            </a:r>
-            <a:r>
-              <a:rPr lang="en-US" b="1" i="1" dirty="0"/>
-              <a:t>until you get every question right</a:t>
-            </a:r>
-            <a:r>
-              <a:rPr lang="en-US" dirty="0"/>
-              <a:t>.</a:t>
-            </a:r>
-          </a:p>
-          <a:p>
-            <a:r>
-              <a:rPr lang="en-US" b="1" dirty="0">
-                <a:solidFill>
-                  <a:schemeClr val="accent3"/>
-                </a:solidFill>
-              </a:rPr>
-              <a:t>One-time extension </a:t>
-            </a:r>
-            <a:r>
-              <a:rPr lang="en-US" dirty="0"/>
-              <a:t>for everyone until </a:t>
-            </a:r>
-            <a:r>
-              <a:rPr lang="en-US" b="1" dirty="0">
-                <a:solidFill>
-                  <a:schemeClr val="accent3"/>
-                </a:solidFill>
-              </a:rPr>
-              <a:t>11:59pm tonight</a:t>
-            </a:r>
-            <a:r>
-              <a:rPr lang="en-US" dirty="0"/>
-              <a:t>!</a:t>
-            </a:r>
-          </a:p>
-          <a:p>
-            <a:r>
-              <a:rPr lang="en-US" dirty="0"/>
-              <a:t>Be sure to get those in on time going forward. </a:t>
-            </a:r>
-          </a:p>
-        </p:txBody>
-      </p:sp>
-    </p:spTree>
-    <p:extLst>
-      <p:ext uri="{BB962C8B-B14F-4D97-AF65-F5344CB8AC3E}">
-        <p14:creationId xmlns:p14="http://schemas.microsoft.com/office/powerpoint/2010/main" val="1349013357"/>
-      </p:ext>
-    </p:extLst>
-  </p:cSld>
-  <p:clrMapOvr>
-    <a:masterClrMapping/>
-  </p:clrMapOvr>
-</p:sld>
-</file>
-
-<file path=ppt/slides/slide20.xml><?xml version="1.0" encoding="utf-8"?>
+<file path=ppt/slides/slide24.xml><?xml version="1.0" encoding="utf-8"?>
 <p:sld xmlns:a="http://schemas.openxmlformats.org/drawingml/2006/main" xmlns:r="http://schemas.openxmlformats.org/officeDocument/2006/relationships" xmlns:p="http://schemas.openxmlformats.org/presentationml/2006/main">
   <p:cSld>
     <p:spTree>
@@ -6350,7 +7880,7 @@
           <a:p>
             <a:r>
               <a:rPr lang="en-US" dirty="0"/>
-              <a:t>Example 3: Indirect proof</a:t>
+              <a:t>Example 4: Indirect proof</a:t>
             </a:r>
           </a:p>
         </p:txBody>
@@ -6550,7 +8080,7 @@
 </p:sld>
 </file>
 
-<file path=ppt/slides/slide21.xml><?xml version="1.0" encoding="utf-8"?>
+<file path=ppt/slides/slide25.xml><?xml version="1.0" encoding="utf-8"?>
 <p:sld xmlns:a="http://schemas.openxmlformats.org/drawingml/2006/main" xmlns:r="http://schemas.openxmlformats.org/officeDocument/2006/relationships" xmlns:p="http://schemas.openxmlformats.org/presentationml/2006/main">
   <p:cSld>
     <p:spTree>
@@ -6596,7 +8126,7 @@
           <a:p>
             <a:r>
               <a:rPr lang="en-US" dirty="0"/>
-              <a:t>Example 3: Proof by Contradiction</a:t>
+              <a:t>Example 4: Proof by Contradiction</a:t>
             </a:r>
           </a:p>
         </p:txBody>
@@ -6835,7 +8365,7 @@
 </p:sld>
 </file>
 
-<file path=ppt/slides/slide22.xml><?xml version="1.0" encoding="utf-8"?>
+<file path=ppt/slides/slide26.xml><?xml version="1.0" encoding="utf-8"?>
 <p:sld xmlns:a="http://schemas.openxmlformats.org/drawingml/2006/main" xmlns:r="http://schemas.openxmlformats.org/officeDocument/2006/relationships" xmlns:p="http://schemas.openxmlformats.org/presentationml/2006/main">
   <p:cSld>
     <p:spTree>
@@ -6881,7 +8411,7 @@
           <a:p>
             <a:r>
               <a:rPr lang="en-US" dirty="0"/>
-              <a:t>Let’s Practice! (Example 4)</a:t>
+              <a:t>Let’s Practice! (Example 5)</a:t>
             </a:r>
           </a:p>
         </p:txBody>
@@ -6924,7 +8454,7 @@
 </p:sld>
 </file>
 
-<file path=ppt/slides/slide23.xml><?xml version="1.0" encoding="utf-8"?>
+<file path=ppt/slides/slide27.xml><?xml version="1.0" encoding="utf-8"?>
 <p:sld xmlns:a="http://schemas.openxmlformats.org/drawingml/2006/main" xmlns:r="http://schemas.openxmlformats.org/officeDocument/2006/relationships" xmlns:p="http://schemas.openxmlformats.org/presentationml/2006/main">
   <p:cSld>
     <p:spTree>
@@ -6970,7 +8500,7 @@
           <a:p>
             <a:r>
               <a:rPr lang="en-US" dirty="0"/>
-              <a:t>Example 4</a:t>
+              <a:t>Example 5</a:t>
             </a:r>
           </a:p>
         </p:txBody>
@@ -7766,7 +9296,7 @@
 </p:sld>
 </file>
 
-<file path=ppt/slides/slide24.xml><?xml version="1.0" encoding="utf-8"?>
+<file path=ppt/slides/slide28.xml><?xml version="1.0" encoding="utf-8"?>
 <p:sld xmlns:a="http://schemas.openxmlformats.org/drawingml/2006/main" xmlns:r="http://schemas.openxmlformats.org/officeDocument/2006/relationships" xmlns:p="http://schemas.openxmlformats.org/presentationml/2006/main">
   <p:cSld>
     <p:spTree>
@@ -7812,7 +9342,7 @@
           <a:p>
             <a:r>
               <a:rPr lang="en-US" dirty="0"/>
-              <a:t>Example 4: Direct proof</a:t>
+              <a:t>Example 5: Direct proof</a:t>
             </a:r>
           </a:p>
         </p:txBody>
@@ -8001,7 +9531,7 @@
 </p:sld>
 </file>
 
-<file path=ppt/slides/slide25.xml><?xml version="1.0" encoding="utf-8"?>
+<file path=ppt/slides/slide29.xml><?xml version="1.0" encoding="utf-8"?>
 <p:sld xmlns:a="http://schemas.openxmlformats.org/drawingml/2006/main" xmlns:r="http://schemas.openxmlformats.org/officeDocument/2006/relationships" xmlns:p="http://schemas.openxmlformats.org/presentationml/2006/main">
   <p:cSld>
     <p:spTree>
@@ -8047,7 +9577,7 @@
           <a:p>
             <a:r>
               <a:rPr lang="en-US" dirty="0"/>
-              <a:t>Example 4: Indirect proof</a:t>
+              <a:t>Example 5: Indirect proof</a:t>
             </a:r>
           </a:p>
         </p:txBody>
@@ -8250,7 +9780,121 @@
 </p:sld>
 </file>
 
-<file path=ppt/slides/slide26.xml><?xml version="1.0" encoding="utf-8"?>
+<file path=ppt/slides/slide3.xml><?xml version="1.0" encoding="utf-8"?>
+<p:sld xmlns:a="http://schemas.openxmlformats.org/drawingml/2006/main" xmlns:r="http://schemas.openxmlformats.org/officeDocument/2006/relationships" xmlns:p="http://schemas.openxmlformats.org/presentationml/2006/main">
+  <p:cSld>
+    <p:spTree>
+      <p:nvGrpSpPr>
+        <p:cNvPr id="1" name=""/>
+        <p:cNvGrpSpPr/>
+        <p:nvPr/>
+      </p:nvGrpSpPr>
+      <p:grpSpPr>
+        <a:xfrm>
+          <a:off x="0" y="0"/>
+          <a:ext cx="0" cy="0"/>
+          <a:chOff x="0" y="0"/>
+          <a:chExt cx="0" cy="0"/>
+        </a:xfrm>
+      </p:grpSpPr>
+      <p:sp>
+        <p:nvSpPr>
+          <p:cNvPr id="4" name="Title 3">
+            <a:extLst>
+              <a:ext uri="{FF2B5EF4-FFF2-40B4-BE49-F238E27FC236}">
+                <a16:creationId xmlns:a16="http://schemas.microsoft.com/office/drawing/2014/main" id="{9A173F86-C1EE-CFBD-CE21-D794521A4DAE}"/>
+              </a:ext>
+            </a:extLst>
+          </p:cNvPr>
+          <p:cNvSpPr>
+            <a:spLocks noGrp="1"/>
+          </p:cNvSpPr>
+          <p:nvPr>
+            <p:ph type="title"/>
+          </p:nvPr>
+        </p:nvSpPr>
+        <p:spPr/>
+        <p:txBody>
+          <a:bodyPr/>
+          <a:lstStyle/>
+          <a:p>
+            <a:r>
+              <a:rPr lang="en-US" dirty="0"/>
+              <a:t>Homework 1</a:t>
+            </a:r>
+          </a:p>
+        </p:txBody>
+      </p:sp>
+      <p:sp>
+        <p:nvSpPr>
+          <p:cNvPr id="5" name="Content Placeholder 4">
+            <a:extLst>
+              <a:ext uri="{FF2B5EF4-FFF2-40B4-BE49-F238E27FC236}">
+                <a16:creationId xmlns:a16="http://schemas.microsoft.com/office/drawing/2014/main" id="{7A7E6C08-EE74-E030-67AC-051D61FE111E}"/>
+              </a:ext>
+            </a:extLst>
+          </p:cNvPr>
+          <p:cNvSpPr>
+            <a:spLocks noGrp="1"/>
+          </p:cNvSpPr>
+          <p:nvPr>
+            <p:ph idx="1"/>
+          </p:nvPr>
+        </p:nvSpPr>
+        <p:spPr/>
+        <p:txBody>
+          <a:bodyPr/>
+          <a:lstStyle/>
+          <a:p>
+            <a:r>
+              <a:rPr lang="en-US" dirty="0"/>
+              <a:t>HW 1 due this Friday at 11:59pm.</a:t>
+            </a:r>
+          </a:p>
+          <a:p>
+            <a:pPr marL="457200" indent="-457200">
+              <a:buFont typeface="Arial" panose="020B0604020202020204" pitchFamily="34" charset="0"/>
+              <a:buChar char="•"/>
+            </a:pPr>
+            <a:r>
+              <a:rPr lang="en-US" b="1" dirty="0"/>
+              <a:t>Problem 1 (Grading ChatGPT): </a:t>
+            </a:r>
+            <a:r>
+              <a:rPr lang="en-US" dirty="0"/>
+              <a:t>Read ChatGPT’s response to a question about stable matchings, and explain where the LLM made mistakes. </a:t>
+            </a:r>
+          </a:p>
+          <a:p>
+            <a:pPr marL="457200" indent="-457200">
+              <a:buFont typeface="Arial" panose="020B0604020202020204" pitchFamily="34" charset="0"/>
+              <a:buChar char="•"/>
+            </a:pPr>
+            <a:r>
+              <a:rPr lang="en-US" b="1" dirty="0"/>
+              <a:t>Problem 2 (Business profit): </a:t>
+            </a:r>
+            <a:r>
+              <a:rPr lang="en-US" dirty="0"/>
+              <a:t>Write a super simple algorithm for a basic task, and prove its correctness (today’s lecture!)</a:t>
+            </a:r>
+          </a:p>
+        </p:txBody>
+      </p:sp>
+    </p:spTree>
+    <p:extLst>
+      <p:ext uri="{BB962C8B-B14F-4D97-AF65-F5344CB8AC3E}">
+        <p14:creationId xmlns:p14="http://schemas.microsoft.com/office/powerpoint/2010/main" val="4162376793"/>
+      </p:ext>
+    </p:extLst>
+  </p:cSld>
+  <p:clrMapOvr>
+    <a:masterClrMapping/>
+  </p:clrMapOvr>
+</p:sld>
+</file>
+
+<file path=ppt/slides/slide30.xml><?xml version="1.0" encoding="utf-8"?>
 <p:sld xmlns:a="http://schemas.openxmlformats.org/drawingml/2006/main" xmlns:r="http://schemas.openxmlformats.org/officeDocument/2006/relationships" xmlns:p="http://schemas.openxmlformats.org/presentationml/2006/main">
   <p:cSld>
     <p:spTree>
@@ -8296,7 +9940,7 @@
           <a:p>
             <a:r>
               <a:rPr lang="en-US" dirty="0"/>
-              <a:t>Example 4: Proof by Contradiction</a:t>
+              <a:t>Example 5: Proof by Contradiction</a:t>
             </a:r>
           </a:p>
         </p:txBody>
@@ -8513,7 +10157,7 @@
 </p:sld>
 </file>
 
-<file path=ppt/slides/slide27.xml><?xml version="1.0" encoding="utf-8"?>
+<file path=ppt/slides/slide31.xml><?xml version="1.0" encoding="utf-8"?>
 <p:sld xmlns:a="http://schemas.openxmlformats.org/drawingml/2006/main" xmlns:r="http://schemas.openxmlformats.org/officeDocument/2006/relationships" xmlns:p="http://schemas.openxmlformats.org/presentationml/2006/main">
   <p:cSld>
     <p:spTree>
@@ -8559,7 +10203,7 @@
           <a:p>
             <a:r>
               <a:rPr lang="en-US" dirty="0"/>
-              <a:t>Let’s Practice! (Example 5)</a:t>
+              <a:t>Let’s Practice! (Example 6)</a:t>
             </a:r>
           </a:p>
         </p:txBody>
@@ -8602,7 +10246,7 @@
 </p:sld>
 </file>
 
-<file path=ppt/slides/slide28.xml><?xml version="1.0" encoding="utf-8"?>
+<file path=ppt/slides/slide32.xml><?xml version="1.0" encoding="utf-8"?>
 <p:sld xmlns:a="http://schemas.openxmlformats.org/drawingml/2006/main" xmlns:r="http://schemas.openxmlformats.org/officeDocument/2006/relationships" xmlns:p="http://schemas.openxmlformats.org/presentationml/2006/main">
   <p:cSld>
     <p:spTree>
@@ -8648,7 +10292,7 @@
           <a:p>
             <a:r>
               <a:rPr lang="en-US" dirty="0"/>
-              <a:t>Example 5</a:t>
+              <a:t>Example 6</a:t>
             </a:r>
           </a:p>
         </p:txBody>
@@ -9807,7 +11451,7 @@
 </p:sld>
 </file>
 
-<file path=ppt/slides/slide29.xml><?xml version="1.0" encoding="utf-8"?>
+<file path=ppt/slides/slide33.xml><?xml version="1.0" encoding="utf-8"?>
 <p:sld xmlns:a="http://schemas.openxmlformats.org/drawingml/2006/main" xmlns:r="http://schemas.openxmlformats.org/officeDocument/2006/relationships" xmlns:p="http://schemas.openxmlformats.org/presentationml/2006/main">
   <p:cSld>
     <p:spTree>
@@ -9853,7 +11497,7 @@
           <a:p>
             <a:r>
               <a:rPr lang="en-US" dirty="0"/>
-              <a:t>Example 5: Direct proof</a:t>
+              <a:t>Example 6: Direct proof</a:t>
             </a:r>
           </a:p>
         </p:txBody>
@@ -10178,121 +11822,7 @@
 </p:sld>
 </file>
 
-<file path=ppt/slides/slide3.xml><?xml version="1.0" encoding="utf-8"?>
-<p:sld xmlns:a="http://schemas.openxmlformats.org/drawingml/2006/main" xmlns:r="http://schemas.openxmlformats.org/officeDocument/2006/relationships" xmlns:p="http://schemas.openxmlformats.org/presentationml/2006/main">
-  <p:cSld>
-    <p:spTree>
-      <p:nvGrpSpPr>
-        <p:cNvPr id="1" name=""/>
-        <p:cNvGrpSpPr/>
-        <p:nvPr/>
-      </p:nvGrpSpPr>
-      <p:grpSpPr>
-        <a:xfrm>
-          <a:off x="0" y="0"/>
-          <a:ext cx="0" cy="0"/>
-          <a:chOff x="0" y="0"/>
-          <a:chExt cx="0" cy="0"/>
-        </a:xfrm>
-      </p:grpSpPr>
-      <p:sp>
-        <p:nvSpPr>
-          <p:cNvPr id="4" name="Title 3">
-            <a:extLst>
-              <a:ext uri="{FF2B5EF4-FFF2-40B4-BE49-F238E27FC236}">
-                <a16:creationId xmlns:a16="http://schemas.microsoft.com/office/drawing/2014/main" id="{9A173F86-C1EE-CFBD-CE21-D794521A4DAE}"/>
-              </a:ext>
-            </a:extLst>
-          </p:cNvPr>
-          <p:cNvSpPr>
-            <a:spLocks noGrp="1"/>
-          </p:cNvSpPr>
-          <p:nvPr>
-            <p:ph type="title"/>
-          </p:nvPr>
-        </p:nvSpPr>
-        <p:spPr/>
-        <p:txBody>
-          <a:bodyPr/>
-          <a:lstStyle/>
-          <a:p>
-            <a:r>
-              <a:rPr lang="en-US" dirty="0"/>
-              <a:t>Homework 1</a:t>
-            </a:r>
-          </a:p>
-        </p:txBody>
-      </p:sp>
-      <p:sp>
-        <p:nvSpPr>
-          <p:cNvPr id="5" name="Content Placeholder 4">
-            <a:extLst>
-              <a:ext uri="{FF2B5EF4-FFF2-40B4-BE49-F238E27FC236}">
-                <a16:creationId xmlns:a16="http://schemas.microsoft.com/office/drawing/2014/main" id="{7A7E6C08-EE74-E030-67AC-051D61FE111E}"/>
-              </a:ext>
-            </a:extLst>
-          </p:cNvPr>
-          <p:cNvSpPr>
-            <a:spLocks noGrp="1"/>
-          </p:cNvSpPr>
-          <p:nvPr>
-            <p:ph idx="1"/>
-          </p:nvPr>
-        </p:nvSpPr>
-        <p:spPr/>
-        <p:txBody>
-          <a:bodyPr/>
-          <a:lstStyle/>
-          <a:p>
-            <a:r>
-              <a:rPr lang="en-US" dirty="0"/>
-              <a:t>HW 1 due this Friday at 11:59pm.</a:t>
-            </a:r>
-          </a:p>
-          <a:p>
-            <a:pPr marL="457200" indent="-457200">
-              <a:buFont typeface="Arial" panose="020B0604020202020204" pitchFamily="34" charset="0"/>
-              <a:buChar char="•"/>
-            </a:pPr>
-            <a:r>
-              <a:rPr lang="en-US" b="1" dirty="0"/>
-              <a:t>Problem 1 (Grading ChatGPT): </a:t>
-            </a:r>
-            <a:r>
-              <a:rPr lang="en-US" dirty="0"/>
-              <a:t>Read ChatGPT’s response to a question about stable matchings, and explain where the LLM made mistakes. </a:t>
-            </a:r>
-          </a:p>
-          <a:p>
-            <a:pPr marL="457200" indent="-457200">
-              <a:buFont typeface="Arial" panose="020B0604020202020204" pitchFamily="34" charset="0"/>
-              <a:buChar char="•"/>
-            </a:pPr>
-            <a:r>
-              <a:rPr lang="en-US" b="1" dirty="0"/>
-              <a:t>Problem 2 (Business profit): </a:t>
-            </a:r>
-            <a:r>
-              <a:rPr lang="en-US" dirty="0"/>
-              <a:t>Write a super simple algorithm for a basic task, and prove its correctness (today’s lecture!)</a:t>
-            </a:r>
-          </a:p>
-        </p:txBody>
-      </p:sp>
-    </p:spTree>
-    <p:extLst>
-      <p:ext uri="{BB962C8B-B14F-4D97-AF65-F5344CB8AC3E}">
-        <p14:creationId xmlns:p14="http://schemas.microsoft.com/office/powerpoint/2010/main" val="4162376793"/>
-      </p:ext>
-    </p:extLst>
-  </p:cSld>
-  <p:clrMapOvr>
-    <a:masterClrMapping/>
-  </p:clrMapOvr>
-</p:sld>
-</file>
-
-<file path=ppt/slides/slide30.xml><?xml version="1.0" encoding="utf-8"?>
+<file path=ppt/slides/slide34.xml><?xml version="1.0" encoding="utf-8"?>
 <p:sld xmlns:a="http://schemas.openxmlformats.org/drawingml/2006/main" xmlns:r="http://schemas.openxmlformats.org/officeDocument/2006/relationships" xmlns:p="http://schemas.openxmlformats.org/presentationml/2006/main">
   <p:cSld>
     <p:spTree>
@@ -10338,7 +11868,7 @@
           <a:p>
             <a:r>
               <a:rPr lang="en-US" dirty="0"/>
-              <a:t>Example 5: Indirect proof</a:t>
+              <a:t>Example 6: Indirect proof</a:t>
             </a:r>
           </a:p>
         </p:txBody>
@@ -10609,7 +12139,7 @@
 </p:sld>
 </file>
 
-<file path=ppt/slides/slide31.xml><?xml version="1.0" encoding="utf-8"?>
+<file path=ppt/slides/slide35.xml><?xml version="1.0" encoding="utf-8"?>
 <p:sld xmlns:a="http://schemas.openxmlformats.org/drawingml/2006/main" xmlns:r="http://schemas.openxmlformats.org/officeDocument/2006/relationships" xmlns:p="http://schemas.openxmlformats.org/presentationml/2006/main">
   <p:cSld>
     <p:spTree>
@@ -10655,7 +12185,7 @@
           <a:p>
             <a:r>
               <a:rPr lang="en-US" dirty="0"/>
-              <a:t>Example 5: Proof by Contradiction</a:t>
+              <a:t>Example 6: Proof by Contradiction</a:t>
             </a:r>
           </a:p>
         </p:txBody>
@@ -10921,13 +12451,8 @@
                 </a14:m>
                 <a:r>
                   <a:rPr lang="en-US" dirty="0"/>
-                  <a:t> </a:t>
-                </a:r>
-                <a:r>
-                  <a:rPr lang="en-US"/>
-                  <a:t>is even</a:t>
-                </a:r>
-                <a:endParaRPr lang="en-US" dirty="0"/>
+                  <a:t> is even</a:t>
+                </a:r>
               </a:p>
               <a:p>
                 <a:pPr marL="457200" indent="-457200">
@@ -11013,7 +12538,2316 @@
 </p:sld>
 </file>
 
-<file path=ppt/slides/slide32.xml><?xml version="1.0" encoding="utf-8"?>
+<file path=ppt/slides/slide36.xml><?xml version="1.0" encoding="utf-8"?>
+<p:sld xmlns:a="http://schemas.openxmlformats.org/drawingml/2006/main" xmlns:r="http://schemas.openxmlformats.org/officeDocument/2006/relationships" xmlns:p="http://schemas.openxmlformats.org/presentationml/2006/main">
+  <p:cSld>
+    <p:spTree>
+      <p:nvGrpSpPr>
+        <p:cNvPr id="1" name="">
+          <a:extLst>
+            <a:ext uri="{FF2B5EF4-FFF2-40B4-BE49-F238E27FC236}">
+              <a16:creationId xmlns:a16="http://schemas.microsoft.com/office/drawing/2014/main" id="{EB916C41-644D-7F28-36F7-14C050C1D42E}"/>
+            </a:ext>
+          </a:extLst>
+        </p:cNvPr>
+        <p:cNvGrpSpPr/>
+        <p:nvPr/>
+      </p:nvGrpSpPr>
+      <p:grpSpPr>
+        <a:xfrm>
+          <a:off x="0" y="0"/>
+          <a:ext cx="0" cy="0"/>
+          <a:chOff x="0" y="0"/>
+          <a:chExt cx="0" cy="0"/>
+        </a:xfrm>
+      </p:grpSpPr>
+      <p:sp>
+        <p:nvSpPr>
+          <p:cNvPr id="2" name="Title 1">
+            <a:extLst>
+              <a:ext uri="{FF2B5EF4-FFF2-40B4-BE49-F238E27FC236}">
+                <a16:creationId xmlns:a16="http://schemas.microsoft.com/office/drawing/2014/main" id="{18DF7BAD-BC2E-1975-4D4D-E92315BD6D9B}"/>
+              </a:ext>
+            </a:extLst>
+          </p:cNvPr>
+          <p:cNvSpPr>
+            <a:spLocks noGrp="1"/>
+          </p:cNvSpPr>
+          <p:nvPr>
+            <p:ph type="title"/>
+          </p:nvPr>
+        </p:nvSpPr>
+        <p:spPr/>
+        <p:txBody>
+          <a:bodyPr/>
+          <a:lstStyle/>
+          <a:p>
+            <a:r>
+              <a:rPr lang="en-US" dirty="0"/>
+              <a:t>Let’s Practice! (Example 7)</a:t>
+            </a:r>
+          </a:p>
+        </p:txBody>
+      </p:sp>
+      <p:sp>
+        <p:nvSpPr>
+          <p:cNvPr id="3" name="Text Placeholder 2">
+            <a:extLst>
+              <a:ext uri="{FF2B5EF4-FFF2-40B4-BE49-F238E27FC236}">
+                <a16:creationId xmlns:a16="http://schemas.microsoft.com/office/drawing/2014/main" id="{AA753F82-2914-4FFB-F73C-6B5494C30A9F}"/>
+              </a:ext>
+            </a:extLst>
+          </p:cNvPr>
+          <p:cNvSpPr>
+            <a:spLocks noGrp="1"/>
+          </p:cNvSpPr>
+          <p:nvPr>
+            <p:ph type="body" idx="1"/>
+          </p:nvPr>
+        </p:nvSpPr>
+        <p:spPr/>
+        <p:txBody>
+          <a:bodyPr/>
+          <a:lstStyle/>
+          <a:p>
+            <a:endParaRPr lang="en-US" dirty="0"/>
+          </a:p>
+        </p:txBody>
+      </p:sp>
+    </p:spTree>
+    <p:extLst>
+      <p:ext uri="{BB962C8B-B14F-4D97-AF65-F5344CB8AC3E}">
+        <p14:creationId xmlns:p14="http://schemas.microsoft.com/office/powerpoint/2010/main" val="3290162720"/>
+      </p:ext>
+    </p:extLst>
+  </p:cSld>
+  <p:clrMapOvr>
+    <a:masterClrMapping/>
+  </p:clrMapOvr>
+</p:sld>
+</file>
+
+<file path=ppt/slides/slide37.xml><?xml version="1.0" encoding="utf-8"?>
+<p:sld xmlns:a="http://schemas.openxmlformats.org/drawingml/2006/main" xmlns:r="http://schemas.openxmlformats.org/officeDocument/2006/relationships" xmlns:p="http://schemas.openxmlformats.org/presentationml/2006/main">
+  <p:cSld>
+    <p:spTree>
+      <p:nvGrpSpPr>
+        <p:cNvPr id="1" name="">
+          <a:extLst>
+            <a:ext uri="{FF2B5EF4-FFF2-40B4-BE49-F238E27FC236}">
+              <a16:creationId xmlns:a16="http://schemas.microsoft.com/office/drawing/2014/main" id="{FAA943FC-D216-CA8F-48A6-BEA29EDBBE7D}"/>
+            </a:ext>
+          </a:extLst>
+        </p:cNvPr>
+        <p:cNvGrpSpPr/>
+        <p:nvPr/>
+      </p:nvGrpSpPr>
+      <p:grpSpPr>
+        <a:xfrm>
+          <a:off x="0" y="0"/>
+          <a:ext cx="0" cy="0"/>
+          <a:chOff x="0" y="0"/>
+          <a:chExt cx="0" cy="0"/>
+        </a:xfrm>
+      </p:grpSpPr>
+      <p:sp>
+        <p:nvSpPr>
+          <p:cNvPr id="2" name="Title 1">
+            <a:extLst>
+              <a:ext uri="{FF2B5EF4-FFF2-40B4-BE49-F238E27FC236}">
+                <a16:creationId xmlns:a16="http://schemas.microsoft.com/office/drawing/2014/main" id="{0774D78C-5286-8534-867C-F41CE66B1340}"/>
+              </a:ext>
+            </a:extLst>
+          </p:cNvPr>
+          <p:cNvSpPr>
+            <a:spLocks noGrp="1"/>
+          </p:cNvSpPr>
+          <p:nvPr>
+            <p:ph type="title"/>
+          </p:nvPr>
+        </p:nvSpPr>
+        <p:spPr/>
+        <p:txBody>
+          <a:bodyPr/>
+          <a:lstStyle/>
+          <a:p>
+            <a:r>
+              <a:rPr lang="en-US" dirty="0"/>
+              <a:t>Example 7</a:t>
+            </a:r>
+          </a:p>
+        </p:txBody>
+      </p:sp>
+      <mc:AlternateContent xmlns:mc="http://schemas.openxmlformats.org/markup-compatibility/2006">
+        <mc:Choice xmlns:a14="http://schemas.microsoft.com/office/drawing/2010/main" Requires="a14">
+          <p:sp>
+            <p:nvSpPr>
+              <p:cNvPr id="3" name="Content Placeholder 2">
+                <a:extLst>
+                  <a:ext uri="{FF2B5EF4-FFF2-40B4-BE49-F238E27FC236}">
+                    <a16:creationId xmlns:a16="http://schemas.microsoft.com/office/drawing/2014/main" id="{F6BCCC72-4AED-845D-17CB-E860030E1400}"/>
+                  </a:ext>
+                </a:extLst>
+              </p:cNvPr>
+              <p:cNvSpPr>
+                <a:spLocks noGrp="1"/>
+              </p:cNvSpPr>
+              <p:nvPr>
+                <p:ph idx="1"/>
+              </p:nvPr>
+            </p:nvSpPr>
+            <p:spPr/>
+            <p:txBody>
+              <a:bodyPr>
+                <a:normAutofit/>
+              </a:bodyPr>
+              <a:lstStyle/>
+              <a:p>
+                <a:pPr marL="457200" indent="-457200">
+                  <a:buFont typeface="Arial" panose="020B0604020202020204" pitchFamily="34" charset="0"/>
+                  <a:buChar char="•"/>
+                </a:pPr>
+                <a:r>
+                  <a:rPr lang="en-US" b="1" dirty="0"/>
+                  <a:t>Claim: </a:t>
+                </a:r>
+                <a:r>
+                  <a:rPr lang="en-US" dirty="0"/>
+                  <a:t>If </a:t>
+                </a:r>
+                <a14:m>
+                  <m:oMath xmlns:m="http://schemas.openxmlformats.org/officeDocument/2006/math">
+                    <m:r>
+                      <a:rPr lang="en-US" b="0" i="1" smtClean="0">
+                        <a:latin typeface="Cambria Math" panose="02040503050406030204" pitchFamily="18" charset="0"/>
+                      </a:rPr>
+                      <m:t>4</m:t>
+                    </m:r>
+                    <m:sSup>
+                      <m:sSupPr>
+                        <m:ctrlPr>
+                          <a:rPr lang="en-US" b="0" i="1" smtClean="0">
+                            <a:latin typeface="Cambria Math" panose="02040503050406030204" pitchFamily="18" charset="0"/>
+                          </a:rPr>
+                        </m:ctrlPr>
+                      </m:sSupPr>
+                      <m:e>
+                        <m:r>
+                          <a:rPr lang="en-US" b="0" i="1" smtClean="0">
+                            <a:latin typeface="Cambria Math" panose="02040503050406030204" pitchFamily="18" charset="0"/>
+                          </a:rPr>
+                          <m:t>𝑛</m:t>
+                        </m:r>
+                      </m:e>
+                      <m:sup>
+                        <m:r>
+                          <a:rPr lang="en-US" b="0" i="1" smtClean="0">
+                            <a:latin typeface="Cambria Math" panose="02040503050406030204" pitchFamily="18" charset="0"/>
+                          </a:rPr>
+                          <m:t>3</m:t>
+                        </m:r>
+                      </m:sup>
+                    </m:sSup>
+                    <m:r>
+                      <a:rPr lang="en-US" b="0" i="1" smtClean="0">
+                        <a:latin typeface="Cambria Math" panose="02040503050406030204" pitchFamily="18" charset="0"/>
+                      </a:rPr>
+                      <m:t>+8</m:t>
+                    </m:r>
+                  </m:oMath>
+                </a14:m>
+                <a:r>
+                  <a:rPr lang="en-US" dirty="0"/>
+                  <a:t> is odd then </a:t>
+                </a:r>
+                <a14:m>
+                  <m:oMath xmlns:m="http://schemas.openxmlformats.org/officeDocument/2006/math">
+                    <m:r>
+                      <a:rPr lang="en-US" b="0" i="1" smtClean="0">
+                        <a:latin typeface="Cambria Math" panose="02040503050406030204" pitchFamily="18" charset="0"/>
+                      </a:rPr>
+                      <m:t>𝑛</m:t>
+                    </m:r>
+                  </m:oMath>
+                </a14:m>
+                <a:r>
+                  <a:rPr lang="en-US" dirty="0"/>
+                  <a:t> is even</a:t>
+                </a:r>
+              </a:p>
+              <a:p>
+                <a:pPr marL="457200" indent="-457200">
+                  <a:buFont typeface="Arial" panose="020B0604020202020204" pitchFamily="34" charset="0"/>
+                  <a:buChar char="•"/>
+                </a:pPr>
+                <a:endParaRPr lang="en-US" dirty="0"/>
+              </a:p>
+              <a:p>
+                <a:pPr marL="457200" indent="-457200">
+                  <a:buFont typeface="Arial" panose="020B0604020202020204" pitchFamily="34" charset="0"/>
+                  <a:buChar char="•"/>
+                </a:pPr>
+                <a:endParaRPr lang="en-US" dirty="0"/>
+              </a:p>
+              <a:p>
+                <a:pPr marL="457200" indent="-457200">
+                  <a:buFont typeface="Arial" panose="020B0604020202020204" pitchFamily="34" charset="0"/>
+                  <a:buChar char="•"/>
+                </a:pPr>
+                <a:endParaRPr lang="en-US" dirty="0"/>
+              </a:p>
+              <a:p>
+                <a:pPr marL="457200" indent="-457200">
+                  <a:buFont typeface="Arial" panose="020B0604020202020204" pitchFamily="34" charset="0"/>
+                  <a:buChar char="•"/>
+                </a:pPr>
+                <a:r>
+                  <a:rPr lang="en-US" dirty="0"/>
+                  <a:t>Do you think the statement is true or false?</a:t>
+                </a:r>
+              </a:p>
+              <a:p>
+                <a:pPr marL="457200" indent="-457200">
+                  <a:buFont typeface="Arial" panose="020B0604020202020204" pitchFamily="34" charset="0"/>
+                  <a:buChar char="•"/>
+                </a:pPr>
+                <a:r>
+                  <a:rPr lang="en-US" dirty="0"/>
+                  <a:t>Which strategy seems easiest to you?</a:t>
+                </a:r>
+              </a:p>
+            </p:txBody>
+          </p:sp>
+        </mc:Choice>
+        <mc:Fallback>
+          <p:sp>
+            <p:nvSpPr>
+              <p:cNvPr id="3" name="Content Placeholder 2">
+                <a:extLst>
+                  <a:ext uri="{FF2B5EF4-FFF2-40B4-BE49-F238E27FC236}">
+                    <a16:creationId xmlns:a16="http://schemas.microsoft.com/office/drawing/2014/main" id="{F6BCCC72-4AED-845D-17CB-E860030E1400}"/>
+                  </a:ext>
+                </a:extLst>
+              </p:cNvPr>
+              <p:cNvSpPr>
+                <a:spLocks noGrp="1" noRot="1" noChangeAspect="1" noMove="1" noResize="1" noEditPoints="1" noAdjustHandles="1" noChangeArrowheads="1" noChangeShapeType="1" noTextEdit="1"/>
+              </p:cNvSpPr>
+              <p:nvPr>
+                <p:ph idx="1"/>
+              </p:nvPr>
+            </p:nvSpPr>
+            <p:spPr>
+              <a:blipFill>
+                <a:blip r:embed="rId2"/>
+                <a:stretch>
+                  <a:fillRect l="-1043" t="-380" b="-2408"/>
+                </a:stretch>
+              </a:blipFill>
+            </p:spPr>
+            <p:txBody>
+              <a:bodyPr/>
+              <a:lstStyle/>
+              <a:p>
+                <a:r>
+                  <a:rPr lang="en-US">
+                    <a:noFill/>
+                  </a:rPr>
+                  <a:t> </a:t>
+                </a:r>
+              </a:p>
+            </p:txBody>
+          </p:sp>
+        </mc:Fallback>
+      </mc:AlternateContent>
+      <mc:AlternateContent xmlns:mc="http://schemas.openxmlformats.org/markup-compatibility/2006">
+        <mc:Choice xmlns:a14="http://schemas.microsoft.com/office/drawing/2010/main" Requires="a14">
+          <p:graphicFrame>
+            <p:nvGraphicFramePr>
+              <p:cNvPr id="4" name="Table 3">
+                <a:extLst>
+                  <a:ext uri="{FF2B5EF4-FFF2-40B4-BE49-F238E27FC236}">
+                    <a16:creationId xmlns:a16="http://schemas.microsoft.com/office/drawing/2014/main" id="{B88959FA-D5A3-F23D-AA10-896D4A2750DC}"/>
+                  </a:ext>
+                </a:extLst>
+              </p:cNvPr>
+              <p:cNvGraphicFramePr>
+                <a:graphicFrameLocks noGrp="1"/>
+              </p:cNvGraphicFramePr>
+              <p:nvPr>
+                <p:extLst>
+                  <p:ext uri="{D42A27DB-BD31-4B8C-83A1-F6EECF244321}">
+                    <p14:modId xmlns:p14="http://schemas.microsoft.com/office/powerpoint/2010/main" val="2247763441"/>
+                  </p:ext>
+                </p:extLst>
+              </p:nvPr>
+            </p:nvGraphicFramePr>
+            <p:xfrm>
+              <a:off x="437322" y="2164417"/>
+              <a:ext cx="11400184" cy="1833880"/>
+            </p:xfrm>
+            <a:graphic>
+              <a:graphicData uri="http://schemas.openxmlformats.org/drawingml/2006/table">
+                <a:tbl>
+                  <a:tblPr firstRow="1" bandRow="1">
+                    <a:tableStyleId>{5C22544A-7EE6-4342-B048-85BDC9FD1C3A}</a:tableStyleId>
+                  </a:tblPr>
+                  <a:tblGrid>
+                    <a:gridCol w="2850046">
+                      <a:extLst>
+                        <a:ext uri="{9D8B030D-6E8A-4147-A177-3AD203B41FA5}">
+                          <a16:colId xmlns:a16="http://schemas.microsoft.com/office/drawing/2014/main" val="1804739404"/>
+                        </a:ext>
+                      </a:extLst>
+                    </a:gridCol>
+                    <a:gridCol w="2850046">
+                      <a:extLst>
+                        <a:ext uri="{9D8B030D-6E8A-4147-A177-3AD203B41FA5}">
+                          <a16:colId xmlns:a16="http://schemas.microsoft.com/office/drawing/2014/main" val="3455385937"/>
+                        </a:ext>
+                      </a:extLst>
+                    </a:gridCol>
+                    <a:gridCol w="2850046">
+                      <a:extLst>
+                        <a:ext uri="{9D8B030D-6E8A-4147-A177-3AD203B41FA5}">
+                          <a16:colId xmlns:a16="http://schemas.microsoft.com/office/drawing/2014/main" val="3544786661"/>
+                        </a:ext>
+                      </a:extLst>
+                    </a:gridCol>
+                    <a:gridCol w="2850046">
+                      <a:extLst>
+                        <a:ext uri="{9D8B030D-6E8A-4147-A177-3AD203B41FA5}">
+                          <a16:colId xmlns:a16="http://schemas.microsoft.com/office/drawing/2014/main" val="1393404857"/>
+                        </a:ext>
+                      </a:extLst>
+                    </a:gridCol>
+                  </a:tblGrid>
+                  <a:tr h="370840">
+                    <a:tc>
+                      <a:txBody>
+                        <a:bodyPr/>
+                        <a:lstStyle/>
+                        <a:p>
+                          <a:r>
+                            <a:rPr lang="en-US" dirty="0"/>
+                            <a:t>Direct Proof</a:t>
+                          </a:r>
+                        </a:p>
+                      </a:txBody>
+                      <a:tcPr/>
+                    </a:tc>
+                    <a:tc>
+                      <a:txBody>
+                        <a:bodyPr/>
+                        <a:lstStyle/>
+                        <a:p>
+                          <a:r>
+                            <a:rPr lang="en-US" dirty="0"/>
+                            <a:t>Indirect Proof</a:t>
+                          </a:r>
+                        </a:p>
+                      </a:txBody>
+                      <a:tcPr/>
+                    </a:tc>
+                    <a:tc>
+                      <a:txBody>
+                        <a:bodyPr/>
+                        <a:lstStyle/>
+                        <a:p>
+                          <a:r>
+                            <a:rPr lang="en-US" dirty="0"/>
+                            <a:t>Contradiction</a:t>
+                          </a:r>
+                        </a:p>
+                      </a:txBody>
+                      <a:tcPr/>
+                    </a:tc>
+                    <a:tc>
+                      <a:txBody>
+                        <a:bodyPr/>
+                        <a:lstStyle/>
+                        <a:p>
+                          <a:r>
+                            <a:rPr lang="en-US" dirty="0"/>
+                            <a:t>Counterexample</a:t>
+                          </a:r>
+                        </a:p>
+                      </a:txBody>
+                      <a:tcPr/>
+                    </a:tc>
+                    <a:extLst>
+                      <a:ext uri="{0D108BD9-81ED-4DB2-BD59-A6C34878D82A}">
+                        <a16:rowId xmlns:a16="http://schemas.microsoft.com/office/drawing/2014/main" val="3714935835"/>
+                      </a:ext>
+                    </a:extLst>
+                  </a:tr>
+                  <a:tr h="370840">
+                    <a:tc>
+                      <a:txBody>
+                        <a:bodyPr/>
+                        <a:lstStyle/>
+                        <a:p>
+                          <a:r>
+                            <a:rPr lang="en-US" b="1" dirty="0"/>
+                            <a:t>Start with:</a:t>
+                          </a:r>
+                          <a:r>
+                            <a:rPr lang="en-US" b="0" baseline="0" dirty="0"/>
+                            <a:t> </a:t>
+                          </a:r>
+                          <a14:m>
+                            <m:oMath xmlns:m="http://schemas.openxmlformats.org/officeDocument/2006/math">
+                              <m:r>
+                                <a:rPr lang="en-US" b="0" i="1" smtClean="0">
+                                  <a:latin typeface="Cambria Math" panose="02040503050406030204" pitchFamily="18" charset="0"/>
+                                </a:rPr>
+                                <m:t>4</m:t>
+                              </m:r>
+                              <m:sSup>
+                                <m:sSupPr>
+                                  <m:ctrlPr>
+                                    <a:rPr lang="en-US" b="0" i="1" smtClean="0">
+                                      <a:latin typeface="Cambria Math" panose="02040503050406030204" pitchFamily="18" charset="0"/>
+                                    </a:rPr>
+                                  </m:ctrlPr>
+                                </m:sSupPr>
+                                <m:e>
+                                  <m:r>
+                                    <a:rPr lang="en-US" b="0" i="1" smtClean="0">
+                                      <a:latin typeface="Cambria Math" panose="02040503050406030204" pitchFamily="18" charset="0"/>
+                                    </a:rPr>
+                                    <m:t>𝑛</m:t>
+                                  </m:r>
+                                </m:e>
+                                <m:sup>
+                                  <m:r>
+                                    <a:rPr lang="en-US" b="0" i="1" smtClean="0">
+                                      <a:latin typeface="Cambria Math" panose="02040503050406030204" pitchFamily="18" charset="0"/>
+                                    </a:rPr>
+                                    <m:t>3</m:t>
+                                  </m:r>
+                                </m:sup>
+                              </m:sSup>
+                              <m:r>
+                                <a:rPr lang="en-US" b="0" i="1" smtClean="0">
+                                  <a:latin typeface="Cambria Math" panose="02040503050406030204" pitchFamily="18" charset="0"/>
+                                </a:rPr>
+                                <m:t>+8</m:t>
+                              </m:r>
+                            </m:oMath>
+                          </a14:m>
+                          <a:r>
+                            <a:rPr lang="en-US" b="0" dirty="0"/>
+                            <a:t> is odd</a:t>
+                          </a:r>
+                        </a:p>
+                        <a:p>
+                          <a:endParaRPr lang="en-US" dirty="0"/>
+                        </a:p>
+                        <a:p>
+                          <a:r>
+                            <a:rPr lang="en-US" b="1" dirty="0"/>
+                            <a:t>End with:</a:t>
+                          </a:r>
+                          <a:r>
+                            <a:rPr lang="en-US" b="1" baseline="0" dirty="0"/>
+                            <a:t> </a:t>
+                          </a:r>
+                          <a14:m>
+                            <m:oMath xmlns:m="http://schemas.openxmlformats.org/officeDocument/2006/math">
+                              <m:r>
+                                <a:rPr lang="en-US" b="0" i="1" baseline="0" smtClean="0">
+                                  <a:latin typeface="Cambria Math" panose="02040503050406030204" pitchFamily="18" charset="0"/>
+                                </a:rPr>
+                                <m:t>𝑛</m:t>
+                              </m:r>
+                            </m:oMath>
+                          </a14:m>
+                          <a:r>
+                            <a:rPr lang="en-US" dirty="0"/>
+                            <a:t> is even</a:t>
+                          </a:r>
+                        </a:p>
+                      </a:txBody>
+                      <a:tcPr/>
+                    </a:tc>
+                    <a:tc>
+                      <a:txBody>
+                        <a:bodyPr/>
+                        <a:lstStyle/>
+                        <a:p>
+                          <a:r>
+                            <a:rPr lang="en-US" b="1" dirty="0"/>
+                            <a:t>Start with:</a:t>
+                          </a:r>
+                          <a:r>
+                            <a:rPr lang="en-US" b="1" baseline="0" dirty="0"/>
+                            <a:t> </a:t>
+                          </a:r>
+                          <a14:m>
+                            <m:oMath xmlns:m="http://schemas.openxmlformats.org/officeDocument/2006/math">
+                              <m:r>
+                                <a:rPr lang="en-US" b="0" i="1" baseline="0" smtClean="0">
+                                  <a:latin typeface="Cambria Math" panose="02040503050406030204" pitchFamily="18" charset="0"/>
+                                </a:rPr>
+                                <m:t>𝑛</m:t>
+                              </m:r>
+                            </m:oMath>
+                          </a14:m>
+                          <a:r>
+                            <a:rPr lang="en-US" b="0" dirty="0"/>
+                            <a:t> is odd</a:t>
+                          </a:r>
+                        </a:p>
+                        <a:p>
+                          <a:endParaRPr lang="en-US" dirty="0"/>
+                        </a:p>
+                        <a:p>
+                          <a:r>
+                            <a:rPr lang="en-US" b="1" dirty="0"/>
+                            <a:t>End with:</a:t>
+                          </a:r>
+                          <a14:m>
+                            <m:oMath xmlns:m="http://schemas.openxmlformats.org/officeDocument/2006/math">
+                              <m:r>
+                                <a:rPr lang="en-US" b="0" i="1" smtClean="0">
+                                  <a:latin typeface="Cambria Math" panose="02040503050406030204" pitchFamily="18" charset="0"/>
+                                </a:rPr>
+                                <m:t>4</m:t>
+                              </m:r>
+                              <m:sSup>
+                                <m:sSupPr>
+                                  <m:ctrlPr>
+                                    <a:rPr lang="en-US" b="0" i="1" smtClean="0">
+                                      <a:latin typeface="Cambria Math" panose="02040503050406030204" pitchFamily="18" charset="0"/>
+                                    </a:rPr>
+                                  </m:ctrlPr>
+                                </m:sSupPr>
+                                <m:e>
+                                  <m:r>
+                                    <a:rPr lang="en-US" b="0" i="1" smtClean="0">
+                                      <a:latin typeface="Cambria Math" panose="02040503050406030204" pitchFamily="18" charset="0"/>
+                                    </a:rPr>
+                                    <m:t>𝑛</m:t>
+                                  </m:r>
+                                </m:e>
+                                <m:sup>
+                                  <m:r>
+                                    <a:rPr lang="en-US" b="0" i="1" smtClean="0">
+                                      <a:latin typeface="Cambria Math" panose="02040503050406030204" pitchFamily="18" charset="0"/>
+                                    </a:rPr>
+                                    <m:t>3</m:t>
+                                  </m:r>
+                                </m:sup>
+                              </m:sSup>
+                              <m:r>
+                                <a:rPr lang="en-US" b="0" i="1" smtClean="0">
+                                  <a:latin typeface="Cambria Math" panose="02040503050406030204" pitchFamily="18" charset="0"/>
+                                </a:rPr>
+                                <m:t>+8</m:t>
+                              </m:r>
+                            </m:oMath>
+                          </a14:m>
+                          <a:r>
+                            <a:rPr lang="en-US" b="0" dirty="0"/>
+                            <a:t> is even</a:t>
+                          </a:r>
+                        </a:p>
+                      </a:txBody>
+                      <a:tcPr/>
+                    </a:tc>
+                    <a:tc>
+                      <a:txBody>
+                        <a:bodyPr/>
+                        <a:lstStyle/>
+                        <a:p>
+                          <a:pPr rtl="0"/>
+                          <a:r>
+                            <a:rPr lang="en-US" b="1" dirty="0"/>
+                            <a:t>Start with: </a:t>
+                          </a:r>
+                          <a14:m>
+                            <m:oMath xmlns:m="http://schemas.openxmlformats.org/officeDocument/2006/math">
+                              <m:r>
+                                <a:rPr lang="en-US" b="0" i="1" smtClean="0">
+                                  <a:latin typeface="Cambria Math" panose="02040503050406030204" pitchFamily="18" charset="0"/>
+                                </a:rPr>
+                                <m:t>𝑛</m:t>
+                              </m:r>
+                            </m:oMath>
+                          </a14:m>
+                          <a:r>
+                            <a:rPr lang="en-US" b="0" dirty="0"/>
+                            <a:t> and</a:t>
+                          </a:r>
+                          <a:r>
+                            <a:rPr lang="en-US" b="0" baseline="0" dirty="0"/>
+                            <a:t> </a:t>
+                          </a:r>
+                          <a14:m>
+                            <m:oMath xmlns:m="http://schemas.openxmlformats.org/officeDocument/2006/math">
+                              <m:r>
+                                <a:rPr lang="en-US" b="0" i="1" smtClean="0">
+                                  <a:latin typeface="Cambria Math" panose="02040503050406030204" pitchFamily="18" charset="0"/>
+                                </a:rPr>
+                                <m:t>4</m:t>
+                              </m:r>
+                              <m:sSup>
+                                <m:sSupPr>
+                                  <m:ctrlPr>
+                                    <a:rPr lang="en-US" b="0" i="1" smtClean="0">
+                                      <a:latin typeface="Cambria Math" panose="02040503050406030204" pitchFamily="18" charset="0"/>
+                                    </a:rPr>
+                                  </m:ctrlPr>
+                                </m:sSupPr>
+                                <m:e>
+                                  <m:r>
+                                    <a:rPr lang="en-US" b="0" i="1" smtClean="0">
+                                      <a:latin typeface="Cambria Math" panose="02040503050406030204" pitchFamily="18" charset="0"/>
+                                    </a:rPr>
+                                    <m:t>𝑛</m:t>
+                                  </m:r>
+                                </m:e>
+                                <m:sup>
+                                  <m:r>
+                                    <a:rPr lang="en-US" b="0" i="1" smtClean="0">
+                                      <a:latin typeface="Cambria Math" panose="02040503050406030204" pitchFamily="18" charset="0"/>
+                                    </a:rPr>
+                                    <m:t>3</m:t>
+                                  </m:r>
+                                </m:sup>
+                              </m:sSup>
+                              <m:r>
+                                <a:rPr lang="en-US" b="0" i="1" smtClean="0">
+                                  <a:latin typeface="Cambria Math" panose="02040503050406030204" pitchFamily="18" charset="0"/>
+                                </a:rPr>
+                                <m:t>+8</m:t>
+                              </m:r>
+                            </m:oMath>
+                          </a14:m>
+                          <a:r>
+                            <a:rPr lang="en-US" b="0" dirty="0"/>
+                            <a:t> are both odd</a:t>
+                          </a:r>
+                        </a:p>
+                        <a:p>
+                          <a:r>
+                            <a:rPr lang="en-US" b="1" dirty="0"/>
+                            <a:t>End with:</a:t>
+                          </a:r>
+                          <a:r>
+                            <a:rPr lang="en-US" b="1" baseline="0" dirty="0"/>
+                            <a:t> </a:t>
+                          </a:r>
+                          <a:r>
+                            <a:rPr lang="en-US" b="0" baseline="0" dirty="0"/>
+                            <a:t>something that’s clearly wrong</a:t>
+                          </a:r>
+                          <a:endParaRPr lang="en-US" dirty="0"/>
+                        </a:p>
+                        <a:p>
+                          <a:endParaRPr lang="en-US" dirty="0"/>
+                        </a:p>
+                      </a:txBody>
+                      <a:tcPr/>
+                    </a:tc>
+                    <a:tc>
+                      <a:txBody>
+                        <a:bodyPr/>
+                        <a:lstStyle/>
+                        <a:p>
+                          <a:r>
+                            <a:rPr lang="en-US" dirty="0"/>
+                            <a:t>Find an example of</a:t>
+                          </a:r>
+                          <a:r>
+                            <a:rPr lang="en-US" baseline="0" dirty="0"/>
+                            <a:t> an odd integer </a:t>
+                          </a:r>
+                          <a14:m>
+                            <m:oMath xmlns:m="http://schemas.openxmlformats.org/officeDocument/2006/math">
+                              <m:r>
+                                <a:rPr lang="en-US" b="0" i="1" baseline="0" smtClean="0">
+                                  <a:latin typeface="Cambria Math" panose="02040503050406030204" pitchFamily="18" charset="0"/>
+                                </a:rPr>
+                                <m:t>𝑛</m:t>
+                              </m:r>
+                            </m:oMath>
+                          </a14:m>
+                          <a:r>
+                            <a:rPr lang="en-US" dirty="0"/>
+                            <a:t> such that </a:t>
+                          </a:r>
+                          <a14:m>
+                            <m:oMath xmlns:m="http://schemas.openxmlformats.org/officeDocument/2006/math">
+                              <m:r>
+                                <a:rPr lang="en-US" b="0" i="1" smtClean="0">
+                                  <a:latin typeface="Cambria Math" panose="02040503050406030204" pitchFamily="18" charset="0"/>
+                                </a:rPr>
+                                <m:t>4</m:t>
+                              </m:r>
+                              <m:sSup>
+                                <m:sSupPr>
+                                  <m:ctrlPr>
+                                    <a:rPr lang="en-US" b="0" i="1" smtClean="0">
+                                      <a:latin typeface="Cambria Math" panose="02040503050406030204" pitchFamily="18" charset="0"/>
+                                    </a:rPr>
+                                  </m:ctrlPr>
+                                </m:sSupPr>
+                                <m:e>
+                                  <m:r>
+                                    <a:rPr lang="en-US" b="0" i="1" smtClean="0">
+                                      <a:latin typeface="Cambria Math" panose="02040503050406030204" pitchFamily="18" charset="0"/>
+                                    </a:rPr>
+                                    <m:t>𝑛</m:t>
+                                  </m:r>
+                                </m:e>
+                                <m:sup>
+                                  <m:r>
+                                    <a:rPr lang="en-US" b="0" i="1" smtClean="0">
+                                      <a:latin typeface="Cambria Math" panose="02040503050406030204" pitchFamily="18" charset="0"/>
+                                    </a:rPr>
+                                    <m:t>3</m:t>
+                                  </m:r>
+                                </m:sup>
+                              </m:sSup>
+                              <m:r>
+                                <a:rPr lang="en-US" b="0" i="1" smtClean="0">
+                                  <a:latin typeface="Cambria Math" panose="02040503050406030204" pitchFamily="18" charset="0"/>
+                                </a:rPr>
+                                <m:t>+8</m:t>
+                              </m:r>
+                            </m:oMath>
+                          </a14:m>
+                          <a:r>
+                            <a:rPr lang="en-US" dirty="0"/>
+                            <a:t> is odd</a:t>
+                          </a:r>
+                        </a:p>
+                      </a:txBody>
+                      <a:tcPr/>
+                    </a:tc>
+                    <a:extLst>
+                      <a:ext uri="{0D108BD9-81ED-4DB2-BD59-A6C34878D82A}">
+                        <a16:rowId xmlns:a16="http://schemas.microsoft.com/office/drawing/2014/main" val="1867852596"/>
+                      </a:ext>
+                    </a:extLst>
+                  </a:tr>
+                </a:tbl>
+              </a:graphicData>
+            </a:graphic>
+          </p:graphicFrame>
+        </mc:Choice>
+        <mc:Fallback>
+          <p:graphicFrame>
+            <p:nvGraphicFramePr>
+              <p:cNvPr id="4" name="Table 3">
+                <a:extLst>
+                  <a:ext uri="{FF2B5EF4-FFF2-40B4-BE49-F238E27FC236}">
+                    <a16:creationId xmlns:a16="http://schemas.microsoft.com/office/drawing/2014/main" id="{B88959FA-D5A3-F23D-AA10-896D4A2750DC}"/>
+                  </a:ext>
+                </a:extLst>
+              </p:cNvPr>
+              <p:cNvGraphicFramePr>
+                <a:graphicFrameLocks noGrp="1"/>
+              </p:cNvGraphicFramePr>
+              <p:nvPr>
+                <p:extLst>
+                  <p:ext uri="{D42A27DB-BD31-4B8C-83A1-F6EECF244321}">
+                    <p14:modId xmlns:p14="http://schemas.microsoft.com/office/powerpoint/2010/main" val="2247763441"/>
+                  </p:ext>
+                </p:extLst>
+              </p:nvPr>
+            </p:nvGraphicFramePr>
+            <p:xfrm>
+              <a:off x="437322" y="2164417"/>
+              <a:ext cx="11400184" cy="1833880"/>
+            </p:xfrm>
+            <a:graphic>
+              <a:graphicData uri="http://schemas.openxmlformats.org/drawingml/2006/table">
+                <a:tbl>
+                  <a:tblPr firstRow="1" bandRow="1">
+                    <a:tableStyleId>{5C22544A-7EE6-4342-B048-85BDC9FD1C3A}</a:tableStyleId>
+                  </a:tblPr>
+                  <a:tblGrid>
+                    <a:gridCol w="2850046">
+                      <a:extLst>
+                        <a:ext uri="{9D8B030D-6E8A-4147-A177-3AD203B41FA5}">
+                          <a16:colId xmlns:a16="http://schemas.microsoft.com/office/drawing/2014/main" val="1804739404"/>
+                        </a:ext>
+                      </a:extLst>
+                    </a:gridCol>
+                    <a:gridCol w="2850046">
+                      <a:extLst>
+                        <a:ext uri="{9D8B030D-6E8A-4147-A177-3AD203B41FA5}">
+                          <a16:colId xmlns:a16="http://schemas.microsoft.com/office/drawing/2014/main" val="3455385937"/>
+                        </a:ext>
+                      </a:extLst>
+                    </a:gridCol>
+                    <a:gridCol w="2850046">
+                      <a:extLst>
+                        <a:ext uri="{9D8B030D-6E8A-4147-A177-3AD203B41FA5}">
+                          <a16:colId xmlns:a16="http://schemas.microsoft.com/office/drawing/2014/main" val="3544786661"/>
+                        </a:ext>
+                      </a:extLst>
+                    </a:gridCol>
+                    <a:gridCol w="2850046">
+                      <a:extLst>
+                        <a:ext uri="{9D8B030D-6E8A-4147-A177-3AD203B41FA5}">
+                          <a16:colId xmlns:a16="http://schemas.microsoft.com/office/drawing/2014/main" val="1393404857"/>
+                        </a:ext>
+                      </a:extLst>
+                    </a:gridCol>
+                  </a:tblGrid>
+                  <a:tr h="370840">
+                    <a:tc>
+                      <a:txBody>
+                        <a:bodyPr/>
+                        <a:lstStyle/>
+                        <a:p>
+                          <a:r>
+                            <a:rPr lang="en-US" dirty="0"/>
+                            <a:t>Direct Proof</a:t>
+                          </a:r>
+                        </a:p>
+                      </a:txBody>
+                      <a:tcPr/>
+                    </a:tc>
+                    <a:tc>
+                      <a:txBody>
+                        <a:bodyPr/>
+                        <a:lstStyle/>
+                        <a:p>
+                          <a:r>
+                            <a:rPr lang="en-US" dirty="0"/>
+                            <a:t>Indirect Proof</a:t>
+                          </a:r>
+                        </a:p>
+                      </a:txBody>
+                      <a:tcPr/>
+                    </a:tc>
+                    <a:tc>
+                      <a:txBody>
+                        <a:bodyPr/>
+                        <a:lstStyle/>
+                        <a:p>
+                          <a:r>
+                            <a:rPr lang="en-US" dirty="0"/>
+                            <a:t>Contradiction</a:t>
+                          </a:r>
+                        </a:p>
+                      </a:txBody>
+                      <a:tcPr/>
+                    </a:tc>
+                    <a:tc>
+                      <a:txBody>
+                        <a:bodyPr/>
+                        <a:lstStyle/>
+                        <a:p>
+                          <a:r>
+                            <a:rPr lang="en-US" dirty="0"/>
+                            <a:t>Counterexample</a:t>
+                          </a:r>
+                        </a:p>
+                      </a:txBody>
+                      <a:tcPr/>
+                    </a:tc>
+                    <a:extLst>
+                      <a:ext uri="{0D108BD9-81ED-4DB2-BD59-A6C34878D82A}">
+                        <a16:rowId xmlns:a16="http://schemas.microsoft.com/office/drawing/2014/main" val="3714935835"/>
+                      </a:ext>
+                    </a:extLst>
+                  </a:tr>
+                  <a:tr h="1463040">
+                    <a:tc>
+                      <a:txBody>
+                        <a:bodyPr/>
+                        <a:lstStyle/>
+                        <a:p>
+                          <a:endParaRPr lang="en-US"/>
+                        </a:p>
+                      </a:txBody>
+                      <a:tcPr>
+                        <a:blipFill>
+                          <a:blip r:embed="rId3"/>
+                          <a:stretch>
+                            <a:fillRect l="-214" t="-27083" r="-300855" b="-833"/>
+                          </a:stretch>
+                        </a:blipFill>
+                      </a:tcPr>
+                    </a:tc>
+                    <a:tc>
+                      <a:txBody>
+                        <a:bodyPr/>
+                        <a:lstStyle/>
+                        <a:p>
+                          <a:endParaRPr lang="en-US"/>
+                        </a:p>
+                      </a:txBody>
+                      <a:tcPr>
+                        <a:blipFill>
+                          <a:blip r:embed="rId3"/>
+                          <a:stretch>
+                            <a:fillRect l="-100214" t="-27083" r="-200855" b="-833"/>
+                          </a:stretch>
+                        </a:blipFill>
+                      </a:tcPr>
+                    </a:tc>
+                    <a:tc>
+                      <a:txBody>
+                        <a:bodyPr/>
+                        <a:lstStyle/>
+                        <a:p>
+                          <a:endParaRPr lang="en-US"/>
+                        </a:p>
+                      </a:txBody>
+                      <a:tcPr>
+                        <a:blipFill>
+                          <a:blip r:embed="rId3"/>
+                          <a:stretch>
+                            <a:fillRect l="-200642" t="-27083" r="-101285" b="-833"/>
+                          </a:stretch>
+                        </a:blipFill>
+                      </a:tcPr>
+                    </a:tc>
+                    <a:tc>
+                      <a:txBody>
+                        <a:bodyPr/>
+                        <a:lstStyle/>
+                        <a:p>
+                          <a:endParaRPr lang="en-US"/>
+                        </a:p>
+                      </a:txBody>
+                      <a:tcPr>
+                        <a:blipFill>
+                          <a:blip r:embed="rId3"/>
+                          <a:stretch>
+                            <a:fillRect l="-300000" t="-27083" r="-1068" b="-833"/>
+                          </a:stretch>
+                        </a:blipFill>
+                      </a:tcPr>
+                    </a:tc>
+                    <a:extLst>
+                      <a:ext uri="{0D108BD9-81ED-4DB2-BD59-A6C34878D82A}">
+                        <a16:rowId xmlns:a16="http://schemas.microsoft.com/office/drawing/2014/main" val="1867852596"/>
+                      </a:ext>
+                    </a:extLst>
+                  </a:tr>
+                </a:tbl>
+              </a:graphicData>
+            </a:graphic>
+          </p:graphicFrame>
+        </mc:Fallback>
+      </mc:AlternateContent>
+    </p:spTree>
+    <p:extLst>
+      <p:ext uri="{BB962C8B-B14F-4D97-AF65-F5344CB8AC3E}">
+        <p14:creationId xmlns:p14="http://schemas.microsoft.com/office/powerpoint/2010/main" val="4068087897"/>
+      </p:ext>
+    </p:extLst>
+  </p:cSld>
+  <p:clrMapOvr>
+    <a:masterClrMapping/>
+  </p:clrMapOvr>
+</p:sld>
+</file>
+
+<file path=ppt/slides/slide38.xml><?xml version="1.0" encoding="utf-8"?>
+<p:sld xmlns:a="http://schemas.openxmlformats.org/drawingml/2006/main" xmlns:r="http://schemas.openxmlformats.org/officeDocument/2006/relationships" xmlns:p="http://schemas.openxmlformats.org/presentationml/2006/main">
+  <p:cSld>
+    <p:spTree>
+      <p:nvGrpSpPr>
+        <p:cNvPr id="1" name="">
+          <a:extLst>
+            <a:ext uri="{FF2B5EF4-FFF2-40B4-BE49-F238E27FC236}">
+              <a16:creationId xmlns:a16="http://schemas.microsoft.com/office/drawing/2014/main" id="{26B9C584-2BFD-4C2A-54DD-6A33F7339F81}"/>
+            </a:ext>
+          </a:extLst>
+        </p:cNvPr>
+        <p:cNvGrpSpPr/>
+        <p:nvPr/>
+      </p:nvGrpSpPr>
+      <p:grpSpPr>
+        <a:xfrm>
+          <a:off x="0" y="0"/>
+          <a:ext cx="0" cy="0"/>
+          <a:chOff x="0" y="0"/>
+          <a:chExt cx="0" cy="0"/>
+        </a:xfrm>
+      </p:grpSpPr>
+      <p:sp>
+        <p:nvSpPr>
+          <p:cNvPr id="2" name="Title 1">
+            <a:extLst>
+              <a:ext uri="{FF2B5EF4-FFF2-40B4-BE49-F238E27FC236}">
+                <a16:creationId xmlns:a16="http://schemas.microsoft.com/office/drawing/2014/main" id="{0E6986A5-D8BE-BE7D-2DF6-41853B5885FE}"/>
+              </a:ext>
+            </a:extLst>
+          </p:cNvPr>
+          <p:cNvSpPr>
+            <a:spLocks noGrp="1"/>
+          </p:cNvSpPr>
+          <p:nvPr>
+            <p:ph type="title"/>
+          </p:nvPr>
+        </p:nvSpPr>
+        <p:spPr/>
+        <p:txBody>
+          <a:bodyPr/>
+          <a:lstStyle/>
+          <a:p>
+            <a:r>
+              <a:rPr lang="en-US" dirty="0"/>
+              <a:t>Example 7: Direct Proof</a:t>
+            </a:r>
+          </a:p>
+        </p:txBody>
+      </p:sp>
+      <mc:AlternateContent xmlns:mc="http://schemas.openxmlformats.org/markup-compatibility/2006">
+        <mc:Choice xmlns:a14="http://schemas.microsoft.com/office/drawing/2010/main" Requires="a14">
+          <p:sp>
+            <p:nvSpPr>
+              <p:cNvPr id="3" name="Content Placeholder 2">
+                <a:extLst>
+                  <a:ext uri="{FF2B5EF4-FFF2-40B4-BE49-F238E27FC236}">
+                    <a16:creationId xmlns:a16="http://schemas.microsoft.com/office/drawing/2014/main" id="{139ABBFA-6D69-C3AD-5D6B-1392223D5BEF}"/>
+                  </a:ext>
+                </a:extLst>
+              </p:cNvPr>
+              <p:cNvSpPr>
+                <a:spLocks noGrp="1"/>
+              </p:cNvSpPr>
+              <p:nvPr>
+                <p:ph idx="1"/>
+              </p:nvPr>
+            </p:nvSpPr>
+            <p:spPr/>
+            <p:txBody>
+              <a:bodyPr>
+                <a:normAutofit/>
+              </a:bodyPr>
+              <a:lstStyle/>
+              <a:p>
+                <a:r>
+                  <a:rPr lang="en-US" b="1" dirty="0"/>
+                  <a:t>Claim: </a:t>
+                </a:r>
+                <a:r>
+                  <a:rPr lang="en-US" dirty="0"/>
+                  <a:t>If </a:t>
+                </a:r>
+                <a14:m>
+                  <m:oMath xmlns:m="http://schemas.openxmlformats.org/officeDocument/2006/math">
+                    <m:r>
+                      <a:rPr lang="en-US" i="1">
+                        <a:latin typeface="Cambria Math" panose="02040503050406030204" pitchFamily="18" charset="0"/>
+                      </a:rPr>
+                      <m:t>4</m:t>
+                    </m:r>
+                    <m:sSup>
+                      <m:sSupPr>
+                        <m:ctrlPr>
+                          <a:rPr lang="en-US" i="1">
+                            <a:latin typeface="Cambria Math" panose="02040503050406030204" pitchFamily="18" charset="0"/>
+                          </a:rPr>
+                        </m:ctrlPr>
+                      </m:sSupPr>
+                      <m:e>
+                        <m:r>
+                          <a:rPr lang="en-US" i="1">
+                            <a:latin typeface="Cambria Math" panose="02040503050406030204" pitchFamily="18" charset="0"/>
+                          </a:rPr>
+                          <m:t>𝑛</m:t>
+                        </m:r>
+                      </m:e>
+                      <m:sup>
+                        <m:r>
+                          <a:rPr lang="en-US" i="1">
+                            <a:latin typeface="Cambria Math" panose="02040503050406030204" pitchFamily="18" charset="0"/>
+                          </a:rPr>
+                          <m:t>3</m:t>
+                        </m:r>
+                      </m:sup>
+                    </m:sSup>
+                    <m:r>
+                      <a:rPr lang="en-US" i="1">
+                        <a:latin typeface="Cambria Math" panose="02040503050406030204" pitchFamily="18" charset="0"/>
+                      </a:rPr>
+                      <m:t>+8</m:t>
+                    </m:r>
+                  </m:oMath>
+                </a14:m>
+                <a:r>
+                  <a:rPr lang="en-US" dirty="0"/>
+                  <a:t> is odd then </a:t>
+                </a:r>
+                <a14:m>
+                  <m:oMath xmlns:m="http://schemas.openxmlformats.org/officeDocument/2006/math">
+                    <m:r>
+                      <a:rPr lang="en-US" i="1">
+                        <a:latin typeface="Cambria Math" panose="02040503050406030204" pitchFamily="18" charset="0"/>
+                      </a:rPr>
+                      <m:t>𝑛</m:t>
+                    </m:r>
+                  </m:oMath>
+                </a14:m>
+                <a:r>
+                  <a:rPr lang="en-US" dirty="0"/>
+                  <a:t> is even</a:t>
+                </a:r>
+              </a:p>
+              <a:p>
+                <a:r>
+                  <a:rPr lang="en-US" b="1" dirty="0"/>
+                  <a:t>Proof: </a:t>
+                </a:r>
+                <a:r>
+                  <a:rPr lang="en-US" dirty="0"/>
+                  <a:t>Suppose </a:t>
+                </a:r>
+                <a14:m>
+                  <m:oMath xmlns:m="http://schemas.openxmlformats.org/officeDocument/2006/math">
+                    <m:r>
+                      <a:rPr lang="en-US" b="0" i="1" smtClean="0">
+                        <a:latin typeface="Cambria Math" panose="02040503050406030204" pitchFamily="18" charset="0"/>
+                      </a:rPr>
+                      <m:t>4</m:t>
+                    </m:r>
+                    <m:sSup>
+                      <m:sSupPr>
+                        <m:ctrlPr>
+                          <a:rPr lang="en-US" b="0" i="1" smtClean="0">
+                            <a:latin typeface="Cambria Math" panose="02040503050406030204" pitchFamily="18" charset="0"/>
+                          </a:rPr>
+                        </m:ctrlPr>
+                      </m:sSupPr>
+                      <m:e>
+                        <m:r>
+                          <a:rPr lang="en-US" b="0" i="1" smtClean="0">
+                            <a:latin typeface="Cambria Math" panose="02040503050406030204" pitchFamily="18" charset="0"/>
+                          </a:rPr>
+                          <m:t>𝑛</m:t>
+                        </m:r>
+                      </m:e>
+                      <m:sup>
+                        <m:r>
+                          <a:rPr lang="en-US" b="0" i="1" smtClean="0">
+                            <a:latin typeface="Cambria Math" panose="02040503050406030204" pitchFamily="18" charset="0"/>
+                          </a:rPr>
+                          <m:t>3</m:t>
+                        </m:r>
+                      </m:sup>
+                    </m:sSup>
+                    <m:r>
+                      <a:rPr lang="en-US" b="0" i="1" smtClean="0">
+                        <a:latin typeface="Cambria Math" panose="02040503050406030204" pitchFamily="18" charset="0"/>
+                      </a:rPr>
+                      <m:t>+8</m:t>
+                    </m:r>
+                  </m:oMath>
+                </a14:m>
+                <a:r>
+                  <a:rPr lang="en-US" dirty="0"/>
+                  <a:t> is odd</a:t>
+                </a:r>
+              </a:p>
+              <a:p>
+                <a:pPr marL="457200" indent="-457200">
+                  <a:buFont typeface="Arial" panose="020B0604020202020204" pitchFamily="34" charset="0"/>
+                  <a:buChar char="•"/>
+                </a:pPr>
+                <a:endParaRPr lang="en-US" dirty="0"/>
+              </a:p>
+              <a:p>
+                <a:pPr marL="457200" indent="-457200">
+                  <a:buFont typeface="Arial" panose="020B0604020202020204" pitchFamily="34" charset="0"/>
+                  <a:buChar char="•"/>
+                </a:pPr>
+                <a:endParaRPr lang="en-US" dirty="0"/>
+              </a:p>
+              <a:p>
+                <a:pPr marL="457200" indent="-457200">
+                  <a:buFont typeface="Arial" panose="020B0604020202020204" pitchFamily="34" charset="0"/>
+                  <a:buChar char="•"/>
+                </a:pPr>
+                <a:endParaRPr lang="en-US" dirty="0"/>
+              </a:p>
+              <a:p>
+                <a:pPr marL="457200" indent="-457200">
+                  <a:buFont typeface="Arial" panose="020B0604020202020204" pitchFamily="34" charset="0"/>
+                  <a:buChar char="•"/>
+                </a:pPr>
+                <a:endParaRPr lang="en-US" dirty="0"/>
+              </a:p>
+            </p:txBody>
+          </p:sp>
+        </mc:Choice>
+        <mc:Fallback>
+          <p:sp>
+            <p:nvSpPr>
+              <p:cNvPr id="3" name="Content Placeholder 2">
+                <a:extLst>
+                  <a:ext uri="{FF2B5EF4-FFF2-40B4-BE49-F238E27FC236}">
+                    <a16:creationId xmlns:a16="http://schemas.microsoft.com/office/drawing/2014/main" id="{139ABBFA-6D69-C3AD-5D6B-1392223D5BEF}"/>
+                  </a:ext>
+                </a:extLst>
+              </p:cNvPr>
+              <p:cNvSpPr>
+                <a:spLocks noGrp="1" noRot="1" noChangeAspect="1" noMove="1" noResize="1" noEditPoints="1" noAdjustHandles="1" noChangeArrowheads="1" noChangeShapeType="1" noTextEdit="1"/>
+              </p:cNvSpPr>
+              <p:nvPr>
+                <p:ph idx="1"/>
+              </p:nvPr>
+            </p:nvSpPr>
+            <p:spPr>
+              <a:blipFill>
+                <a:blip r:embed="rId2"/>
+                <a:stretch>
+                  <a:fillRect l="-1217" t="-380"/>
+                </a:stretch>
+              </a:blipFill>
+            </p:spPr>
+            <p:txBody>
+              <a:bodyPr/>
+              <a:lstStyle/>
+              <a:p>
+                <a:r>
+                  <a:rPr lang="en-US">
+                    <a:noFill/>
+                  </a:rPr>
+                  <a:t> </a:t>
+                </a:r>
+              </a:p>
+            </p:txBody>
+          </p:sp>
+        </mc:Fallback>
+      </mc:AlternateContent>
+    </p:spTree>
+    <p:extLst>
+      <p:ext uri="{BB962C8B-B14F-4D97-AF65-F5344CB8AC3E}">
+        <p14:creationId xmlns:p14="http://schemas.microsoft.com/office/powerpoint/2010/main" val="2987926141"/>
+      </p:ext>
+    </p:extLst>
+  </p:cSld>
+  <p:clrMapOvr>
+    <a:masterClrMapping/>
+  </p:clrMapOvr>
+</p:sld>
+</file>
+
+<file path=ppt/slides/slide39.xml><?xml version="1.0" encoding="utf-8"?>
+<p:sld xmlns:a="http://schemas.openxmlformats.org/drawingml/2006/main" xmlns:r="http://schemas.openxmlformats.org/officeDocument/2006/relationships" xmlns:p="http://schemas.openxmlformats.org/presentationml/2006/main">
+  <p:cSld>
+    <p:spTree>
+      <p:nvGrpSpPr>
+        <p:cNvPr id="1" name="">
+          <a:extLst>
+            <a:ext uri="{FF2B5EF4-FFF2-40B4-BE49-F238E27FC236}">
+              <a16:creationId xmlns:a16="http://schemas.microsoft.com/office/drawing/2014/main" id="{DADD63B1-7EFE-255E-0D56-5B0A4BBB2C9A}"/>
+            </a:ext>
+          </a:extLst>
+        </p:cNvPr>
+        <p:cNvGrpSpPr/>
+        <p:nvPr/>
+      </p:nvGrpSpPr>
+      <p:grpSpPr>
+        <a:xfrm>
+          <a:off x="0" y="0"/>
+          <a:ext cx="0" cy="0"/>
+          <a:chOff x="0" y="0"/>
+          <a:chExt cx="0" cy="0"/>
+        </a:xfrm>
+      </p:grpSpPr>
+      <p:sp>
+        <p:nvSpPr>
+          <p:cNvPr id="2" name="Title 1">
+            <a:extLst>
+              <a:ext uri="{FF2B5EF4-FFF2-40B4-BE49-F238E27FC236}">
+                <a16:creationId xmlns:a16="http://schemas.microsoft.com/office/drawing/2014/main" id="{8D9396B4-B849-15AD-61D0-22068B0ECDB6}"/>
+              </a:ext>
+            </a:extLst>
+          </p:cNvPr>
+          <p:cNvSpPr>
+            <a:spLocks noGrp="1"/>
+          </p:cNvSpPr>
+          <p:nvPr>
+            <p:ph type="title"/>
+          </p:nvPr>
+        </p:nvSpPr>
+        <p:spPr/>
+        <p:txBody>
+          <a:bodyPr/>
+          <a:lstStyle/>
+          <a:p>
+            <a:r>
+              <a:rPr lang="en-US" dirty="0"/>
+              <a:t>Example 7: Indirect proof</a:t>
+            </a:r>
+          </a:p>
+        </p:txBody>
+      </p:sp>
+      <mc:AlternateContent xmlns:mc="http://schemas.openxmlformats.org/markup-compatibility/2006">
+        <mc:Choice xmlns:a14="http://schemas.microsoft.com/office/drawing/2010/main" Requires="a14">
+          <p:sp>
+            <p:nvSpPr>
+              <p:cNvPr id="3" name="Content Placeholder 2">
+                <a:extLst>
+                  <a:ext uri="{FF2B5EF4-FFF2-40B4-BE49-F238E27FC236}">
+                    <a16:creationId xmlns:a16="http://schemas.microsoft.com/office/drawing/2014/main" id="{1F1FE59A-2910-C9B6-9DF7-8E1E1DA8D24C}"/>
+                  </a:ext>
+                </a:extLst>
+              </p:cNvPr>
+              <p:cNvSpPr>
+                <a:spLocks noGrp="1"/>
+              </p:cNvSpPr>
+              <p:nvPr>
+                <p:ph idx="1"/>
+              </p:nvPr>
+            </p:nvSpPr>
+            <p:spPr/>
+            <p:txBody>
+              <a:bodyPr>
+                <a:normAutofit/>
+              </a:bodyPr>
+              <a:lstStyle/>
+              <a:p>
+                <a:r>
+                  <a:rPr lang="en-US" b="1" dirty="0"/>
+                  <a:t>Claim: </a:t>
+                </a:r>
+                <a:r>
+                  <a:rPr lang="en-US" dirty="0"/>
+                  <a:t>If </a:t>
+                </a:r>
+                <a14:m>
+                  <m:oMath xmlns:m="http://schemas.openxmlformats.org/officeDocument/2006/math">
+                    <m:r>
+                      <a:rPr lang="en-US" i="1">
+                        <a:latin typeface="Cambria Math" panose="02040503050406030204" pitchFamily="18" charset="0"/>
+                      </a:rPr>
+                      <m:t>4</m:t>
+                    </m:r>
+                    <m:sSup>
+                      <m:sSupPr>
+                        <m:ctrlPr>
+                          <a:rPr lang="en-US" i="1">
+                            <a:latin typeface="Cambria Math" panose="02040503050406030204" pitchFamily="18" charset="0"/>
+                          </a:rPr>
+                        </m:ctrlPr>
+                      </m:sSupPr>
+                      <m:e>
+                        <m:r>
+                          <a:rPr lang="en-US" i="1">
+                            <a:latin typeface="Cambria Math" panose="02040503050406030204" pitchFamily="18" charset="0"/>
+                          </a:rPr>
+                          <m:t>𝑛</m:t>
+                        </m:r>
+                      </m:e>
+                      <m:sup>
+                        <m:r>
+                          <a:rPr lang="en-US" i="1">
+                            <a:latin typeface="Cambria Math" panose="02040503050406030204" pitchFamily="18" charset="0"/>
+                          </a:rPr>
+                          <m:t>3</m:t>
+                        </m:r>
+                      </m:sup>
+                    </m:sSup>
+                    <m:r>
+                      <a:rPr lang="en-US" i="1">
+                        <a:latin typeface="Cambria Math" panose="02040503050406030204" pitchFamily="18" charset="0"/>
+                      </a:rPr>
+                      <m:t>+8</m:t>
+                    </m:r>
+                  </m:oMath>
+                </a14:m>
+                <a:r>
+                  <a:rPr lang="en-US" dirty="0"/>
+                  <a:t> is odd then </a:t>
+                </a:r>
+                <a14:m>
+                  <m:oMath xmlns:m="http://schemas.openxmlformats.org/officeDocument/2006/math">
+                    <m:r>
+                      <a:rPr lang="en-US" i="1">
+                        <a:latin typeface="Cambria Math" panose="02040503050406030204" pitchFamily="18" charset="0"/>
+                      </a:rPr>
+                      <m:t>𝑛</m:t>
+                    </m:r>
+                  </m:oMath>
+                </a14:m>
+                <a:r>
+                  <a:rPr lang="en-US" dirty="0"/>
+                  <a:t> is even</a:t>
+                </a:r>
+              </a:p>
+              <a:p>
+                <a:r>
+                  <a:rPr lang="en-US" b="1" dirty="0"/>
+                  <a:t>Proof:</a:t>
+                </a:r>
+                <a:r>
+                  <a:rPr lang="en-US" dirty="0"/>
+                  <a:t> Suppose </a:t>
+                </a:r>
+                <a14:m>
+                  <m:oMath xmlns:m="http://schemas.openxmlformats.org/officeDocument/2006/math">
+                    <m:r>
+                      <a:rPr lang="en-US" b="0" i="1" smtClean="0">
+                        <a:latin typeface="Cambria Math" panose="02040503050406030204" pitchFamily="18" charset="0"/>
+                      </a:rPr>
+                      <m:t>𝑛</m:t>
+                    </m:r>
+                  </m:oMath>
+                </a14:m>
+                <a:r>
+                  <a:rPr lang="en-US" dirty="0"/>
+                  <a:t> is even</a:t>
+                </a:r>
+              </a:p>
+              <a:p>
+                <a:pPr marL="457200" indent="-457200">
+                  <a:buFont typeface="Arial" panose="020B0604020202020204" pitchFamily="34" charset="0"/>
+                  <a:buChar char="•"/>
+                </a:pPr>
+                <a:endParaRPr lang="en-US" dirty="0"/>
+              </a:p>
+              <a:p>
+                <a:pPr marL="457200" indent="-457200">
+                  <a:buFont typeface="Arial" panose="020B0604020202020204" pitchFamily="34" charset="0"/>
+                  <a:buChar char="•"/>
+                </a:pPr>
+                <a:endParaRPr lang="en-US" dirty="0"/>
+              </a:p>
+              <a:p>
+                <a:pPr marL="457200" indent="-457200">
+                  <a:buFont typeface="Arial" panose="020B0604020202020204" pitchFamily="34" charset="0"/>
+                  <a:buChar char="•"/>
+                </a:pPr>
+                <a:endParaRPr lang="en-US" dirty="0"/>
+              </a:p>
+              <a:p>
+                <a:pPr marL="457200" indent="-457200">
+                  <a:buFont typeface="Arial" panose="020B0604020202020204" pitchFamily="34" charset="0"/>
+                  <a:buChar char="•"/>
+                </a:pPr>
+                <a:endParaRPr lang="en-US" dirty="0"/>
+              </a:p>
+            </p:txBody>
+          </p:sp>
+        </mc:Choice>
+        <mc:Fallback>
+          <p:sp>
+            <p:nvSpPr>
+              <p:cNvPr id="3" name="Content Placeholder 2">
+                <a:extLst>
+                  <a:ext uri="{FF2B5EF4-FFF2-40B4-BE49-F238E27FC236}">
+                    <a16:creationId xmlns:a16="http://schemas.microsoft.com/office/drawing/2014/main" id="{1F1FE59A-2910-C9B6-9DF7-8E1E1DA8D24C}"/>
+                  </a:ext>
+                </a:extLst>
+              </p:cNvPr>
+              <p:cNvSpPr>
+                <a:spLocks noGrp="1" noRot="1" noChangeAspect="1" noMove="1" noResize="1" noEditPoints="1" noAdjustHandles="1" noChangeArrowheads="1" noChangeShapeType="1" noTextEdit="1"/>
+              </p:cNvSpPr>
+              <p:nvPr>
+                <p:ph idx="1"/>
+              </p:nvPr>
+            </p:nvSpPr>
+            <p:spPr>
+              <a:blipFill>
+                <a:blip r:embed="rId2"/>
+                <a:stretch>
+                  <a:fillRect l="-1217" t="-380"/>
+                </a:stretch>
+              </a:blipFill>
+            </p:spPr>
+            <p:txBody>
+              <a:bodyPr/>
+              <a:lstStyle/>
+              <a:p>
+                <a:r>
+                  <a:rPr lang="en-US">
+                    <a:noFill/>
+                  </a:rPr>
+                  <a:t> </a:t>
+                </a:r>
+              </a:p>
+            </p:txBody>
+          </p:sp>
+        </mc:Fallback>
+      </mc:AlternateContent>
+    </p:spTree>
+    <p:extLst>
+      <p:ext uri="{BB962C8B-B14F-4D97-AF65-F5344CB8AC3E}">
+        <p14:creationId xmlns:p14="http://schemas.microsoft.com/office/powerpoint/2010/main" val="1921229468"/>
+      </p:ext>
+    </p:extLst>
+  </p:cSld>
+  <p:clrMapOvr>
+    <a:masterClrMapping/>
+  </p:clrMapOvr>
+</p:sld>
+</file>
+
+<file path=ppt/slides/slide4.xml><?xml version="1.0" encoding="utf-8"?>
+<p:sld xmlns:a="http://schemas.openxmlformats.org/drawingml/2006/main" xmlns:r="http://schemas.openxmlformats.org/officeDocument/2006/relationships" xmlns:p="http://schemas.openxmlformats.org/presentationml/2006/main">
+  <p:cSld>
+    <p:spTree>
+      <p:nvGrpSpPr>
+        <p:cNvPr id="1" name=""/>
+        <p:cNvGrpSpPr/>
+        <p:nvPr/>
+      </p:nvGrpSpPr>
+      <p:grpSpPr>
+        <a:xfrm>
+          <a:off x="0" y="0"/>
+          <a:ext cx="0" cy="0"/>
+          <a:chOff x="0" y="0"/>
+          <a:chExt cx="0" cy="0"/>
+        </a:xfrm>
+      </p:grpSpPr>
+      <p:sp>
+        <p:nvSpPr>
+          <p:cNvPr id="2" name="Title 1">
+            <a:extLst>
+              <a:ext uri="{FF2B5EF4-FFF2-40B4-BE49-F238E27FC236}">
+                <a16:creationId xmlns:a16="http://schemas.microsoft.com/office/drawing/2014/main" id="{8683793F-6037-50AB-8B2C-F8D74CE1B1A9}"/>
+              </a:ext>
+            </a:extLst>
+          </p:cNvPr>
+          <p:cNvSpPr>
+            <a:spLocks noGrp="1"/>
+          </p:cNvSpPr>
+          <p:nvPr>
+            <p:ph type="title"/>
+          </p:nvPr>
+        </p:nvSpPr>
+        <p:spPr/>
+        <p:txBody>
+          <a:bodyPr/>
+          <a:lstStyle/>
+          <a:p>
+            <a:r>
+              <a:rPr lang="en-US" dirty="0"/>
+              <a:t>Todo</a:t>
+            </a:r>
+          </a:p>
+        </p:txBody>
+      </p:sp>
+      <p:sp>
+        <p:nvSpPr>
+          <p:cNvPr id="3" name="Content Placeholder 2">
+            <a:extLst>
+              <a:ext uri="{FF2B5EF4-FFF2-40B4-BE49-F238E27FC236}">
+                <a16:creationId xmlns:a16="http://schemas.microsoft.com/office/drawing/2014/main" id="{449F05B5-0D46-27B1-CDE8-1CE6C3D54C63}"/>
+              </a:ext>
+            </a:extLst>
+          </p:cNvPr>
+          <p:cNvSpPr>
+            <a:spLocks noGrp="1"/>
+          </p:cNvSpPr>
+          <p:nvPr>
+            <p:ph idx="1"/>
+          </p:nvPr>
+        </p:nvSpPr>
+        <p:spPr/>
+        <p:txBody>
+          <a:bodyPr/>
+          <a:lstStyle/>
+          <a:p>
+            <a:pPr marL="457200" indent="-457200">
+              <a:buFont typeface="Arial" panose="020B0604020202020204" pitchFamily="34" charset="0"/>
+              <a:buChar char="•"/>
+            </a:pPr>
+            <a:r>
+              <a:rPr lang="en-US" b="1" dirty="0"/>
+              <a:t>Homework 1 due this Friday at 11:59pm</a:t>
+            </a:r>
+          </a:p>
+          <a:p>
+            <a:pPr marL="457200" indent="-457200">
+              <a:buFont typeface="Arial" panose="020B0604020202020204" pitchFamily="34" charset="0"/>
+              <a:buChar char="•"/>
+            </a:pPr>
+            <a:r>
+              <a:rPr lang="en-US" b="1" dirty="0"/>
+              <a:t>Reading + Concept checks for each lecture!</a:t>
+            </a:r>
+            <a:endParaRPr lang="en-US" dirty="0"/>
+          </a:p>
+        </p:txBody>
+      </p:sp>
+    </p:spTree>
+    <p:extLst>
+      <p:ext uri="{BB962C8B-B14F-4D97-AF65-F5344CB8AC3E}">
+        <p14:creationId xmlns:p14="http://schemas.microsoft.com/office/powerpoint/2010/main" val="461017719"/>
+      </p:ext>
+    </p:extLst>
+  </p:cSld>
+  <p:clrMapOvr>
+    <a:masterClrMapping/>
+  </p:clrMapOvr>
+</p:sld>
+</file>
+
+<file path=ppt/slides/slide40.xml><?xml version="1.0" encoding="utf-8"?>
+<p:sld xmlns:a="http://schemas.openxmlformats.org/drawingml/2006/main" xmlns:r="http://schemas.openxmlformats.org/officeDocument/2006/relationships" xmlns:p="http://schemas.openxmlformats.org/presentationml/2006/main">
+  <p:cSld>
+    <p:spTree>
+      <p:nvGrpSpPr>
+        <p:cNvPr id="1" name="">
+          <a:extLst>
+            <a:ext uri="{FF2B5EF4-FFF2-40B4-BE49-F238E27FC236}">
+              <a16:creationId xmlns:a16="http://schemas.microsoft.com/office/drawing/2014/main" id="{82FDC9BE-3068-D53A-7C20-DCD163309A50}"/>
+            </a:ext>
+          </a:extLst>
+        </p:cNvPr>
+        <p:cNvGrpSpPr/>
+        <p:nvPr/>
+      </p:nvGrpSpPr>
+      <p:grpSpPr>
+        <a:xfrm>
+          <a:off x="0" y="0"/>
+          <a:ext cx="0" cy="0"/>
+          <a:chOff x="0" y="0"/>
+          <a:chExt cx="0" cy="0"/>
+        </a:xfrm>
+      </p:grpSpPr>
+      <p:sp>
+        <p:nvSpPr>
+          <p:cNvPr id="2" name="Title 1">
+            <a:extLst>
+              <a:ext uri="{FF2B5EF4-FFF2-40B4-BE49-F238E27FC236}">
+                <a16:creationId xmlns:a16="http://schemas.microsoft.com/office/drawing/2014/main" id="{EEFA2825-160C-9D78-04EC-A6595E7CDE8F}"/>
+              </a:ext>
+            </a:extLst>
+          </p:cNvPr>
+          <p:cNvSpPr>
+            <a:spLocks noGrp="1"/>
+          </p:cNvSpPr>
+          <p:nvPr>
+            <p:ph type="title"/>
+          </p:nvPr>
+        </p:nvSpPr>
+        <p:spPr/>
+        <p:txBody>
+          <a:bodyPr/>
+          <a:lstStyle/>
+          <a:p>
+            <a:r>
+              <a:rPr lang="en-US" dirty="0"/>
+              <a:t>Example 7: Proof by Contradiction</a:t>
+            </a:r>
+          </a:p>
+        </p:txBody>
+      </p:sp>
+      <mc:AlternateContent xmlns:mc="http://schemas.openxmlformats.org/markup-compatibility/2006">
+        <mc:Choice xmlns:a14="http://schemas.microsoft.com/office/drawing/2010/main" Requires="a14">
+          <p:sp>
+            <p:nvSpPr>
+              <p:cNvPr id="3" name="Content Placeholder 2">
+                <a:extLst>
+                  <a:ext uri="{FF2B5EF4-FFF2-40B4-BE49-F238E27FC236}">
+                    <a16:creationId xmlns:a16="http://schemas.microsoft.com/office/drawing/2014/main" id="{842EF19D-FAE9-3129-A098-E57EE53785F1}"/>
+                  </a:ext>
+                </a:extLst>
+              </p:cNvPr>
+              <p:cNvSpPr>
+                <a:spLocks noGrp="1"/>
+              </p:cNvSpPr>
+              <p:nvPr>
+                <p:ph idx="1"/>
+              </p:nvPr>
+            </p:nvSpPr>
+            <p:spPr/>
+            <p:txBody>
+              <a:bodyPr>
+                <a:normAutofit/>
+              </a:bodyPr>
+              <a:lstStyle/>
+              <a:p>
+                <a:r>
+                  <a:rPr lang="en-US" b="1" dirty="0"/>
+                  <a:t>Claim: </a:t>
+                </a:r>
+                <a:r>
+                  <a:rPr lang="en-US" dirty="0"/>
+                  <a:t>If </a:t>
+                </a:r>
+                <a14:m>
+                  <m:oMath xmlns:m="http://schemas.openxmlformats.org/officeDocument/2006/math">
+                    <m:r>
+                      <a:rPr lang="en-US" i="1">
+                        <a:latin typeface="Cambria Math" panose="02040503050406030204" pitchFamily="18" charset="0"/>
+                      </a:rPr>
+                      <m:t>4</m:t>
+                    </m:r>
+                    <m:sSup>
+                      <m:sSupPr>
+                        <m:ctrlPr>
+                          <a:rPr lang="en-US" i="1">
+                            <a:latin typeface="Cambria Math" panose="02040503050406030204" pitchFamily="18" charset="0"/>
+                          </a:rPr>
+                        </m:ctrlPr>
+                      </m:sSupPr>
+                      <m:e>
+                        <m:r>
+                          <a:rPr lang="en-US" i="1">
+                            <a:latin typeface="Cambria Math" panose="02040503050406030204" pitchFamily="18" charset="0"/>
+                          </a:rPr>
+                          <m:t>𝑛</m:t>
+                        </m:r>
+                      </m:e>
+                      <m:sup>
+                        <m:r>
+                          <a:rPr lang="en-US" i="1">
+                            <a:latin typeface="Cambria Math" panose="02040503050406030204" pitchFamily="18" charset="0"/>
+                          </a:rPr>
+                          <m:t>3</m:t>
+                        </m:r>
+                      </m:sup>
+                    </m:sSup>
+                    <m:r>
+                      <a:rPr lang="en-US" i="1">
+                        <a:latin typeface="Cambria Math" panose="02040503050406030204" pitchFamily="18" charset="0"/>
+                      </a:rPr>
+                      <m:t>+8</m:t>
+                    </m:r>
+                  </m:oMath>
+                </a14:m>
+                <a:r>
+                  <a:rPr lang="en-US" dirty="0"/>
+                  <a:t> is odd then </a:t>
+                </a:r>
+                <a14:m>
+                  <m:oMath xmlns:m="http://schemas.openxmlformats.org/officeDocument/2006/math">
+                    <m:r>
+                      <a:rPr lang="en-US" i="1">
+                        <a:latin typeface="Cambria Math" panose="02040503050406030204" pitchFamily="18" charset="0"/>
+                      </a:rPr>
+                      <m:t>𝑛</m:t>
+                    </m:r>
+                  </m:oMath>
+                </a14:m>
+                <a:r>
+                  <a:rPr lang="en-US" dirty="0"/>
+                  <a:t> is even</a:t>
+                </a:r>
+              </a:p>
+              <a:p>
+                <a:r>
+                  <a:rPr lang="en-US" b="1" dirty="0"/>
+                  <a:t>Proof: </a:t>
+                </a:r>
+                <a:r>
+                  <a:rPr lang="en-US" dirty="0"/>
+                  <a:t>suppose, towards reaching a contradiction, that we have an odd integer </a:t>
+                </a:r>
+                <a14:m>
+                  <m:oMath xmlns:m="http://schemas.openxmlformats.org/officeDocument/2006/math">
+                    <m:r>
+                      <a:rPr lang="en-US" b="0" i="1" smtClean="0">
+                        <a:latin typeface="Cambria Math" panose="02040503050406030204" pitchFamily="18" charset="0"/>
+                      </a:rPr>
+                      <m:t>𝑛</m:t>
+                    </m:r>
+                  </m:oMath>
+                </a14:m>
+                <a:r>
+                  <a:rPr lang="en-US" dirty="0"/>
+                  <a:t> such that </a:t>
+                </a:r>
+                <a14:m>
+                  <m:oMath xmlns:m="http://schemas.openxmlformats.org/officeDocument/2006/math">
+                    <m:r>
+                      <a:rPr lang="en-US" i="1">
+                        <a:latin typeface="Cambria Math" panose="02040503050406030204" pitchFamily="18" charset="0"/>
+                      </a:rPr>
+                      <m:t>4</m:t>
+                    </m:r>
+                    <m:sSup>
+                      <m:sSupPr>
+                        <m:ctrlPr>
+                          <a:rPr lang="en-US" i="1">
+                            <a:latin typeface="Cambria Math" panose="02040503050406030204" pitchFamily="18" charset="0"/>
+                          </a:rPr>
+                        </m:ctrlPr>
+                      </m:sSupPr>
+                      <m:e>
+                        <m:r>
+                          <a:rPr lang="en-US" i="1">
+                            <a:latin typeface="Cambria Math" panose="02040503050406030204" pitchFamily="18" charset="0"/>
+                          </a:rPr>
+                          <m:t>𝑛</m:t>
+                        </m:r>
+                      </m:e>
+                      <m:sup>
+                        <m:r>
+                          <a:rPr lang="en-US" i="1">
+                            <a:latin typeface="Cambria Math" panose="02040503050406030204" pitchFamily="18" charset="0"/>
+                          </a:rPr>
+                          <m:t>3</m:t>
+                        </m:r>
+                      </m:sup>
+                    </m:sSup>
+                    <m:r>
+                      <a:rPr lang="en-US" i="1">
+                        <a:latin typeface="Cambria Math" panose="02040503050406030204" pitchFamily="18" charset="0"/>
+                      </a:rPr>
+                      <m:t>+8</m:t>
+                    </m:r>
+                  </m:oMath>
+                </a14:m>
+                <a:r>
+                  <a:rPr lang="en-US" dirty="0"/>
+                  <a:t> is odd</a:t>
+                </a:r>
+              </a:p>
+              <a:p>
+                <a:pPr marL="457200" indent="-457200">
+                  <a:buFont typeface="Arial" panose="020B0604020202020204" pitchFamily="34" charset="0"/>
+                  <a:buChar char="•"/>
+                </a:pPr>
+                <a:endParaRPr lang="en-US" dirty="0"/>
+              </a:p>
+              <a:p>
+                <a:pPr marL="457200" indent="-457200">
+                  <a:buFont typeface="Arial" panose="020B0604020202020204" pitchFamily="34" charset="0"/>
+                  <a:buChar char="•"/>
+                </a:pPr>
+                <a:endParaRPr lang="en-US" dirty="0"/>
+              </a:p>
+              <a:p>
+                <a:pPr marL="457200" indent="-457200">
+                  <a:buFont typeface="Arial" panose="020B0604020202020204" pitchFamily="34" charset="0"/>
+                  <a:buChar char="•"/>
+                </a:pPr>
+                <a:endParaRPr lang="en-US" dirty="0"/>
+              </a:p>
+              <a:p>
+                <a:pPr marL="457200" indent="-457200">
+                  <a:buFont typeface="Arial" panose="020B0604020202020204" pitchFamily="34" charset="0"/>
+                  <a:buChar char="•"/>
+                </a:pPr>
+                <a:endParaRPr lang="en-US" dirty="0"/>
+              </a:p>
+            </p:txBody>
+          </p:sp>
+        </mc:Choice>
+        <mc:Fallback>
+          <p:sp>
+            <p:nvSpPr>
+              <p:cNvPr id="3" name="Content Placeholder 2">
+                <a:extLst>
+                  <a:ext uri="{FF2B5EF4-FFF2-40B4-BE49-F238E27FC236}">
+                    <a16:creationId xmlns:a16="http://schemas.microsoft.com/office/drawing/2014/main" id="{842EF19D-FAE9-3129-A098-E57EE53785F1}"/>
+                  </a:ext>
+                </a:extLst>
+              </p:cNvPr>
+              <p:cNvSpPr>
+                <a:spLocks noGrp="1" noRot="1" noChangeAspect="1" noMove="1" noResize="1" noEditPoints="1" noAdjustHandles="1" noChangeArrowheads="1" noChangeShapeType="1" noTextEdit="1"/>
+              </p:cNvSpPr>
+              <p:nvPr>
+                <p:ph idx="1"/>
+              </p:nvPr>
+            </p:nvSpPr>
+            <p:spPr>
+              <a:blipFill>
+                <a:blip r:embed="rId2"/>
+                <a:stretch>
+                  <a:fillRect l="-1217" t="-380" r="-1797"/>
+                </a:stretch>
+              </a:blipFill>
+            </p:spPr>
+            <p:txBody>
+              <a:bodyPr/>
+              <a:lstStyle/>
+              <a:p>
+                <a:r>
+                  <a:rPr lang="en-US">
+                    <a:noFill/>
+                  </a:rPr>
+                  <a:t> </a:t>
+                </a:r>
+              </a:p>
+            </p:txBody>
+          </p:sp>
+        </mc:Fallback>
+      </mc:AlternateContent>
+    </p:spTree>
+    <p:extLst>
+      <p:ext uri="{BB962C8B-B14F-4D97-AF65-F5344CB8AC3E}">
+        <p14:creationId xmlns:p14="http://schemas.microsoft.com/office/powerpoint/2010/main" val="263071626"/>
+      </p:ext>
+    </p:extLst>
+  </p:cSld>
+  <p:clrMapOvr>
+    <a:masterClrMapping/>
+  </p:clrMapOvr>
+</p:sld>
+</file>
+
+<file path=ppt/slides/slide41.xml><?xml version="1.0" encoding="utf-8"?>
+<p:sld xmlns:a="http://schemas.openxmlformats.org/drawingml/2006/main" xmlns:r="http://schemas.openxmlformats.org/officeDocument/2006/relationships" xmlns:p="http://schemas.openxmlformats.org/presentationml/2006/main">
+  <p:cSld>
+    <p:spTree>
+      <p:nvGrpSpPr>
+        <p:cNvPr id="1" name="">
+          <a:extLst>
+            <a:ext uri="{FF2B5EF4-FFF2-40B4-BE49-F238E27FC236}">
+              <a16:creationId xmlns:a16="http://schemas.microsoft.com/office/drawing/2014/main" id="{40C05157-FE96-AF63-1112-FB5AD3988BA1}"/>
+            </a:ext>
+          </a:extLst>
+        </p:cNvPr>
+        <p:cNvGrpSpPr/>
+        <p:nvPr/>
+      </p:nvGrpSpPr>
+      <p:grpSpPr>
+        <a:xfrm>
+          <a:off x="0" y="0"/>
+          <a:ext cx="0" cy="0"/>
+          <a:chOff x="0" y="0"/>
+          <a:chExt cx="0" cy="0"/>
+        </a:xfrm>
+      </p:grpSpPr>
+      <p:sp>
+        <p:nvSpPr>
+          <p:cNvPr id="2" name="Title 1">
+            <a:extLst>
+              <a:ext uri="{FF2B5EF4-FFF2-40B4-BE49-F238E27FC236}">
+                <a16:creationId xmlns:a16="http://schemas.microsoft.com/office/drawing/2014/main" id="{719B2B86-8047-479A-FAE3-8DE94C2B1325}"/>
+              </a:ext>
+            </a:extLst>
+          </p:cNvPr>
+          <p:cNvSpPr>
+            <a:spLocks noGrp="1"/>
+          </p:cNvSpPr>
+          <p:nvPr>
+            <p:ph type="title"/>
+          </p:nvPr>
+        </p:nvSpPr>
+        <p:spPr/>
+        <p:txBody>
+          <a:bodyPr/>
+          <a:lstStyle/>
+          <a:p>
+            <a:r>
+              <a:rPr lang="en-US" dirty="0"/>
+              <a:t>Example 7: Counterexample</a:t>
+            </a:r>
+          </a:p>
+        </p:txBody>
+      </p:sp>
+      <mc:AlternateContent xmlns:mc="http://schemas.openxmlformats.org/markup-compatibility/2006">
+        <mc:Choice xmlns:a14="http://schemas.microsoft.com/office/drawing/2010/main" Requires="a14">
+          <p:sp>
+            <p:nvSpPr>
+              <p:cNvPr id="3" name="Content Placeholder 2">
+                <a:extLst>
+                  <a:ext uri="{FF2B5EF4-FFF2-40B4-BE49-F238E27FC236}">
+                    <a16:creationId xmlns:a16="http://schemas.microsoft.com/office/drawing/2014/main" id="{CB02299E-452D-2FAB-2978-A317808762F3}"/>
+                  </a:ext>
+                </a:extLst>
+              </p:cNvPr>
+              <p:cNvSpPr>
+                <a:spLocks noGrp="1"/>
+              </p:cNvSpPr>
+              <p:nvPr>
+                <p:ph idx="1"/>
+              </p:nvPr>
+            </p:nvSpPr>
+            <p:spPr/>
+            <p:txBody>
+              <a:bodyPr>
+                <a:normAutofit/>
+              </a:bodyPr>
+              <a:lstStyle/>
+              <a:p>
+                <a:r>
+                  <a:rPr lang="en-US" b="1" dirty="0"/>
+                  <a:t>Claim: </a:t>
+                </a:r>
+                <a:r>
+                  <a:rPr lang="en-US" dirty="0"/>
+                  <a:t>If </a:t>
+                </a:r>
+                <a14:m>
+                  <m:oMath xmlns:m="http://schemas.openxmlformats.org/officeDocument/2006/math">
+                    <m:r>
+                      <a:rPr lang="en-US" i="1">
+                        <a:latin typeface="Cambria Math" panose="02040503050406030204" pitchFamily="18" charset="0"/>
+                      </a:rPr>
+                      <m:t>4</m:t>
+                    </m:r>
+                    <m:sSup>
+                      <m:sSupPr>
+                        <m:ctrlPr>
+                          <a:rPr lang="en-US" i="1">
+                            <a:latin typeface="Cambria Math" panose="02040503050406030204" pitchFamily="18" charset="0"/>
+                          </a:rPr>
+                        </m:ctrlPr>
+                      </m:sSupPr>
+                      <m:e>
+                        <m:r>
+                          <a:rPr lang="en-US" i="1">
+                            <a:latin typeface="Cambria Math" panose="02040503050406030204" pitchFamily="18" charset="0"/>
+                          </a:rPr>
+                          <m:t>𝑛</m:t>
+                        </m:r>
+                      </m:e>
+                      <m:sup>
+                        <m:r>
+                          <a:rPr lang="en-US" i="1">
+                            <a:latin typeface="Cambria Math" panose="02040503050406030204" pitchFamily="18" charset="0"/>
+                          </a:rPr>
+                          <m:t>3</m:t>
+                        </m:r>
+                      </m:sup>
+                    </m:sSup>
+                    <m:r>
+                      <a:rPr lang="en-US" i="1">
+                        <a:latin typeface="Cambria Math" panose="02040503050406030204" pitchFamily="18" charset="0"/>
+                      </a:rPr>
+                      <m:t>+8</m:t>
+                    </m:r>
+                  </m:oMath>
+                </a14:m>
+                <a:r>
+                  <a:rPr lang="en-US" dirty="0"/>
+                  <a:t> is even then </a:t>
+                </a:r>
+                <a14:m>
+                  <m:oMath xmlns:m="http://schemas.openxmlformats.org/officeDocument/2006/math">
+                    <m:r>
+                      <a:rPr lang="en-US" i="1">
+                        <a:latin typeface="Cambria Math" panose="02040503050406030204" pitchFamily="18" charset="0"/>
+                      </a:rPr>
+                      <m:t>𝑛</m:t>
+                    </m:r>
+                  </m:oMath>
+                </a14:m>
+                <a:r>
+                  <a:rPr lang="en-US" dirty="0"/>
+                  <a:t> is even</a:t>
+                </a:r>
+              </a:p>
+              <a:p>
+                <a:r>
+                  <a:rPr lang="en-US" b="1" dirty="0"/>
+                  <a:t>Proof: </a:t>
+                </a:r>
+                <a:r>
+                  <a:rPr lang="en-US" dirty="0"/>
+                  <a:t>let </a:t>
+                </a:r>
+                <a14:m>
+                  <m:oMath xmlns:m="http://schemas.openxmlformats.org/officeDocument/2006/math">
+                    <m:r>
+                      <a:rPr lang="en-US" b="0" i="1" smtClean="0">
+                        <a:latin typeface="Cambria Math" panose="02040503050406030204" pitchFamily="18" charset="0"/>
+                      </a:rPr>
+                      <m:t>𝑛</m:t>
+                    </m:r>
+                    <m:r>
+                      <a:rPr lang="en-US" b="0" i="1" smtClean="0">
+                        <a:latin typeface="Cambria Math" panose="02040503050406030204" pitchFamily="18" charset="0"/>
+                      </a:rPr>
+                      <m:t>=???</m:t>
+                    </m:r>
+                  </m:oMath>
+                </a14:m>
+                <a:endParaRPr lang="en-US" dirty="0"/>
+              </a:p>
+              <a:p>
+                <a:pPr marL="457200" indent="-457200">
+                  <a:buFont typeface="Arial" panose="020B0604020202020204" pitchFamily="34" charset="0"/>
+                  <a:buChar char="•"/>
+                </a:pPr>
+                <a:endParaRPr lang="en-US" dirty="0"/>
+              </a:p>
+              <a:p>
+                <a:pPr marL="457200" indent="-457200">
+                  <a:buFont typeface="Arial" panose="020B0604020202020204" pitchFamily="34" charset="0"/>
+                  <a:buChar char="•"/>
+                </a:pPr>
+                <a:endParaRPr lang="en-US" dirty="0"/>
+              </a:p>
+              <a:p>
+                <a:pPr marL="457200" indent="-457200">
+                  <a:buFont typeface="Arial" panose="020B0604020202020204" pitchFamily="34" charset="0"/>
+                  <a:buChar char="•"/>
+                </a:pPr>
+                <a:endParaRPr lang="en-US" dirty="0"/>
+              </a:p>
+              <a:p>
+                <a:pPr marL="457200" indent="-457200">
+                  <a:buFont typeface="Arial" panose="020B0604020202020204" pitchFamily="34" charset="0"/>
+                  <a:buChar char="•"/>
+                </a:pPr>
+                <a:endParaRPr lang="en-US" dirty="0"/>
+              </a:p>
+            </p:txBody>
+          </p:sp>
+        </mc:Choice>
+        <mc:Fallback>
+          <p:sp>
+            <p:nvSpPr>
+              <p:cNvPr id="3" name="Content Placeholder 2">
+                <a:extLst>
+                  <a:ext uri="{FF2B5EF4-FFF2-40B4-BE49-F238E27FC236}">
+                    <a16:creationId xmlns:a16="http://schemas.microsoft.com/office/drawing/2014/main" id="{CB02299E-452D-2FAB-2978-A317808762F3}"/>
+                  </a:ext>
+                </a:extLst>
+              </p:cNvPr>
+              <p:cNvSpPr>
+                <a:spLocks noGrp="1" noRot="1" noChangeAspect="1" noMove="1" noResize="1" noEditPoints="1" noAdjustHandles="1" noChangeArrowheads="1" noChangeShapeType="1" noTextEdit="1"/>
+              </p:cNvSpPr>
+              <p:nvPr>
+                <p:ph idx="1"/>
+              </p:nvPr>
+            </p:nvSpPr>
+            <p:spPr>
+              <a:blipFill>
+                <a:blip r:embed="rId2"/>
+                <a:stretch>
+                  <a:fillRect l="-1217" t="-380"/>
+                </a:stretch>
+              </a:blipFill>
+            </p:spPr>
+            <p:txBody>
+              <a:bodyPr/>
+              <a:lstStyle/>
+              <a:p>
+                <a:r>
+                  <a:rPr lang="en-US">
+                    <a:noFill/>
+                  </a:rPr>
+                  <a:t> </a:t>
+                </a:r>
+              </a:p>
+            </p:txBody>
+          </p:sp>
+        </mc:Fallback>
+      </mc:AlternateContent>
+    </p:spTree>
+    <p:extLst>
+      <p:ext uri="{BB962C8B-B14F-4D97-AF65-F5344CB8AC3E}">
+        <p14:creationId xmlns:p14="http://schemas.microsoft.com/office/powerpoint/2010/main" val="1425833953"/>
+      </p:ext>
+    </p:extLst>
+  </p:cSld>
+  <p:clrMapOvr>
+    <a:masterClrMapping/>
+  </p:clrMapOvr>
+</p:sld>
+</file>
+
+<file path=ppt/slides/slide42.xml><?xml version="1.0" encoding="utf-8"?>
+<p:sld xmlns:a="http://schemas.openxmlformats.org/drawingml/2006/main" xmlns:r="http://schemas.openxmlformats.org/officeDocument/2006/relationships" xmlns:p="http://schemas.openxmlformats.org/presentationml/2006/main">
+  <p:cSld>
+    <p:spTree>
+      <p:nvGrpSpPr>
+        <p:cNvPr id="1" name="">
+          <a:extLst>
+            <a:ext uri="{FF2B5EF4-FFF2-40B4-BE49-F238E27FC236}">
+              <a16:creationId xmlns:a16="http://schemas.microsoft.com/office/drawing/2014/main" id="{95FCD7E7-A095-810C-3791-D1A2E6B8AD5E}"/>
+            </a:ext>
+          </a:extLst>
+        </p:cNvPr>
+        <p:cNvGrpSpPr/>
+        <p:nvPr/>
+      </p:nvGrpSpPr>
+      <p:grpSpPr>
+        <a:xfrm>
+          <a:off x="0" y="0"/>
+          <a:ext cx="0" cy="0"/>
+          <a:chOff x="0" y="0"/>
+          <a:chExt cx="0" cy="0"/>
+        </a:xfrm>
+      </p:grpSpPr>
+      <p:sp>
+        <p:nvSpPr>
+          <p:cNvPr id="2" name="Title 1">
+            <a:extLst>
+              <a:ext uri="{FF2B5EF4-FFF2-40B4-BE49-F238E27FC236}">
+                <a16:creationId xmlns:a16="http://schemas.microsoft.com/office/drawing/2014/main" id="{C5496F79-B760-FD9E-8BEF-1DDE793B1CC6}"/>
+              </a:ext>
+            </a:extLst>
+          </p:cNvPr>
+          <p:cNvSpPr>
+            <a:spLocks noGrp="1"/>
+          </p:cNvSpPr>
+          <p:nvPr>
+            <p:ph type="title"/>
+          </p:nvPr>
+        </p:nvSpPr>
+        <p:spPr/>
+        <p:txBody>
+          <a:bodyPr/>
+          <a:lstStyle/>
+          <a:p>
+            <a:r>
+              <a:rPr lang="en-US" dirty="0"/>
+              <a:t>Vacuous Truth</a:t>
+            </a:r>
+          </a:p>
+        </p:txBody>
+      </p:sp>
+      <p:sp>
+        <p:nvSpPr>
+          <p:cNvPr id="3" name="Content Placeholder 2">
+            <a:extLst>
+              <a:ext uri="{FF2B5EF4-FFF2-40B4-BE49-F238E27FC236}">
+                <a16:creationId xmlns:a16="http://schemas.microsoft.com/office/drawing/2014/main" id="{BCA7F69E-5552-C803-A420-5F6CB90AF2E6}"/>
+              </a:ext>
+            </a:extLst>
+          </p:cNvPr>
+          <p:cNvSpPr>
+            <a:spLocks noGrp="1"/>
+          </p:cNvSpPr>
+          <p:nvPr>
+            <p:ph idx="1"/>
+          </p:nvPr>
+        </p:nvSpPr>
+        <p:spPr/>
+        <p:txBody>
+          <a:bodyPr>
+            <a:normAutofit/>
+          </a:bodyPr>
+          <a:lstStyle/>
+          <a:p>
+            <a:pPr marL="457200" indent="-457200">
+              <a:buFont typeface="Arial" panose="020B0604020202020204" pitchFamily="34" charset="0"/>
+              <a:buChar char="•"/>
+            </a:pPr>
+            <a:r>
+              <a:rPr lang="en-US" dirty="0"/>
+              <a:t>If we have a claim of the form “If property P is true then property Q is true” and it is impossible for property P to be true, the entire statement is actually a true statement!</a:t>
+            </a:r>
+          </a:p>
+          <a:p>
+            <a:pPr marL="457200" indent="-457200">
+              <a:buFont typeface="Arial" panose="020B0604020202020204" pitchFamily="34" charset="0"/>
+              <a:buChar char="•"/>
+            </a:pPr>
+            <a:r>
+              <a:rPr lang="en-US" dirty="0"/>
+              <a:t>We say that statement is “vacuously true”</a:t>
+            </a:r>
+          </a:p>
+        </p:txBody>
+      </p:sp>
+    </p:spTree>
+    <p:extLst>
+      <p:ext uri="{BB962C8B-B14F-4D97-AF65-F5344CB8AC3E}">
+        <p14:creationId xmlns:p14="http://schemas.microsoft.com/office/powerpoint/2010/main" val="575782475"/>
+      </p:ext>
+    </p:extLst>
+  </p:cSld>
+  <p:clrMapOvr>
+    <a:masterClrMapping/>
+  </p:clrMapOvr>
+</p:sld>
+</file>
+
+<file path=ppt/slides/slide43.xml><?xml version="1.0" encoding="utf-8"?>
 <p:sld xmlns:a="http://schemas.openxmlformats.org/drawingml/2006/main" xmlns:r="http://schemas.openxmlformats.org/officeDocument/2006/relationships" xmlns:p="http://schemas.openxmlformats.org/presentationml/2006/main">
   <p:cSld>
     <p:spTree>
@@ -11102,7 +14936,7 @@
 </p:sld>
 </file>
 
-<file path=ppt/slides/slide33.xml><?xml version="1.0" encoding="utf-8"?>
+<file path=ppt/slides/slide44.xml><?xml version="1.0" encoding="utf-8"?>
 <p:sld xmlns:a="http://schemas.openxmlformats.org/drawingml/2006/main" xmlns:r="http://schemas.openxmlformats.org/officeDocument/2006/relationships" xmlns:p="http://schemas.openxmlformats.org/presentationml/2006/main">
   <p:cSld>
     <p:spTree>
@@ -11574,7 +15408,7 @@
 </p:sld>
 </file>
 
-<file path=ppt/slides/slide34.xml><?xml version="1.0" encoding="utf-8"?>
+<file path=ppt/slides/slide45.xml><?xml version="1.0" encoding="utf-8"?>
 <p:sld xmlns:a="http://schemas.openxmlformats.org/drawingml/2006/main" xmlns:r="http://schemas.openxmlformats.org/officeDocument/2006/relationships" xmlns:p="http://schemas.openxmlformats.org/presentationml/2006/main">
   <p:cSld>
     <p:spTree>
@@ -12218,7 +16052,7 @@
 </p:sld>
 </file>
 
-<file path=ppt/slides/slide35.xml><?xml version="1.0" encoding="utf-8"?>
+<file path=ppt/slides/slide46.xml><?xml version="1.0" encoding="utf-8"?>
 <p:sld xmlns:a="http://schemas.openxmlformats.org/drawingml/2006/main" xmlns:r="http://schemas.openxmlformats.org/officeDocument/2006/relationships" xmlns:p="http://schemas.openxmlformats.org/presentationml/2006/main">
   <p:cSld>
     <p:spTree>
@@ -13116,7 +16950,7 @@
 </p:sld>
 </file>
 
-<file path=ppt/slides/slide36.xml><?xml version="1.0" encoding="utf-8"?>
+<file path=ppt/slides/slide47.xml><?xml version="1.0" encoding="utf-8"?>
 <p:sld xmlns:a="http://schemas.openxmlformats.org/drawingml/2006/main" xmlns:r="http://schemas.openxmlformats.org/officeDocument/2006/relationships" xmlns:p="http://schemas.openxmlformats.org/presentationml/2006/main">
   <p:cSld>
     <p:spTree>
@@ -13615,7 +17449,7 @@
 </p:sld>
 </file>
 
-<file path=ppt/slides/slide37.xml><?xml version="1.0" encoding="utf-8"?>
+<file path=ppt/slides/slide48.xml><?xml version="1.0" encoding="utf-8"?>
 <p:sld xmlns:a="http://schemas.openxmlformats.org/drawingml/2006/main" xmlns:r="http://schemas.openxmlformats.org/officeDocument/2006/relationships" xmlns:p="http://schemas.openxmlformats.org/presentationml/2006/main">
   <p:cSld>
     <p:spTree>
@@ -14099,7 +17933,7 @@
 </p:sld>
 </file>
 
-<file path=ppt/slides/slide38.xml><?xml version="1.0" encoding="utf-8"?>
+<file path=ppt/slides/slide49.xml><?xml version="1.0" encoding="utf-8"?>
 <p:sld xmlns:a="http://schemas.openxmlformats.org/drawingml/2006/main" xmlns:r="http://schemas.openxmlformats.org/officeDocument/2006/relationships" xmlns:p="http://schemas.openxmlformats.org/presentationml/2006/main">
   <p:cSld>
     <p:spTree>
@@ -14667,7 +18501,90 @@
 </p:sld>
 </file>
 
-<file path=ppt/slides/slide39.xml><?xml version="1.0" encoding="utf-8"?>
+<file path=ppt/slides/slide5.xml><?xml version="1.0" encoding="utf-8"?>
+<p:sld xmlns:a="http://schemas.openxmlformats.org/drawingml/2006/main" xmlns:r="http://schemas.openxmlformats.org/officeDocument/2006/relationships" xmlns:p="http://schemas.openxmlformats.org/presentationml/2006/main">
+  <p:cSld>
+    <p:spTree>
+      <p:nvGrpSpPr>
+        <p:cNvPr id="1" name=""/>
+        <p:cNvGrpSpPr/>
+        <p:nvPr/>
+      </p:nvGrpSpPr>
+      <p:grpSpPr>
+        <a:xfrm>
+          <a:off x="0" y="0"/>
+          <a:ext cx="0" cy="0"/>
+          <a:chOff x="0" y="0"/>
+          <a:chExt cx="0" cy="0"/>
+        </a:xfrm>
+      </p:grpSpPr>
+      <p:sp>
+        <p:nvSpPr>
+          <p:cNvPr id="2" name="Title 1">
+            <a:extLst>
+              <a:ext uri="{FF2B5EF4-FFF2-40B4-BE49-F238E27FC236}">
+                <a16:creationId xmlns:a16="http://schemas.microsoft.com/office/drawing/2014/main" id="{149F71B3-2D7D-74A2-E5C3-63EBD2C239C8}"/>
+              </a:ext>
+            </a:extLst>
+          </p:cNvPr>
+          <p:cNvSpPr>
+            <a:spLocks noGrp="1"/>
+          </p:cNvSpPr>
+          <p:nvPr>
+            <p:ph type="title"/>
+          </p:nvPr>
+        </p:nvSpPr>
+        <p:spPr/>
+        <p:txBody>
+          <a:bodyPr/>
+          <a:lstStyle/>
+          <a:p>
+            <a:r>
+              <a:rPr lang="en-US" dirty="0"/>
+              <a:t>Proof writing practice</a:t>
+            </a:r>
+          </a:p>
+        </p:txBody>
+      </p:sp>
+      <p:sp>
+        <p:nvSpPr>
+          <p:cNvPr id="3" name="Text Placeholder 2">
+            <a:extLst>
+              <a:ext uri="{FF2B5EF4-FFF2-40B4-BE49-F238E27FC236}">
+                <a16:creationId xmlns:a16="http://schemas.microsoft.com/office/drawing/2014/main" id="{A3608ACD-B439-456B-C165-6FFFD6B1D691}"/>
+              </a:ext>
+            </a:extLst>
+          </p:cNvPr>
+          <p:cNvSpPr>
+            <a:spLocks noGrp="1"/>
+          </p:cNvSpPr>
+          <p:nvPr>
+            <p:ph type="body" idx="1"/>
+          </p:nvPr>
+        </p:nvSpPr>
+        <p:spPr/>
+        <p:txBody>
+          <a:bodyPr/>
+          <a:lstStyle/>
+          <a:p>
+            <a:endParaRPr lang="en-US" dirty="0"/>
+          </a:p>
+        </p:txBody>
+      </p:sp>
+    </p:spTree>
+    <p:extLst>
+      <p:ext uri="{BB962C8B-B14F-4D97-AF65-F5344CB8AC3E}">
+        <p14:creationId xmlns:p14="http://schemas.microsoft.com/office/powerpoint/2010/main" val="3960231308"/>
+      </p:ext>
+    </p:extLst>
+  </p:cSld>
+  <p:clrMapOvr>
+    <a:masterClrMapping/>
+  </p:clrMapOvr>
+</p:sld>
+</file>
+
+<file path=ppt/slides/slide50.xml><?xml version="1.0" encoding="utf-8"?>
 <p:sld xmlns:a="http://schemas.openxmlformats.org/drawingml/2006/main" xmlns:r="http://schemas.openxmlformats.org/officeDocument/2006/relationships" xmlns:p="http://schemas.openxmlformats.org/presentationml/2006/main">
   <p:cSld>
     <p:spTree>
@@ -15761,108 +19678,7 @@
 </p:sld>
 </file>
 
-<file path=ppt/slides/slide4.xml><?xml version="1.0" encoding="utf-8"?>
-<p:sld xmlns:a="http://schemas.openxmlformats.org/drawingml/2006/main" xmlns:r="http://schemas.openxmlformats.org/officeDocument/2006/relationships" xmlns:p="http://schemas.openxmlformats.org/presentationml/2006/main">
-  <p:cSld>
-    <p:spTree>
-      <p:nvGrpSpPr>
-        <p:cNvPr id="1" name=""/>
-        <p:cNvGrpSpPr/>
-        <p:nvPr/>
-      </p:nvGrpSpPr>
-      <p:grpSpPr>
-        <a:xfrm>
-          <a:off x="0" y="0"/>
-          <a:ext cx="0" cy="0"/>
-          <a:chOff x="0" y="0"/>
-          <a:chExt cx="0" cy="0"/>
-        </a:xfrm>
-      </p:grpSpPr>
-      <p:sp>
-        <p:nvSpPr>
-          <p:cNvPr id="2" name="Title 1">
-            <a:extLst>
-              <a:ext uri="{FF2B5EF4-FFF2-40B4-BE49-F238E27FC236}">
-                <a16:creationId xmlns:a16="http://schemas.microsoft.com/office/drawing/2014/main" id="{8683793F-6037-50AB-8B2C-F8D74CE1B1A9}"/>
-              </a:ext>
-            </a:extLst>
-          </p:cNvPr>
-          <p:cNvSpPr>
-            <a:spLocks noGrp="1"/>
-          </p:cNvSpPr>
-          <p:nvPr>
-            <p:ph type="title"/>
-          </p:nvPr>
-        </p:nvSpPr>
-        <p:spPr/>
-        <p:txBody>
-          <a:bodyPr/>
-          <a:lstStyle/>
-          <a:p>
-            <a:r>
-              <a:rPr lang="en-US" dirty="0"/>
-              <a:t>Todo</a:t>
-            </a:r>
-          </a:p>
-        </p:txBody>
-      </p:sp>
-      <p:sp>
-        <p:nvSpPr>
-          <p:cNvPr id="3" name="Content Placeholder 2">
-            <a:extLst>
-              <a:ext uri="{FF2B5EF4-FFF2-40B4-BE49-F238E27FC236}">
-                <a16:creationId xmlns:a16="http://schemas.microsoft.com/office/drawing/2014/main" id="{449F05B5-0D46-27B1-CDE8-1CE6C3D54C63}"/>
-              </a:ext>
-            </a:extLst>
-          </p:cNvPr>
-          <p:cNvSpPr>
-            <a:spLocks noGrp="1"/>
-          </p:cNvSpPr>
-          <p:nvPr>
-            <p:ph idx="1"/>
-          </p:nvPr>
-        </p:nvSpPr>
-        <p:spPr/>
-        <p:txBody>
-          <a:bodyPr/>
-          <a:lstStyle/>
-          <a:p>
-            <a:pPr marL="457200" indent="-457200">
-              <a:buFont typeface="Arial" panose="020B0604020202020204" pitchFamily="34" charset="0"/>
-              <a:buChar char="•"/>
-            </a:pPr>
-            <a:r>
-              <a:rPr lang="en-US" b="1" dirty="0"/>
-              <a:t>Homework 1 due this Friday at 11:59pm</a:t>
-            </a:r>
-          </a:p>
-          <a:p>
-            <a:pPr marL="457200" indent="-457200">
-              <a:buFont typeface="Arial" panose="020B0604020202020204" pitchFamily="34" charset="0"/>
-              <a:buChar char="•"/>
-            </a:pPr>
-            <a:r>
-              <a:rPr lang="en-US" b="1" dirty="0"/>
-              <a:t>Reading + Concept checks for each lecture!</a:t>
-            </a:r>
-            <a:endParaRPr lang="en-US" dirty="0"/>
-          </a:p>
-        </p:txBody>
-      </p:sp>
-    </p:spTree>
-    <p:extLst>
-      <p:ext uri="{BB962C8B-B14F-4D97-AF65-F5344CB8AC3E}">
-        <p14:creationId xmlns:p14="http://schemas.microsoft.com/office/powerpoint/2010/main" val="461017719"/>
-      </p:ext>
-    </p:extLst>
-  </p:cSld>
-  <p:clrMapOvr>
-    <a:masterClrMapping/>
-  </p:clrMapOvr>
-</p:sld>
-</file>
-
-<file path=ppt/slides/slide40.xml><?xml version="1.0" encoding="utf-8"?>
+<file path=ppt/slides/slide51.xml><?xml version="1.0" encoding="utf-8"?>
 <p:sld xmlns:a="http://schemas.openxmlformats.org/drawingml/2006/main" xmlns:r="http://schemas.openxmlformats.org/officeDocument/2006/relationships" xmlns:p="http://schemas.openxmlformats.org/presentationml/2006/main">
   <p:cSld>
     <p:spTree>
@@ -16496,7 +20312,7 @@
 </p:sld>
 </file>
 
-<file path=ppt/slides/slide41.xml><?xml version="1.0" encoding="utf-8"?>
+<file path=ppt/slides/slide52.xml><?xml version="1.0" encoding="utf-8"?>
 <p:sld xmlns:a="http://schemas.openxmlformats.org/drawingml/2006/main" xmlns:r="http://schemas.openxmlformats.org/officeDocument/2006/relationships" xmlns:p="http://schemas.openxmlformats.org/presentationml/2006/main">
   <p:cSld>
     <p:spTree>
@@ -17036,7 +20852,7 @@
 </p:sld>
 </file>
 
-<file path=ppt/slides/slide42.xml><?xml version="1.0" encoding="utf-8"?>
+<file path=ppt/slides/slide53.xml><?xml version="1.0" encoding="utf-8"?>
 <p:sld xmlns:a="http://schemas.openxmlformats.org/drawingml/2006/main" xmlns:r="http://schemas.openxmlformats.org/officeDocument/2006/relationships" xmlns:p="http://schemas.openxmlformats.org/presentationml/2006/main">
   <p:cSld>
     <p:spTree>
@@ -17463,7 +21279,7 @@
 </p:sld>
 </file>
 
-<file path=ppt/slides/slide43.xml><?xml version="1.0" encoding="utf-8"?>
+<file path=ppt/slides/slide54.xml><?xml version="1.0" encoding="utf-8"?>
 <p:sld xmlns:a="http://schemas.openxmlformats.org/drawingml/2006/main" xmlns:r="http://schemas.openxmlformats.org/officeDocument/2006/relationships" xmlns:p="http://schemas.openxmlformats.org/presentationml/2006/main">
   <p:cSld>
     <p:spTree>
@@ -18438,7 +22254,7 @@
 </p:sld>
 </file>
 
-<file path=ppt/slides/slide44.xml><?xml version="1.0" encoding="utf-8"?>
+<file path=ppt/slides/slide55.xml><?xml version="1.0" encoding="utf-8"?>
 <p:sld xmlns:a="http://schemas.openxmlformats.org/drawingml/2006/main" xmlns:r="http://schemas.openxmlformats.org/officeDocument/2006/relationships" xmlns:p="http://schemas.openxmlformats.org/presentationml/2006/main">
   <p:cSld>
     <p:spTree>
@@ -19376,7 +23192,7 @@
 </p:sld>
 </file>
 
-<file path=ppt/slides/slide45.xml><?xml version="1.0" encoding="utf-8"?>
+<file path=ppt/slides/slide56.xml><?xml version="1.0" encoding="utf-8"?>
 <p:sld xmlns:a="http://schemas.openxmlformats.org/drawingml/2006/main" xmlns:r="http://schemas.openxmlformats.org/officeDocument/2006/relationships" xmlns:p="http://schemas.openxmlformats.org/presentationml/2006/main">
   <p:cSld>
     <p:spTree>
@@ -20440,7 +24256,7 @@
 </p:sld>
 </file>
 
-<file path=ppt/slides/slide46.xml><?xml version="1.0" encoding="utf-8"?>
+<file path=ppt/slides/slide57.xml><?xml version="1.0" encoding="utf-8"?>
 <p:sld xmlns:a="http://schemas.openxmlformats.org/drawingml/2006/main" xmlns:r="http://schemas.openxmlformats.org/officeDocument/2006/relationships" xmlns:p="http://schemas.openxmlformats.org/presentationml/2006/main">
   <p:cSld>
     <p:spTree>
@@ -20598,7 +24414,7 @@
 </p:sld>
 </file>
 
-<file path=ppt/slides/slide47.xml><?xml version="1.0" encoding="utf-8"?>
+<file path=ppt/slides/slide58.xml><?xml version="1.0" encoding="utf-8"?>
 <p:sld xmlns:a="http://schemas.openxmlformats.org/drawingml/2006/main" xmlns:r="http://schemas.openxmlformats.org/officeDocument/2006/relationships" xmlns:p="http://schemas.openxmlformats.org/presentationml/2006/main">
   <p:cSld>
     <p:spTree>
@@ -20742,89 +24558,6 @@
     <p:extLst>
       <p:ext uri="{BB962C8B-B14F-4D97-AF65-F5344CB8AC3E}">
         <p14:creationId xmlns:p14="http://schemas.microsoft.com/office/powerpoint/2010/main" val="779205654"/>
-      </p:ext>
-    </p:extLst>
-  </p:cSld>
-  <p:clrMapOvr>
-    <a:masterClrMapping/>
-  </p:clrMapOvr>
-</p:sld>
-</file>
-
-<file path=ppt/slides/slide5.xml><?xml version="1.0" encoding="utf-8"?>
-<p:sld xmlns:a="http://schemas.openxmlformats.org/drawingml/2006/main" xmlns:r="http://schemas.openxmlformats.org/officeDocument/2006/relationships" xmlns:p="http://schemas.openxmlformats.org/presentationml/2006/main">
-  <p:cSld>
-    <p:spTree>
-      <p:nvGrpSpPr>
-        <p:cNvPr id="1" name=""/>
-        <p:cNvGrpSpPr/>
-        <p:nvPr/>
-      </p:nvGrpSpPr>
-      <p:grpSpPr>
-        <a:xfrm>
-          <a:off x="0" y="0"/>
-          <a:ext cx="0" cy="0"/>
-          <a:chOff x="0" y="0"/>
-          <a:chExt cx="0" cy="0"/>
-        </a:xfrm>
-      </p:grpSpPr>
-      <p:sp>
-        <p:nvSpPr>
-          <p:cNvPr id="2" name="Title 1">
-            <a:extLst>
-              <a:ext uri="{FF2B5EF4-FFF2-40B4-BE49-F238E27FC236}">
-                <a16:creationId xmlns:a16="http://schemas.microsoft.com/office/drawing/2014/main" id="{149F71B3-2D7D-74A2-E5C3-63EBD2C239C8}"/>
-              </a:ext>
-            </a:extLst>
-          </p:cNvPr>
-          <p:cNvSpPr>
-            <a:spLocks noGrp="1"/>
-          </p:cNvSpPr>
-          <p:nvPr>
-            <p:ph type="title"/>
-          </p:nvPr>
-        </p:nvSpPr>
-        <p:spPr/>
-        <p:txBody>
-          <a:bodyPr/>
-          <a:lstStyle/>
-          <a:p>
-            <a:r>
-              <a:rPr lang="en-US" dirty="0"/>
-              <a:t>Proof writing practice</a:t>
-            </a:r>
-          </a:p>
-        </p:txBody>
-      </p:sp>
-      <p:sp>
-        <p:nvSpPr>
-          <p:cNvPr id="3" name="Text Placeholder 2">
-            <a:extLst>
-              <a:ext uri="{FF2B5EF4-FFF2-40B4-BE49-F238E27FC236}">
-                <a16:creationId xmlns:a16="http://schemas.microsoft.com/office/drawing/2014/main" id="{A3608ACD-B439-456B-C165-6FFFD6B1D691}"/>
-              </a:ext>
-            </a:extLst>
-          </p:cNvPr>
-          <p:cNvSpPr>
-            <a:spLocks noGrp="1"/>
-          </p:cNvSpPr>
-          <p:nvPr>
-            <p:ph type="body" idx="1"/>
-          </p:nvPr>
-        </p:nvSpPr>
-        <p:spPr/>
-        <p:txBody>
-          <a:bodyPr/>
-          <a:lstStyle/>
-          <a:p>
-            <a:endParaRPr lang="en-US" dirty="0"/>
-          </a:p>
-        </p:txBody>
-      </p:sp>
-    </p:spTree>
-    <p:extLst>
-      <p:ext uri="{BB962C8B-B14F-4D97-AF65-F5344CB8AC3E}">
-        <p14:creationId xmlns:p14="http://schemas.microsoft.com/office/powerpoint/2010/main" val="3960231308"/>
       </p:ext>
     </p:extLst>
   </p:cSld>
